--- a/資料/ultrabreath_slide8_summary_nfc.pptx
+++ b/資料/ultrabreath_slide8_summary_nfc.pptx
@@ -2,26 +2,26 @@
 <file path=ppt/presentation.xml><?xml version="1.0" encoding="utf-8"?>
 <p:presentation xmlns:a="http://schemas.openxmlformats.org/drawingml/2006/main" xmlns:r="http://schemas.openxmlformats.org/officeDocument/2006/relationships" xmlns:p="http://schemas.openxmlformats.org/presentationml/2006/main" saveSubsetFonts="1">
   <p:sldMasterIdLst>
-    <p:sldMasterId id="2147483648" r:id="rId1"/>
+    <p:sldMasterId id="2147483744" r:id="rId1"/>
   </p:sldMasterIdLst>
   <p:sldIdLst>
     <p:sldId id="256" r:id="rId2"/>
     <p:sldId id="257" r:id="rId3"/>
-    <p:sldId id="258" r:id="rId8"/>
-    <p:sldId id="259" r:id="rId9"/>
-    <p:sldId id="260" r:id="rId10"/>
-    <p:sldId id="261" r:id="rId11"/>
-    <p:sldId id="262" r:id="rId12"/>
-    <p:sldId id="263" r:id="rId13"/>
+    <p:sldId id="258" r:id="rId4"/>
+    <p:sldId id="259" r:id="rId5"/>
+    <p:sldId id="260" r:id="rId6"/>
+    <p:sldId id="261" r:id="rId7"/>
+    <p:sldId id="262" r:id="rId8"/>
+    <p:sldId id="263" r:id="rId9"/>
   </p:sldIdLst>
   <p:sldSz cx="12192000" cy="6858000"/>
   <p:notesSz cx="6858000" cy="9144000"/>
   <p:defaultTextStyle>
     <a:defPPr>
-      <a:defRPr lang="ja-JP"/>
+      <a:defRPr lang="en-US"/>
     </a:defPPr>
-    <a:lvl1pPr marL="0" algn="l" defTabSz="914400" rtl="0" eaLnBrk="1" latinLnBrk="0" hangingPunct="1">
-      <a:defRPr kumimoji="1" sz="1800" kern="1200">
+    <a:lvl1pPr marL="0" algn="l" defTabSz="457200" rtl="0" eaLnBrk="1" latinLnBrk="0" hangingPunct="1">
+      <a:defRPr sz="1800" kern="1200">
         <a:solidFill>
           <a:schemeClr val="tx1"/>
         </a:solidFill>
@@ -30,8 +30,8 @@
         <a:cs typeface="+mn-cs"/>
       </a:defRPr>
     </a:lvl1pPr>
-    <a:lvl2pPr marL="457200" algn="l" defTabSz="914400" rtl="0" eaLnBrk="1" latinLnBrk="0" hangingPunct="1">
-      <a:defRPr kumimoji="1" sz="1800" kern="1200">
+    <a:lvl2pPr marL="457200" algn="l" defTabSz="457200" rtl="0" eaLnBrk="1" latinLnBrk="0" hangingPunct="1">
+      <a:defRPr sz="1800" kern="1200">
         <a:solidFill>
           <a:schemeClr val="tx1"/>
         </a:solidFill>
@@ -40,8 +40,8 @@
         <a:cs typeface="+mn-cs"/>
       </a:defRPr>
     </a:lvl2pPr>
-    <a:lvl3pPr marL="914400" algn="l" defTabSz="914400" rtl="0" eaLnBrk="1" latinLnBrk="0" hangingPunct="1">
-      <a:defRPr kumimoji="1" sz="1800" kern="1200">
+    <a:lvl3pPr marL="914400" algn="l" defTabSz="457200" rtl="0" eaLnBrk="1" latinLnBrk="0" hangingPunct="1">
+      <a:defRPr sz="1800" kern="1200">
         <a:solidFill>
           <a:schemeClr val="tx1"/>
         </a:solidFill>
@@ -50,8 +50,8 @@
         <a:cs typeface="+mn-cs"/>
       </a:defRPr>
     </a:lvl3pPr>
-    <a:lvl4pPr marL="1371600" algn="l" defTabSz="914400" rtl="0" eaLnBrk="1" latinLnBrk="0" hangingPunct="1">
-      <a:defRPr kumimoji="1" sz="1800" kern="1200">
+    <a:lvl4pPr marL="1371600" algn="l" defTabSz="457200" rtl="0" eaLnBrk="1" latinLnBrk="0" hangingPunct="1">
+      <a:defRPr sz="1800" kern="1200">
         <a:solidFill>
           <a:schemeClr val="tx1"/>
         </a:solidFill>
@@ -60,8 +60,8 @@
         <a:cs typeface="+mn-cs"/>
       </a:defRPr>
     </a:lvl4pPr>
-    <a:lvl5pPr marL="1828800" algn="l" defTabSz="914400" rtl="0" eaLnBrk="1" latinLnBrk="0" hangingPunct="1">
-      <a:defRPr kumimoji="1" sz="1800" kern="1200">
+    <a:lvl5pPr marL="1828800" algn="l" defTabSz="457200" rtl="0" eaLnBrk="1" latinLnBrk="0" hangingPunct="1">
+      <a:defRPr sz="1800" kern="1200">
         <a:solidFill>
           <a:schemeClr val="tx1"/>
         </a:solidFill>
@@ -70,8 +70,8 @@
         <a:cs typeface="+mn-cs"/>
       </a:defRPr>
     </a:lvl5pPr>
-    <a:lvl6pPr marL="2286000" algn="l" defTabSz="914400" rtl="0" eaLnBrk="1" latinLnBrk="0" hangingPunct="1">
-      <a:defRPr kumimoji="1" sz="1800" kern="1200">
+    <a:lvl6pPr marL="2286000" algn="l" defTabSz="457200" rtl="0" eaLnBrk="1" latinLnBrk="0" hangingPunct="1">
+      <a:defRPr sz="1800" kern="1200">
         <a:solidFill>
           <a:schemeClr val="tx1"/>
         </a:solidFill>
@@ -80,8 +80,8 @@
         <a:cs typeface="+mn-cs"/>
       </a:defRPr>
     </a:lvl6pPr>
-    <a:lvl7pPr marL="2743200" algn="l" defTabSz="914400" rtl="0" eaLnBrk="1" latinLnBrk="0" hangingPunct="1">
-      <a:defRPr kumimoji="1" sz="1800" kern="1200">
+    <a:lvl7pPr marL="2743200" algn="l" defTabSz="457200" rtl="0" eaLnBrk="1" latinLnBrk="0" hangingPunct="1">
+      <a:defRPr sz="1800" kern="1200">
         <a:solidFill>
           <a:schemeClr val="tx1"/>
         </a:solidFill>
@@ -90,8 +90,8 @@
         <a:cs typeface="+mn-cs"/>
       </a:defRPr>
     </a:lvl7pPr>
-    <a:lvl8pPr marL="3200400" algn="l" defTabSz="914400" rtl="0" eaLnBrk="1" latinLnBrk="0" hangingPunct="1">
-      <a:defRPr kumimoji="1" sz="1800" kern="1200">
+    <a:lvl8pPr marL="3200400" algn="l" defTabSz="457200" rtl="0" eaLnBrk="1" latinLnBrk="0" hangingPunct="1">
+      <a:defRPr sz="1800" kern="1200">
         <a:solidFill>
           <a:schemeClr val="tx1"/>
         </a:solidFill>
@@ -100,8 +100,8 @@
         <a:cs typeface="+mn-cs"/>
       </a:defRPr>
     </a:lvl8pPr>
-    <a:lvl9pPr marL="3657600" algn="l" defTabSz="914400" rtl="0" eaLnBrk="1" latinLnBrk="0" hangingPunct="1">
-      <a:defRPr kumimoji="1" sz="1800" kern="1200">
+    <a:lvl9pPr marL="3657600" algn="l" defTabSz="457200" rtl="0" eaLnBrk="1" latinLnBrk="0" hangingPunct="1">
+      <a:defRPr sz="1800" kern="1200">
         <a:solidFill>
           <a:schemeClr val="tx1"/>
         </a:solidFill>
@@ -138,13 +138,7 @@
       </p:grpSpPr>
       <p:sp>
         <p:nvSpPr>
-          <p:cNvPr id="2" name="タイトル 1">
-            <a:extLst>
-              <a:ext uri="{FF2B5EF4-FFF2-40B4-BE49-F238E27FC236}">
-                <a16:creationId xmlns:a16="http://schemas.microsoft.com/office/drawing/2014/main" id="{406C3C8D-38C7-4B75-6FE5-63C3A17630C8}"/>
-              </a:ext>
-            </a:extLst>
-          </p:cNvPr>
+          <p:cNvPr id="2" name="Title 1"/>
           <p:cNvSpPr>
             <a:spLocks noGrp="1"/>
           </p:cNvSpPr>
@@ -167,21 +161,16 @@
           </a:lstStyle>
           <a:p>
             <a:r>
-              <a:rPr kumimoji="1" lang="ja-JP" altLang="en-US"/>
+              <a:rPr lang="ja-JP" altLang="en-US"/>
               <a:t>マスター タイトルの書式設定</a:t>
             </a:r>
-          </a:p>
-        </p:txBody>
-      </p:sp>
-      <p:sp>
-        <p:nvSpPr>
-          <p:cNvPr id="3" name="字幕 2">
-            <a:extLst>
-              <a:ext uri="{FF2B5EF4-FFF2-40B4-BE49-F238E27FC236}">
-                <a16:creationId xmlns:a16="http://schemas.microsoft.com/office/drawing/2014/main" id="{314ED3D2-DA09-4863-84E9-CE93E049A73B}"/>
-              </a:ext>
-            </a:extLst>
-          </p:cNvPr>
+            <a:endParaRPr lang="en-US" dirty="0"/>
+          </a:p>
+        </p:txBody>
+      </p:sp>
+      <p:sp>
+        <p:nvSpPr>
+          <p:cNvPr id="3" name="Subtitle 2"/>
           <p:cNvSpPr>
             <a:spLocks noGrp="1"/>
           </p:cNvSpPr>
@@ -237,21 +226,16 @@
           </a:lstStyle>
           <a:p>
             <a:r>
-              <a:rPr kumimoji="1" lang="ja-JP" altLang="en-US"/>
+              <a:rPr lang="ja-JP" altLang="en-US"/>
               <a:t>マスター サブタイトルの書式設定</a:t>
             </a:r>
-          </a:p>
-        </p:txBody>
-      </p:sp>
-      <p:sp>
-        <p:nvSpPr>
-          <p:cNvPr id="4" name="日付プレースホルダー 3">
-            <a:extLst>
-              <a:ext uri="{FF2B5EF4-FFF2-40B4-BE49-F238E27FC236}">
-                <a16:creationId xmlns:a16="http://schemas.microsoft.com/office/drawing/2014/main" id="{F2EF7557-8CB4-56F5-3D6F-D78243C8779A}"/>
-              </a:ext>
-            </a:extLst>
-          </p:cNvPr>
+            <a:endParaRPr lang="en-US" dirty="0"/>
+          </a:p>
+        </p:txBody>
+      </p:sp>
+      <p:sp>
+        <p:nvSpPr>
+          <p:cNvPr id="4" name="Date Placeholder 3"/>
           <p:cNvSpPr>
             <a:spLocks noGrp="1"/>
           </p:cNvSpPr>
@@ -274,13 +258,7 @@
       </p:sp>
       <p:sp>
         <p:nvSpPr>
-          <p:cNvPr id="5" name="フッター プレースホルダー 4">
-            <a:extLst>
-              <a:ext uri="{FF2B5EF4-FFF2-40B4-BE49-F238E27FC236}">
-                <a16:creationId xmlns:a16="http://schemas.microsoft.com/office/drawing/2014/main" id="{D6AFE340-E4C2-22FC-09C9-0B39E5BEC9E2}"/>
-              </a:ext>
-            </a:extLst>
-          </p:cNvPr>
+          <p:cNvPr id="5" name="Footer Placeholder 4"/>
           <p:cNvSpPr>
             <a:spLocks noGrp="1"/>
           </p:cNvSpPr>
@@ -299,13 +277,7 @@
       </p:sp>
       <p:sp>
         <p:nvSpPr>
-          <p:cNvPr id="6" name="スライド番号プレースホルダー 5">
-            <a:extLst>
-              <a:ext uri="{FF2B5EF4-FFF2-40B4-BE49-F238E27FC236}">
-                <a16:creationId xmlns:a16="http://schemas.microsoft.com/office/drawing/2014/main" id="{400ED7EF-B306-3169-0D31-6EFC4B8A88BD}"/>
-              </a:ext>
-            </a:extLst>
-          </p:cNvPr>
+          <p:cNvPr id="6" name="Slide Number Placeholder 5"/>
           <p:cNvSpPr>
             <a:spLocks noGrp="1"/>
           </p:cNvSpPr>
@@ -329,7 +301,7 @@
     </p:spTree>
     <p:extLst>
       <p:ext uri="{BB962C8B-B14F-4D97-AF65-F5344CB8AC3E}">
-        <p14:creationId xmlns:p14="http://schemas.microsoft.com/office/powerpoint/2010/main" val="1885122224"/>
+        <p14:creationId xmlns:p14="http://schemas.microsoft.com/office/powerpoint/2010/main" val="4184095973"/>
       </p:ext>
     </p:extLst>
   </p:cSld>
@@ -358,13 +330,7 @@
       </p:grpSpPr>
       <p:sp>
         <p:nvSpPr>
-          <p:cNvPr id="2" name="タイトル 1">
-            <a:extLst>
-              <a:ext uri="{FF2B5EF4-FFF2-40B4-BE49-F238E27FC236}">
-                <a16:creationId xmlns:a16="http://schemas.microsoft.com/office/drawing/2014/main" id="{06E78A56-7F94-CEF7-1534-AFC7AEDA8DC5}"/>
-              </a:ext>
-            </a:extLst>
-          </p:cNvPr>
+          <p:cNvPr id="2" name="Title 1"/>
           <p:cNvSpPr>
             <a:spLocks noGrp="1"/>
           </p:cNvSpPr>
@@ -378,21 +344,16 @@
           <a:lstStyle/>
           <a:p>
             <a:r>
-              <a:rPr kumimoji="1" lang="ja-JP" altLang="en-US"/>
+              <a:rPr lang="ja-JP" altLang="en-US"/>
               <a:t>マスター タイトルの書式設定</a:t>
             </a:r>
-          </a:p>
-        </p:txBody>
-      </p:sp>
-      <p:sp>
-        <p:nvSpPr>
-          <p:cNvPr id="3" name="縦書きテキスト プレースホルダー 2">
-            <a:extLst>
-              <a:ext uri="{FF2B5EF4-FFF2-40B4-BE49-F238E27FC236}">
-                <a16:creationId xmlns:a16="http://schemas.microsoft.com/office/drawing/2014/main" id="{4832C6B5-651A-375C-2CC1-B8AA66B2D8B2}"/>
-              </a:ext>
-            </a:extLst>
-          </p:cNvPr>
+            <a:endParaRPr lang="en-US" dirty="0"/>
+          </a:p>
+        </p:txBody>
+      </p:sp>
+      <p:sp>
+        <p:nvSpPr>
+          <p:cNvPr id="3" name="Vertical Text Placeholder 2"/>
           <p:cNvSpPr>
             <a:spLocks noGrp="1"/>
           </p:cNvSpPr>
@@ -407,81 +368,76 @@
           <a:p>
             <a:pPr lvl="0"/>
             <a:r>
-              <a:rPr kumimoji="1" lang="ja-JP" altLang="en-US"/>
+              <a:rPr lang="ja-JP" altLang="en-US"/>
               <a:t>マスター テキストの書式設定</a:t>
             </a:r>
           </a:p>
           <a:p>
             <a:pPr lvl="1"/>
             <a:r>
-              <a:rPr kumimoji="1" lang="ja-JP" altLang="en-US"/>
+              <a:rPr lang="ja-JP" altLang="en-US"/>
               <a:t>第 </a:t>
             </a:r>
             <a:r>
-              <a:rPr kumimoji="1" lang="en-US" altLang="ja-JP"/>
+              <a:rPr lang="en-US" altLang="ja-JP"/>
               <a:t>2 </a:t>
             </a:r>
             <a:r>
-              <a:rPr kumimoji="1" lang="ja-JP" altLang="en-US"/>
+              <a:rPr lang="ja-JP" altLang="en-US"/>
               <a:t>レベル</a:t>
             </a:r>
           </a:p>
           <a:p>
             <a:pPr lvl="2"/>
             <a:r>
-              <a:rPr kumimoji="1" lang="ja-JP" altLang="en-US"/>
+              <a:rPr lang="ja-JP" altLang="en-US"/>
               <a:t>第 </a:t>
             </a:r>
             <a:r>
-              <a:rPr kumimoji="1" lang="en-US" altLang="ja-JP"/>
+              <a:rPr lang="en-US" altLang="ja-JP"/>
               <a:t>3 </a:t>
             </a:r>
             <a:r>
-              <a:rPr kumimoji="1" lang="ja-JP" altLang="en-US"/>
+              <a:rPr lang="ja-JP" altLang="en-US"/>
               <a:t>レベル</a:t>
             </a:r>
           </a:p>
           <a:p>
             <a:pPr lvl="3"/>
             <a:r>
-              <a:rPr kumimoji="1" lang="ja-JP" altLang="en-US"/>
+              <a:rPr lang="ja-JP" altLang="en-US"/>
               <a:t>第 </a:t>
             </a:r>
             <a:r>
-              <a:rPr kumimoji="1" lang="en-US" altLang="ja-JP"/>
+              <a:rPr lang="en-US" altLang="ja-JP"/>
               <a:t>4 </a:t>
             </a:r>
             <a:r>
-              <a:rPr kumimoji="1" lang="ja-JP" altLang="en-US"/>
+              <a:rPr lang="ja-JP" altLang="en-US"/>
               <a:t>レベル</a:t>
             </a:r>
           </a:p>
           <a:p>
             <a:pPr lvl="4"/>
             <a:r>
-              <a:rPr kumimoji="1" lang="ja-JP" altLang="en-US"/>
+              <a:rPr lang="ja-JP" altLang="en-US"/>
               <a:t>第 </a:t>
             </a:r>
             <a:r>
-              <a:rPr kumimoji="1" lang="en-US" altLang="ja-JP"/>
+              <a:rPr lang="en-US" altLang="ja-JP"/>
               <a:t>5 </a:t>
             </a:r>
             <a:r>
-              <a:rPr kumimoji="1" lang="ja-JP" altLang="en-US"/>
+              <a:rPr lang="ja-JP" altLang="en-US"/>
               <a:t>レベル</a:t>
             </a:r>
-          </a:p>
-        </p:txBody>
-      </p:sp>
-      <p:sp>
-        <p:nvSpPr>
-          <p:cNvPr id="4" name="日付プレースホルダー 3">
-            <a:extLst>
-              <a:ext uri="{FF2B5EF4-FFF2-40B4-BE49-F238E27FC236}">
-                <a16:creationId xmlns:a16="http://schemas.microsoft.com/office/drawing/2014/main" id="{241A84AC-58C6-37D6-7C7C-D81FEE2848B8}"/>
-              </a:ext>
-            </a:extLst>
-          </p:cNvPr>
+            <a:endParaRPr lang="en-US" dirty="0"/>
+          </a:p>
+        </p:txBody>
+      </p:sp>
+      <p:sp>
+        <p:nvSpPr>
+          <p:cNvPr id="4" name="Date Placeholder 3"/>
           <p:cNvSpPr>
             <a:spLocks noGrp="1"/>
           </p:cNvSpPr>
@@ -504,13 +460,7 @@
       </p:sp>
       <p:sp>
         <p:nvSpPr>
-          <p:cNvPr id="5" name="フッター プレースホルダー 4">
-            <a:extLst>
-              <a:ext uri="{FF2B5EF4-FFF2-40B4-BE49-F238E27FC236}">
-                <a16:creationId xmlns:a16="http://schemas.microsoft.com/office/drawing/2014/main" id="{347581F6-70C8-A2D2-65D9-E5E7D3764F69}"/>
-              </a:ext>
-            </a:extLst>
-          </p:cNvPr>
+          <p:cNvPr id="5" name="Footer Placeholder 4"/>
           <p:cNvSpPr>
             <a:spLocks noGrp="1"/>
           </p:cNvSpPr>
@@ -529,13 +479,7 @@
       </p:sp>
       <p:sp>
         <p:nvSpPr>
-          <p:cNvPr id="6" name="スライド番号プレースホルダー 5">
-            <a:extLst>
-              <a:ext uri="{FF2B5EF4-FFF2-40B4-BE49-F238E27FC236}">
-                <a16:creationId xmlns:a16="http://schemas.microsoft.com/office/drawing/2014/main" id="{B96E4E3D-4559-D6B3-33EA-61DA97B087CD}"/>
-              </a:ext>
-            </a:extLst>
-          </p:cNvPr>
+          <p:cNvPr id="6" name="Slide Number Placeholder 5"/>
           <p:cNvSpPr>
             <a:spLocks noGrp="1"/>
           </p:cNvSpPr>
@@ -559,7 +503,7 @@
     </p:spTree>
     <p:extLst>
       <p:ext uri="{BB962C8B-B14F-4D97-AF65-F5344CB8AC3E}">
-        <p14:creationId xmlns:p14="http://schemas.microsoft.com/office/powerpoint/2010/main" val="3073338983"/>
+        <p14:creationId xmlns:p14="http://schemas.microsoft.com/office/powerpoint/2010/main" val="535005567"/>
       </p:ext>
     </p:extLst>
   </p:cSld>
@@ -588,13 +532,7 @@
       </p:grpSpPr>
       <p:sp>
         <p:nvSpPr>
-          <p:cNvPr id="2" name="縦書きタイトル 1">
-            <a:extLst>
-              <a:ext uri="{FF2B5EF4-FFF2-40B4-BE49-F238E27FC236}">
-                <a16:creationId xmlns:a16="http://schemas.microsoft.com/office/drawing/2014/main" id="{24740CA3-3E98-2766-77D1-2CC49891A672}"/>
-              </a:ext>
-            </a:extLst>
-          </p:cNvPr>
+          <p:cNvPr id="2" name="Vertical Title 1"/>
           <p:cNvSpPr>
             <a:spLocks noGrp="1"/>
           </p:cNvSpPr>
@@ -613,21 +551,16 @@
           <a:lstStyle/>
           <a:p>
             <a:r>
-              <a:rPr kumimoji="1" lang="ja-JP" altLang="en-US"/>
+              <a:rPr lang="ja-JP" altLang="en-US"/>
               <a:t>マスター タイトルの書式設定</a:t>
             </a:r>
-          </a:p>
-        </p:txBody>
-      </p:sp>
-      <p:sp>
-        <p:nvSpPr>
-          <p:cNvPr id="3" name="縦書きテキスト プレースホルダー 2">
-            <a:extLst>
-              <a:ext uri="{FF2B5EF4-FFF2-40B4-BE49-F238E27FC236}">
-                <a16:creationId xmlns:a16="http://schemas.microsoft.com/office/drawing/2014/main" id="{A4FD84DD-6A6E-A536-816E-AFF1D756FA7E}"/>
-              </a:ext>
-            </a:extLst>
-          </p:cNvPr>
+            <a:endParaRPr lang="en-US" dirty="0"/>
+          </a:p>
+        </p:txBody>
+      </p:sp>
+      <p:sp>
+        <p:nvSpPr>
+          <p:cNvPr id="3" name="Vertical Text Placeholder 2"/>
           <p:cNvSpPr>
             <a:spLocks noGrp="1"/>
           </p:cNvSpPr>
@@ -647,81 +580,76 @@
           <a:p>
             <a:pPr lvl="0"/>
             <a:r>
-              <a:rPr kumimoji="1" lang="ja-JP" altLang="en-US"/>
+              <a:rPr lang="ja-JP" altLang="en-US"/>
               <a:t>マスター テキストの書式設定</a:t>
             </a:r>
           </a:p>
           <a:p>
             <a:pPr lvl="1"/>
             <a:r>
-              <a:rPr kumimoji="1" lang="ja-JP" altLang="en-US"/>
+              <a:rPr lang="ja-JP" altLang="en-US"/>
               <a:t>第 </a:t>
             </a:r>
             <a:r>
-              <a:rPr kumimoji="1" lang="en-US" altLang="ja-JP"/>
+              <a:rPr lang="en-US" altLang="ja-JP"/>
               <a:t>2 </a:t>
             </a:r>
             <a:r>
-              <a:rPr kumimoji="1" lang="ja-JP" altLang="en-US"/>
+              <a:rPr lang="ja-JP" altLang="en-US"/>
               <a:t>レベル</a:t>
             </a:r>
           </a:p>
           <a:p>
             <a:pPr lvl="2"/>
             <a:r>
-              <a:rPr kumimoji="1" lang="ja-JP" altLang="en-US"/>
+              <a:rPr lang="ja-JP" altLang="en-US"/>
               <a:t>第 </a:t>
             </a:r>
             <a:r>
-              <a:rPr kumimoji="1" lang="en-US" altLang="ja-JP"/>
+              <a:rPr lang="en-US" altLang="ja-JP"/>
               <a:t>3 </a:t>
             </a:r>
             <a:r>
-              <a:rPr kumimoji="1" lang="ja-JP" altLang="en-US"/>
+              <a:rPr lang="ja-JP" altLang="en-US"/>
               <a:t>レベル</a:t>
             </a:r>
           </a:p>
           <a:p>
             <a:pPr lvl="3"/>
             <a:r>
-              <a:rPr kumimoji="1" lang="ja-JP" altLang="en-US"/>
+              <a:rPr lang="ja-JP" altLang="en-US"/>
               <a:t>第 </a:t>
             </a:r>
             <a:r>
-              <a:rPr kumimoji="1" lang="en-US" altLang="ja-JP"/>
+              <a:rPr lang="en-US" altLang="ja-JP"/>
               <a:t>4 </a:t>
             </a:r>
             <a:r>
-              <a:rPr kumimoji="1" lang="ja-JP" altLang="en-US"/>
+              <a:rPr lang="ja-JP" altLang="en-US"/>
               <a:t>レベル</a:t>
             </a:r>
           </a:p>
           <a:p>
             <a:pPr lvl="4"/>
             <a:r>
-              <a:rPr kumimoji="1" lang="ja-JP" altLang="en-US"/>
+              <a:rPr lang="ja-JP" altLang="en-US"/>
               <a:t>第 </a:t>
             </a:r>
             <a:r>
-              <a:rPr kumimoji="1" lang="en-US" altLang="ja-JP"/>
+              <a:rPr lang="en-US" altLang="ja-JP"/>
               <a:t>5 </a:t>
             </a:r>
             <a:r>
-              <a:rPr kumimoji="1" lang="ja-JP" altLang="en-US"/>
+              <a:rPr lang="ja-JP" altLang="en-US"/>
               <a:t>レベル</a:t>
             </a:r>
-          </a:p>
-        </p:txBody>
-      </p:sp>
-      <p:sp>
-        <p:nvSpPr>
-          <p:cNvPr id="4" name="日付プレースホルダー 3">
-            <a:extLst>
-              <a:ext uri="{FF2B5EF4-FFF2-40B4-BE49-F238E27FC236}">
-                <a16:creationId xmlns:a16="http://schemas.microsoft.com/office/drawing/2014/main" id="{B5989A20-B2C4-2DF6-EE70-49E245BA26D5}"/>
-              </a:ext>
-            </a:extLst>
-          </p:cNvPr>
+            <a:endParaRPr lang="en-US" dirty="0"/>
+          </a:p>
+        </p:txBody>
+      </p:sp>
+      <p:sp>
+        <p:nvSpPr>
+          <p:cNvPr id="4" name="Date Placeholder 3"/>
           <p:cNvSpPr>
             <a:spLocks noGrp="1"/>
           </p:cNvSpPr>
@@ -744,13 +672,7 @@
       </p:sp>
       <p:sp>
         <p:nvSpPr>
-          <p:cNvPr id="5" name="フッター プレースホルダー 4">
-            <a:extLst>
-              <a:ext uri="{FF2B5EF4-FFF2-40B4-BE49-F238E27FC236}">
-                <a16:creationId xmlns:a16="http://schemas.microsoft.com/office/drawing/2014/main" id="{0EE48B6F-EFCA-9402-A07C-B772D13B8198}"/>
-              </a:ext>
-            </a:extLst>
-          </p:cNvPr>
+          <p:cNvPr id="5" name="Footer Placeholder 4"/>
           <p:cNvSpPr>
             <a:spLocks noGrp="1"/>
           </p:cNvSpPr>
@@ -769,13 +691,7 @@
       </p:sp>
       <p:sp>
         <p:nvSpPr>
-          <p:cNvPr id="6" name="スライド番号プレースホルダー 5">
-            <a:extLst>
-              <a:ext uri="{FF2B5EF4-FFF2-40B4-BE49-F238E27FC236}">
-                <a16:creationId xmlns:a16="http://schemas.microsoft.com/office/drawing/2014/main" id="{6E6A33AA-0DD7-104A-C2A9-62385244E24F}"/>
-              </a:ext>
-            </a:extLst>
-          </p:cNvPr>
+          <p:cNvPr id="6" name="Slide Number Placeholder 5"/>
           <p:cNvSpPr>
             <a:spLocks noGrp="1"/>
           </p:cNvSpPr>
@@ -799,7 +715,7 @@
     </p:spTree>
     <p:extLst>
       <p:ext uri="{BB962C8B-B14F-4D97-AF65-F5344CB8AC3E}">
-        <p14:creationId xmlns:p14="http://schemas.microsoft.com/office/powerpoint/2010/main" val="677887890"/>
+        <p14:creationId xmlns:p14="http://schemas.microsoft.com/office/powerpoint/2010/main" val="1981312776"/>
       </p:ext>
     </p:extLst>
   </p:cSld>
@@ -828,13 +744,7 @@
       </p:grpSpPr>
       <p:sp>
         <p:nvSpPr>
-          <p:cNvPr id="2" name="タイトル 1">
-            <a:extLst>
-              <a:ext uri="{FF2B5EF4-FFF2-40B4-BE49-F238E27FC236}">
-                <a16:creationId xmlns:a16="http://schemas.microsoft.com/office/drawing/2014/main" id="{1064857F-A285-8006-B963-8801E9CD9446}"/>
-              </a:ext>
-            </a:extLst>
-          </p:cNvPr>
+          <p:cNvPr id="2" name="Title 1"/>
           <p:cNvSpPr>
             <a:spLocks noGrp="1"/>
           </p:cNvSpPr>
@@ -848,21 +758,16 @@
           <a:lstStyle/>
           <a:p>
             <a:r>
-              <a:rPr kumimoji="1" lang="ja-JP" altLang="en-US"/>
+              <a:rPr lang="ja-JP" altLang="en-US"/>
               <a:t>マスター タイトルの書式設定</a:t>
             </a:r>
-          </a:p>
-        </p:txBody>
-      </p:sp>
-      <p:sp>
-        <p:nvSpPr>
-          <p:cNvPr id="3" name="コンテンツ プレースホルダー 2">
-            <a:extLst>
-              <a:ext uri="{FF2B5EF4-FFF2-40B4-BE49-F238E27FC236}">
-                <a16:creationId xmlns:a16="http://schemas.microsoft.com/office/drawing/2014/main" id="{C0602069-FA0D-1559-0092-10A751062A78}"/>
-              </a:ext>
-            </a:extLst>
-          </p:cNvPr>
+            <a:endParaRPr lang="en-US" dirty="0"/>
+          </a:p>
+        </p:txBody>
+      </p:sp>
+      <p:sp>
+        <p:nvSpPr>
+          <p:cNvPr id="3" name="Content Placeholder 2"/>
           <p:cNvSpPr>
             <a:spLocks noGrp="1"/>
           </p:cNvSpPr>
@@ -877,81 +782,76 @@
           <a:p>
             <a:pPr lvl="0"/>
             <a:r>
-              <a:rPr kumimoji="1" lang="ja-JP" altLang="en-US"/>
+              <a:rPr lang="ja-JP" altLang="en-US"/>
               <a:t>マスター テキストの書式設定</a:t>
             </a:r>
           </a:p>
           <a:p>
             <a:pPr lvl="1"/>
             <a:r>
-              <a:rPr kumimoji="1" lang="ja-JP" altLang="en-US"/>
+              <a:rPr lang="ja-JP" altLang="en-US"/>
               <a:t>第 </a:t>
             </a:r>
             <a:r>
-              <a:rPr kumimoji="1" lang="en-US" altLang="ja-JP"/>
+              <a:rPr lang="en-US" altLang="ja-JP"/>
               <a:t>2 </a:t>
             </a:r>
             <a:r>
-              <a:rPr kumimoji="1" lang="ja-JP" altLang="en-US"/>
+              <a:rPr lang="ja-JP" altLang="en-US"/>
               <a:t>レベル</a:t>
             </a:r>
           </a:p>
           <a:p>
             <a:pPr lvl="2"/>
             <a:r>
-              <a:rPr kumimoji="1" lang="ja-JP" altLang="en-US"/>
+              <a:rPr lang="ja-JP" altLang="en-US"/>
               <a:t>第 </a:t>
             </a:r>
             <a:r>
-              <a:rPr kumimoji="1" lang="en-US" altLang="ja-JP"/>
+              <a:rPr lang="en-US" altLang="ja-JP"/>
               <a:t>3 </a:t>
             </a:r>
             <a:r>
-              <a:rPr kumimoji="1" lang="ja-JP" altLang="en-US"/>
+              <a:rPr lang="ja-JP" altLang="en-US"/>
               <a:t>レベル</a:t>
             </a:r>
           </a:p>
           <a:p>
             <a:pPr lvl="3"/>
             <a:r>
-              <a:rPr kumimoji="1" lang="ja-JP" altLang="en-US"/>
+              <a:rPr lang="ja-JP" altLang="en-US"/>
               <a:t>第 </a:t>
             </a:r>
             <a:r>
-              <a:rPr kumimoji="1" lang="en-US" altLang="ja-JP"/>
+              <a:rPr lang="en-US" altLang="ja-JP"/>
               <a:t>4 </a:t>
             </a:r>
             <a:r>
-              <a:rPr kumimoji="1" lang="ja-JP" altLang="en-US"/>
+              <a:rPr lang="ja-JP" altLang="en-US"/>
               <a:t>レベル</a:t>
             </a:r>
           </a:p>
           <a:p>
             <a:pPr lvl="4"/>
             <a:r>
-              <a:rPr kumimoji="1" lang="ja-JP" altLang="en-US"/>
+              <a:rPr lang="ja-JP" altLang="en-US"/>
               <a:t>第 </a:t>
             </a:r>
             <a:r>
-              <a:rPr kumimoji="1" lang="en-US" altLang="ja-JP"/>
+              <a:rPr lang="en-US" altLang="ja-JP"/>
               <a:t>5 </a:t>
             </a:r>
             <a:r>
-              <a:rPr kumimoji="1" lang="ja-JP" altLang="en-US"/>
+              <a:rPr lang="ja-JP" altLang="en-US"/>
               <a:t>レベル</a:t>
             </a:r>
-          </a:p>
-        </p:txBody>
-      </p:sp>
-      <p:sp>
-        <p:nvSpPr>
-          <p:cNvPr id="4" name="日付プレースホルダー 3">
-            <a:extLst>
-              <a:ext uri="{FF2B5EF4-FFF2-40B4-BE49-F238E27FC236}">
-                <a16:creationId xmlns:a16="http://schemas.microsoft.com/office/drawing/2014/main" id="{E6B6ACD8-E858-677D-8175-CA9ED27A45C6}"/>
-              </a:ext>
-            </a:extLst>
-          </p:cNvPr>
+            <a:endParaRPr lang="en-US" dirty="0"/>
+          </a:p>
+        </p:txBody>
+      </p:sp>
+      <p:sp>
+        <p:nvSpPr>
+          <p:cNvPr id="4" name="Date Placeholder 3"/>
           <p:cNvSpPr>
             <a:spLocks noGrp="1"/>
           </p:cNvSpPr>
@@ -974,13 +874,7 @@
       </p:sp>
       <p:sp>
         <p:nvSpPr>
-          <p:cNvPr id="5" name="フッター プレースホルダー 4">
-            <a:extLst>
-              <a:ext uri="{FF2B5EF4-FFF2-40B4-BE49-F238E27FC236}">
-                <a16:creationId xmlns:a16="http://schemas.microsoft.com/office/drawing/2014/main" id="{2F8EC402-C68B-C95E-DB3E-78B75E4472DA}"/>
-              </a:ext>
-            </a:extLst>
-          </p:cNvPr>
+          <p:cNvPr id="5" name="Footer Placeholder 4"/>
           <p:cNvSpPr>
             <a:spLocks noGrp="1"/>
           </p:cNvSpPr>
@@ -999,13 +893,7 @@
       </p:sp>
       <p:sp>
         <p:nvSpPr>
-          <p:cNvPr id="6" name="スライド番号プレースホルダー 5">
-            <a:extLst>
-              <a:ext uri="{FF2B5EF4-FFF2-40B4-BE49-F238E27FC236}">
-                <a16:creationId xmlns:a16="http://schemas.microsoft.com/office/drawing/2014/main" id="{1556B5A4-2397-99F5-7FCD-291F0994928C}"/>
-              </a:ext>
-            </a:extLst>
-          </p:cNvPr>
+          <p:cNvPr id="6" name="Slide Number Placeholder 5"/>
           <p:cNvSpPr>
             <a:spLocks noGrp="1"/>
           </p:cNvSpPr>
@@ -1029,7 +917,7 @@
     </p:spTree>
     <p:extLst>
       <p:ext uri="{BB962C8B-B14F-4D97-AF65-F5344CB8AC3E}">
-        <p14:creationId xmlns:p14="http://schemas.microsoft.com/office/powerpoint/2010/main" val="1029184709"/>
+        <p14:creationId xmlns:p14="http://schemas.microsoft.com/office/powerpoint/2010/main" val="3150845418"/>
       </p:ext>
     </p:extLst>
   </p:cSld>
@@ -1058,13 +946,7 @@
       </p:grpSpPr>
       <p:sp>
         <p:nvSpPr>
-          <p:cNvPr id="2" name="タイトル 1">
-            <a:extLst>
-              <a:ext uri="{FF2B5EF4-FFF2-40B4-BE49-F238E27FC236}">
-                <a16:creationId xmlns:a16="http://schemas.microsoft.com/office/drawing/2014/main" id="{8478C7A6-EE80-78DD-071B-F74E618C7CCA}"/>
-              </a:ext>
-            </a:extLst>
-          </p:cNvPr>
+          <p:cNvPr id="2" name="Title 1"/>
           <p:cNvSpPr>
             <a:spLocks noGrp="1"/>
           </p:cNvSpPr>
@@ -1087,21 +969,16 @@
           </a:lstStyle>
           <a:p>
             <a:r>
-              <a:rPr kumimoji="1" lang="ja-JP" altLang="en-US"/>
+              <a:rPr lang="ja-JP" altLang="en-US"/>
               <a:t>マスター タイトルの書式設定</a:t>
             </a:r>
-          </a:p>
-        </p:txBody>
-      </p:sp>
-      <p:sp>
-        <p:nvSpPr>
-          <p:cNvPr id="3" name="テキスト プレースホルダー 2">
-            <a:extLst>
-              <a:ext uri="{FF2B5EF4-FFF2-40B4-BE49-F238E27FC236}">
-                <a16:creationId xmlns:a16="http://schemas.microsoft.com/office/drawing/2014/main" id="{0F8F9D37-FFBF-48A0-501E-870C83EB6117}"/>
-              </a:ext>
-            </a:extLst>
-          </p:cNvPr>
+            <a:endParaRPr lang="en-US" dirty="0"/>
+          </a:p>
+        </p:txBody>
+      </p:sp>
+      <p:sp>
+        <p:nvSpPr>
+          <p:cNvPr id="3" name="Text Placeholder 2"/>
           <p:cNvSpPr>
             <a:spLocks noGrp="1"/>
           </p:cNvSpPr>
@@ -1212,7 +1089,7 @@
           <a:p>
             <a:pPr lvl="0"/>
             <a:r>
-              <a:rPr kumimoji="1" lang="ja-JP" altLang="en-US"/>
+              <a:rPr lang="ja-JP" altLang="en-US"/>
               <a:t>マスター テキストの書式設定</a:t>
             </a:r>
           </a:p>
@@ -1220,13 +1097,7 @@
       </p:sp>
       <p:sp>
         <p:nvSpPr>
-          <p:cNvPr id="4" name="日付プレースホルダー 3">
-            <a:extLst>
-              <a:ext uri="{FF2B5EF4-FFF2-40B4-BE49-F238E27FC236}">
-                <a16:creationId xmlns:a16="http://schemas.microsoft.com/office/drawing/2014/main" id="{B36F332A-6E40-1158-496B-0738B9EF0E38}"/>
-              </a:ext>
-            </a:extLst>
-          </p:cNvPr>
+          <p:cNvPr id="4" name="Date Placeholder 3"/>
           <p:cNvSpPr>
             <a:spLocks noGrp="1"/>
           </p:cNvSpPr>
@@ -1249,13 +1120,7 @@
       </p:sp>
       <p:sp>
         <p:nvSpPr>
-          <p:cNvPr id="5" name="フッター プレースホルダー 4">
-            <a:extLst>
-              <a:ext uri="{FF2B5EF4-FFF2-40B4-BE49-F238E27FC236}">
-                <a16:creationId xmlns:a16="http://schemas.microsoft.com/office/drawing/2014/main" id="{FC0380F7-8D45-9364-4DC1-1FAB1E045374}"/>
-              </a:ext>
-            </a:extLst>
-          </p:cNvPr>
+          <p:cNvPr id="5" name="Footer Placeholder 4"/>
           <p:cNvSpPr>
             <a:spLocks noGrp="1"/>
           </p:cNvSpPr>
@@ -1274,13 +1139,7 @@
       </p:sp>
       <p:sp>
         <p:nvSpPr>
-          <p:cNvPr id="6" name="スライド番号プレースホルダー 5">
-            <a:extLst>
-              <a:ext uri="{FF2B5EF4-FFF2-40B4-BE49-F238E27FC236}">
-                <a16:creationId xmlns:a16="http://schemas.microsoft.com/office/drawing/2014/main" id="{E307C178-DC40-2E47-8A70-E899C274A242}"/>
-              </a:ext>
-            </a:extLst>
-          </p:cNvPr>
+          <p:cNvPr id="6" name="Slide Number Placeholder 5"/>
           <p:cNvSpPr>
             <a:spLocks noGrp="1"/>
           </p:cNvSpPr>
@@ -1304,7 +1163,7 @@
     </p:spTree>
     <p:extLst>
       <p:ext uri="{BB962C8B-B14F-4D97-AF65-F5344CB8AC3E}">
-        <p14:creationId xmlns:p14="http://schemas.microsoft.com/office/powerpoint/2010/main" val="68301602"/>
+        <p14:creationId xmlns:p14="http://schemas.microsoft.com/office/powerpoint/2010/main" val="4013683305"/>
       </p:ext>
     </p:extLst>
   </p:cSld>
@@ -1333,13 +1192,7 @@
       </p:grpSpPr>
       <p:sp>
         <p:nvSpPr>
-          <p:cNvPr id="2" name="タイトル 1">
-            <a:extLst>
-              <a:ext uri="{FF2B5EF4-FFF2-40B4-BE49-F238E27FC236}">
-                <a16:creationId xmlns:a16="http://schemas.microsoft.com/office/drawing/2014/main" id="{FA34BC81-A11F-E88E-FD95-576DD7F81A40}"/>
-              </a:ext>
-            </a:extLst>
-          </p:cNvPr>
+          <p:cNvPr id="2" name="Title 1"/>
           <p:cNvSpPr>
             <a:spLocks noGrp="1"/>
           </p:cNvSpPr>
@@ -1353,21 +1206,16 @@
           <a:lstStyle/>
           <a:p>
             <a:r>
-              <a:rPr kumimoji="1" lang="ja-JP" altLang="en-US"/>
+              <a:rPr lang="ja-JP" altLang="en-US"/>
               <a:t>マスター タイトルの書式設定</a:t>
             </a:r>
-          </a:p>
-        </p:txBody>
-      </p:sp>
-      <p:sp>
-        <p:nvSpPr>
-          <p:cNvPr id="3" name="コンテンツ プレースホルダー 2">
-            <a:extLst>
-              <a:ext uri="{FF2B5EF4-FFF2-40B4-BE49-F238E27FC236}">
-                <a16:creationId xmlns:a16="http://schemas.microsoft.com/office/drawing/2014/main" id="{7923B767-DBF5-3560-E7F0-9DDAF5C1F31F}"/>
-              </a:ext>
-            </a:extLst>
-          </p:cNvPr>
+            <a:endParaRPr lang="en-US" dirty="0"/>
+          </a:p>
+        </p:txBody>
+      </p:sp>
+      <p:sp>
+        <p:nvSpPr>
+          <p:cNvPr id="3" name="Content Placeholder 2"/>
           <p:cNvSpPr>
             <a:spLocks noGrp="1"/>
           </p:cNvSpPr>
@@ -1387,81 +1235,76 @@
           <a:p>
             <a:pPr lvl="0"/>
             <a:r>
-              <a:rPr kumimoji="1" lang="ja-JP" altLang="en-US"/>
+              <a:rPr lang="ja-JP" altLang="en-US"/>
               <a:t>マスター テキストの書式設定</a:t>
             </a:r>
           </a:p>
           <a:p>
             <a:pPr lvl="1"/>
             <a:r>
-              <a:rPr kumimoji="1" lang="ja-JP" altLang="en-US"/>
+              <a:rPr lang="ja-JP" altLang="en-US"/>
               <a:t>第 </a:t>
             </a:r>
             <a:r>
-              <a:rPr kumimoji="1" lang="en-US" altLang="ja-JP"/>
+              <a:rPr lang="en-US" altLang="ja-JP"/>
               <a:t>2 </a:t>
             </a:r>
             <a:r>
-              <a:rPr kumimoji="1" lang="ja-JP" altLang="en-US"/>
+              <a:rPr lang="ja-JP" altLang="en-US"/>
               <a:t>レベル</a:t>
             </a:r>
           </a:p>
           <a:p>
             <a:pPr lvl="2"/>
             <a:r>
-              <a:rPr kumimoji="1" lang="ja-JP" altLang="en-US"/>
+              <a:rPr lang="ja-JP" altLang="en-US"/>
               <a:t>第 </a:t>
             </a:r>
             <a:r>
-              <a:rPr kumimoji="1" lang="en-US" altLang="ja-JP"/>
+              <a:rPr lang="en-US" altLang="ja-JP"/>
               <a:t>3 </a:t>
             </a:r>
             <a:r>
-              <a:rPr kumimoji="1" lang="ja-JP" altLang="en-US"/>
+              <a:rPr lang="ja-JP" altLang="en-US"/>
               <a:t>レベル</a:t>
             </a:r>
           </a:p>
           <a:p>
             <a:pPr lvl="3"/>
             <a:r>
-              <a:rPr kumimoji="1" lang="ja-JP" altLang="en-US"/>
+              <a:rPr lang="ja-JP" altLang="en-US"/>
               <a:t>第 </a:t>
             </a:r>
             <a:r>
-              <a:rPr kumimoji="1" lang="en-US" altLang="ja-JP"/>
+              <a:rPr lang="en-US" altLang="ja-JP"/>
               <a:t>4 </a:t>
             </a:r>
             <a:r>
-              <a:rPr kumimoji="1" lang="ja-JP" altLang="en-US"/>
+              <a:rPr lang="ja-JP" altLang="en-US"/>
               <a:t>レベル</a:t>
             </a:r>
           </a:p>
           <a:p>
             <a:pPr lvl="4"/>
             <a:r>
-              <a:rPr kumimoji="1" lang="ja-JP" altLang="en-US"/>
+              <a:rPr lang="ja-JP" altLang="en-US"/>
               <a:t>第 </a:t>
             </a:r>
             <a:r>
-              <a:rPr kumimoji="1" lang="en-US" altLang="ja-JP"/>
+              <a:rPr lang="en-US" altLang="ja-JP"/>
               <a:t>5 </a:t>
             </a:r>
             <a:r>
-              <a:rPr kumimoji="1" lang="ja-JP" altLang="en-US"/>
+              <a:rPr lang="ja-JP" altLang="en-US"/>
               <a:t>レベル</a:t>
             </a:r>
-          </a:p>
-        </p:txBody>
-      </p:sp>
-      <p:sp>
-        <p:nvSpPr>
-          <p:cNvPr id="4" name="コンテンツ プレースホルダー 3">
-            <a:extLst>
-              <a:ext uri="{FF2B5EF4-FFF2-40B4-BE49-F238E27FC236}">
-                <a16:creationId xmlns:a16="http://schemas.microsoft.com/office/drawing/2014/main" id="{36D95B9C-FC09-8D20-0EDD-4D4F91768EED}"/>
-              </a:ext>
-            </a:extLst>
-          </p:cNvPr>
+            <a:endParaRPr lang="en-US" dirty="0"/>
+          </a:p>
+        </p:txBody>
+      </p:sp>
+      <p:sp>
+        <p:nvSpPr>
+          <p:cNvPr id="4" name="Content Placeholder 3"/>
           <p:cNvSpPr>
             <a:spLocks noGrp="1"/>
           </p:cNvSpPr>
@@ -1481,81 +1324,76 @@
           <a:p>
             <a:pPr lvl="0"/>
             <a:r>
-              <a:rPr kumimoji="1" lang="ja-JP" altLang="en-US"/>
+              <a:rPr lang="ja-JP" altLang="en-US"/>
               <a:t>マスター テキストの書式設定</a:t>
             </a:r>
           </a:p>
           <a:p>
             <a:pPr lvl="1"/>
             <a:r>
-              <a:rPr kumimoji="1" lang="ja-JP" altLang="en-US"/>
+              <a:rPr lang="ja-JP" altLang="en-US"/>
               <a:t>第 </a:t>
             </a:r>
             <a:r>
-              <a:rPr kumimoji="1" lang="en-US" altLang="ja-JP"/>
+              <a:rPr lang="en-US" altLang="ja-JP"/>
               <a:t>2 </a:t>
             </a:r>
             <a:r>
-              <a:rPr kumimoji="1" lang="ja-JP" altLang="en-US"/>
+              <a:rPr lang="ja-JP" altLang="en-US"/>
               <a:t>レベル</a:t>
             </a:r>
           </a:p>
           <a:p>
             <a:pPr lvl="2"/>
             <a:r>
-              <a:rPr kumimoji="1" lang="ja-JP" altLang="en-US"/>
+              <a:rPr lang="ja-JP" altLang="en-US"/>
               <a:t>第 </a:t>
             </a:r>
             <a:r>
-              <a:rPr kumimoji="1" lang="en-US" altLang="ja-JP"/>
+              <a:rPr lang="en-US" altLang="ja-JP"/>
               <a:t>3 </a:t>
             </a:r>
             <a:r>
-              <a:rPr kumimoji="1" lang="ja-JP" altLang="en-US"/>
+              <a:rPr lang="ja-JP" altLang="en-US"/>
               <a:t>レベル</a:t>
             </a:r>
           </a:p>
           <a:p>
             <a:pPr lvl="3"/>
             <a:r>
-              <a:rPr kumimoji="1" lang="ja-JP" altLang="en-US"/>
+              <a:rPr lang="ja-JP" altLang="en-US"/>
               <a:t>第 </a:t>
             </a:r>
             <a:r>
-              <a:rPr kumimoji="1" lang="en-US" altLang="ja-JP"/>
+              <a:rPr lang="en-US" altLang="ja-JP"/>
               <a:t>4 </a:t>
             </a:r>
             <a:r>
-              <a:rPr kumimoji="1" lang="ja-JP" altLang="en-US"/>
+              <a:rPr lang="ja-JP" altLang="en-US"/>
               <a:t>レベル</a:t>
             </a:r>
           </a:p>
           <a:p>
             <a:pPr lvl="4"/>
             <a:r>
-              <a:rPr kumimoji="1" lang="ja-JP" altLang="en-US"/>
+              <a:rPr lang="ja-JP" altLang="en-US"/>
               <a:t>第 </a:t>
             </a:r>
             <a:r>
-              <a:rPr kumimoji="1" lang="en-US" altLang="ja-JP"/>
+              <a:rPr lang="en-US" altLang="ja-JP"/>
               <a:t>5 </a:t>
             </a:r>
             <a:r>
-              <a:rPr kumimoji="1" lang="ja-JP" altLang="en-US"/>
+              <a:rPr lang="ja-JP" altLang="en-US"/>
               <a:t>レベル</a:t>
             </a:r>
-          </a:p>
-        </p:txBody>
-      </p:sp>
-      <p:sp>
-        <p:nvSpPr>
-          <p:cNvPr id="5" name="日付プレースホルダー 4">
-            <a:extLst>
-              <a:ext uri="{FF2B5EF4-FFF2-40B4-BE49-F238E27FC236}">
-                <a16:creationId xmlns:a16="http://schemas.microsoft.com/office/drawing/2014/main" id="{9FC65A46-073B-1254-2748-D8CCA6151334}"/>
-              </a:ext>
-            </a:extLst>
-          </p:cNvPr>
+            <a:endParaRPr lang="en-US" dirty="0"/>
+          </a:p>
+        </p:txBody>
+      </p:sp>
+      <p:sp>
+        <p:nvSpPr>
+          <p:cNvPr id="5" name="Date Placeholder 4"/>
           <p:cNvSpPr>
             <a:spLocks noGrp="1"/>
           </p:cNvSpPr>
@@ -1578,13 +1416,7 @@
       </p:sp>
       <p:sp>
         <p:nvSpPr>
-          <p:cNvPr id="6" name="フッター プレースホルダー 5">
-            <a:extLst>
-              <a:ext uri="{FF2B5EF4-FFF2-40B4-BE49-F238E27FC236}">
-                <a16:creationId xmlns:a16="http://schemas.microsoft.com/office/drawing/2014/main" id="{C374489E-61A7-BB58-3BA2-F773B41B7E4D}"/>
-              </a:ext>
-            </a:extLst>
-          </p:cNvPr>
+          <p:cNvPr id="6" name="Footer Placeholder 5"/>
           <p:cNvSpPr>
             <a:spLocks noGrp="1"/>
           </p:cNvSpPr>
@@ -1603,13 +1435,7 @@
       </p:sp>
       <p:sp>
         <p:nvSpPr>
-          <p:cNvPr id="7" name="スライド番号プレースホルダー 6">
-            <a:extLst>
-              <a:ext uri="{FF2B5EF4-FFF2-40B4-BE49-F238E27FC236}">
-                <a16:creationId xmlns:a16="http://schemas.microsoft.com/office/drawing/2014/main" id="{7F2689F1-76BF-EDF0-C8A7-9945E2DBE50A}"/>
-              </a:ext>
-            </a:extLst>
-          </p:cNvPr>
+          <p:cNvPr id="7" name="Slide Number Placeholder 6"/>
           <p:cNvSpPr>
             <a:spLocks noGrp="1"/>
           </p:cNvSpPr>
@@ -1633,7 +1459,7 @@
     </p:spTree>
     <p:extLst>
       <p:ext uri="{BB962C8B-B14F-4D97-AF65-F5344CB8AC3E}">
-        <p14:creationId xmlns:p14="http://schemas.microsoft.com/office/powerpoint/2010/main" val="2491307074"/>
+        <p14:creationId xmlns:p14="http://schemas.microsoft.com/office/powerpoint/2010/main" val="2920647625"/>
       </p:ext>
     </p:extLst>
   </p:cSld>
@@ -1662,13 +1488,7 @@
       </p:grpSpPr>
       <p:sp>
         <p:nvSpPr>
-          <p:cNvPr id="2" name="タイトル 1">
-            <a:extLst>
-              <a:ext uri="{FF2B5EF4-FFF2-40B4-BE49-F238E27FC236}">
-                <a16:creationId xmlns:a16="http://schemas.microsoft.com/office/drawing/2014/main" id="{542DD289-39BB-11D9-EB96-CB2825E2019D}"/>
-              </a:ext>
-            </a:extLst>
-          </p:cNvPr>
+          <p:cNvPr id="2" name="Title 1"/>
           <p:cNvSpPr>
             <a:spLocks noGrp="1"/>
           </p:cNvSpPr>
@@ -1687,21 +1507,16 @@
           <a:lstStyle/>
           <a:p>
             <a:r>
-              <a:rPr kumimoji="1" lang="ja-JP" altLang="en-US"/>
+              <a:rPr lang="ja-JP" altLang="en-US"/>
               <a:t>マスター タイトルの書式設定</a:t>
             </a:r>
-          </a:p>
-        </p:txBody>
-      </p:sp>
-      <p:sp>
-        <p:nvSpPr>
-          <p:cNvPr id="3" name="テキスト プレースホルダー 2">
-            <a:extLst>
-              <a:ext uri="{FF2B5EF4-FFF2-40B4-BE49-F238E27FC236}">
-                <a16:creationId xmlns:a16="http://schemas.microsoft.com/office/drawing/2014/main" id="{6B7E8120-3986-56BA-9EFD-CD59E5D8785C}"/>
-              </a:ext>
-            </a:extLst>
-          </p:cNvPr>
+            <a:endParaRPr lang="en-US" dirty="0"/>
+          </a:p>
+        </p:txBody>
+      </p:sp>
+      <p:sp>
+        <p:nvSpPr>
+          <p:cNvPr id="3" name="Text Placeholder 2"/>
           <p:cNvSpPr>
             <a:spLocks noGrp="1"/>
           </p:cNvSpPr>
@@ -1758,7 +1573,7 @@
           <a:p>
             <a:pPr lvl="0"/>
             <a:r>
-              <a:rPr kumimoji="1" lang="ja-JP" altLang="en-US"/>
+              <a:rPr lang="ja-JP" altLang="en-US"/>
               <a:t>マスター テキストの書式設定</a:t>
             </a:r>
           </a:p>
@@ -1766,13 +1581,7 @@
       </p:sp>
       <p:sp>
         <p:nvSpPr>
-          <p:cNvPr id="4" name="コンテンツ プレースホルダー 3">
-            <a:extLst>
-              <a:ext uri="{FF2B5EF4-FFF2-40B4-BE49-F238E27FC236}">
-                <a16:creationId xmlns:a16="http://schemas.microsoft.com/office/drawing/2014/main" id="{BB076543-13F6-6DB3-03DD-C6DF4F22BB16}"/>
-              </a:ext>
-            </a:extLst>
-          </p:cNvPr>
+          <p:cNvPr id="4" name="Content Placeholder 3"/>
           <p:cNvSpPr>
             <a:spLocks noGrp="1"/>
           </p:cNvSpPr>
@@ -1792,81 +1601,76 @@
           <a:p>
             <a:pPr lvl="0"/>
             <a:r>
-              <a:rPr kumimoji="1" lang="ja-JP" altLang="en-US"/>
+              <a:rPr lang="ja-JP" altLang="en-US"/>
               <a:t>マスター テキストの書式設定</a:t>
             </a:r>
           </a:p>
           <a:p>
             <a:pPr lvl="1"/>
             <a:r>
-              <a:rPr kumimoji="1" lang="ja-JP" altLang="en-US"/>
+              <a:rPr lang="ja-JP" altLang="en-US"/>
               <a:t>第 </a:t>
             </a:r>
             <a:r>
-              <a:rPr kumimoji="1" lang="en-US" altLang="ja-JP"/>
+              <a:rPr lang="en-US" altLang="ja-JP"/>
               <a:t>2 </a:t>
             </a:r>
             <a:r>
-              <a:rPr kumimoji="1" lang="ja-JP" altLang="en-US"/>
+              <a:rPr lang="ja-JP" altLang="en-US"/>
               <a:t>レベル</a:t>
             </a:r>
           </a:p>
           <a:p>
             <a:pPr lvl="2"/>
             <a:r>
-              <a:rPr kumimoji="1" lang="ja-JP" altLang="en-US"/>
+              <a:rPr lang="ja-JP" altLang="en-US"/>
               <a:t>第 </a:t>
             </a:r>
             <a:r>
-              <a:rPr kumimoji="1" lang="en-US" altLang="ja-JP"/>
+              <a:rPr lang="en-US" altLang="ja-JP"/>
               <a:t>3 </a:t>
             </a:r>
             <a:r>
-              <a:rPr kumimoji="1" lang="ja-JP" altLang="en-US"/>
+              <a:rPr lang="ja-JP" altLang="en-US"/>
               <a:t>レベル</a:t>
             </a:r>
           </a:p>
           <a:p>
             <a:pPr lvl="3"/>
             <a:r>
-              <a:rPr kumimoji="1" lang="ja-JP" altLang="en-US"/>
+              <a:rPr lang="ja-JP" altLang="en-US"/>
               <a:t>第 </a:t>
             </a:r>
             <a:r>
-              <a:rPr kumimoji="1" lang="en-US" altLang="ja-JP"/>
+              <a:rPr lang="en-US" altLang="ja-JP"/>
               <a:t>4 </a:t>
             </a:r>
             <a:r>
-              <a:rPr kumimoji="1" lang="ja-JP" altLang="en-US"/>
+              <a:rPr lang="ja-JP" altLang="en-US"/>
               <a:t>レベル</a:t>
             </a:r>
           </a:p>
           <a:p>
             <a:pPr lvl="4"/>
             <a:r>
-              <a:rPr kumimoji="1" lang="ja-JP" altLang="en-US"/>
+              <a:rPr lang="ja-JP" altLang="en-US"/>
               <a:t>第 </a:t>
             </a:r>
             <a:r>
-              <a:rPr kumimoji="1" lang="en-US" altLang="ja-JP"/>
+              <a:rPr lang="en-US" altLang="ja-JP"/>
               <a:t>5 </a:t>
             </a:r>
             <a:r>
-              <a:rPr kumimoji="1" lang="ja-JP" altLang="en-US"/>
+              <a:rPr lang="ja-JP" altLang="en-US"/>
               <a:t>レベル</a:t>
             </a:r>
-          </a:p>
-        </p:txBody>
-      </p:sp>
-      <p:sp>
-        <p:nvSpPr>
-          <p:cNvPr id="5" name="テキスト プレースホルダー 4">
-            <a:extLst>
-              <a:ext uri="{FF2B5EF4-FFF2-40B4-BE49-F238E27FC236}">
-                <a16:creationId xmlns:a16="http://schemas.microsoft.com/office/drawing/2014/main" id="{54CF3CC1-BD73-81D0-7EF3-5D8F0CFFE1F2}"/>
-              </a:ext>
-            </a:extLst>
-          </p:cNvPr>
+            <a:endParaRPr lang="en-US" dirty="0"/>
+          </a:p>
+        </p:txBody>
+      </p:sp>
+      <p:sp>
+        <p:nvSpPr>
+          <p:cNvPr id="5" name="Text Placeholder 4"/>
           <p:cNvSpPr>
             <a:spLocks noGrp="1"/>
           </p:cNvSpPr>
@@ -1923,7 +1727,7 @@
           <a:p>
             <a:pPr lvl="0"/>
             <a:r>
-              <a:rPr kumimoji="1" lang="ja-JP" altLang="en-US"/>
+              <a:rPr lang="ja-JP" altLang="en-US"/>
               <a:t>マスター テキストの書式設定</a:t>
             </a:r>
           </a:p>
@@ -1931,13 +1735,7 @@
       </p:sp>
       <p:sp>
         <p:nvSpPr>
-          <p:cNvPr id="6" name="コンテンツ プレースホルダー 5">
-            <a:extLst>
-              <a:ext uri="{FF2B5EF4-FFF2-40B4-BE49-F238E27FC236}">
-                <a16:creationId xmlns:a16="http://schemas.microsoft.com/office/drawing/2014/main" id="{8D72E1C1-AD4A-85B5-6918-CA1D54489E17}"/>
-              </a:ext>
-            </a:extLst>
-          </p:cNvPr>
+          <p:cNvPr id="6" name="Content Placeholder 5"/>
           <p:cNvSpPr>
             <a:spLocks noGrp="1"/>
           </p:cNvSpPr>
@@ -1957,81 +1755,76 @@
           <a:p>
             <a:pPr lvl="0"/>
             <a:r>
-              <a:rPr kumimoji="1" lang="ja-JP" altLang="en-US"/>
+              <a:rPr lang="ja-JP" altLang="en-US"/>
               <a:t>マスター テキストの書式設定</a:t>
             </a:r>
           </a:p>
           <a:p>
             <a:pPr lvl="1"/>
             <a:r>
-              <a:rPr kumimoji="1" lang="ja-JP" altLang="en-US"/>
+              <a:rPr lang="ja-JP" altLang="en-US"/>
               <a:t>第 </a:t>
             </a:r>
             <a:r>
-              <a:rPr kumimoji="1" lang="en-US" altLang="ja-JP"/>
+              <a:rPr lang="en-US" altLang="ja-JP"/>
               <a:t>2 </a:t>
             </a:r>
             <a:r>
-              <a:rPr kumimoji="1" lang="ja-JP" altLang="en-US"/>
+              <a:rPr lang="ja-JP" altLang="en-US"/>
               <a:t>レベル</a:t>
             </a:r>
           </a:p>
           <a:p>
             <a:pPr lvl="2"/>
             <a:r>
-              <a:rPr kumimoji="1" lang="ja-JP" altLang="en-US"/>
+              <a:rPr lang="ja-JP" altLang="en-US"/>
               <a:t>第 </a:t>
             </a:r>
             <a:r>
-              <a:rPr kumimoji="1" lang="en-US" altLang="ja-JP"/>
+              <a:rPr lang="en-US" altLang="ja-JP"/>
               <a:t>3 </a:t>
             </a:r>
             <a:r>
-              <a:rPr kumimoji="1" lang="ja-JP" altLang="en-US"/>
+              <a:rPr lang="ja-JP" altLang="en-US"/>
               <a:t>レベル</a:t>
             </a:r>
           </a:p>
           <a:p>
             <a:pPr lvl="3"/>
             <a:r>
-              <a:rPr kumimoji="1" lang="ja-JP" altLang="en-US"/>
+              <a:rPr lang="ja-JP" altLang="en-US"/>
               <a:t>第 </a:t>
             </a:r>
             <a:r>
-              <a:rPr kumimoji="1" lang="en-US" altLang="ja-JP"/>
+              <a:rPr lang="en-US" altLang="ja-JP"/>
               <a:t>4 </a:t>
             </a:r>
             <a:r>
-              <a:rPr kumimoji="1" lang="ja-JP" altLang="en-US"/>
+              <a:rPr lang="ja-JP" altLang="en-US"/>
               <a:t>レベル</a:t>
             </a:r>
           </a:p>
           <a:p>
             <a:pPr lvl="4"/>
             <a:r>
-              <a:rPr kumimoji="1" lang="ja-JP" altLang="en-US"/>
+              <a:rPr lang="ja-JP" altLang="en-US"/>
               <a:t>第 </a:t>
             </a:r>
             <a:r>
-              <a:rPr kumimoji="1" lang="en-US" altLang="ja-JP"/>
+              <a:rPr lang="en-US" altLang="ja-JP"/>
               <a:t>5 </a:t>
             </a:r>
             <a:r>
-              <a:rPr kumimoji="1" lang="ja-JP" altLang="en-US"/>
+              <a:rPr lang="ja-JP" altLang="en-US"/>
               <a:t>レベル</a:t>
             </a:r>
-          </a:p>
-        </p:txBody>
-      </p:sp>
-      <p:sp>
-        <p:nvSpPr>
-          <p:cNvPr id="7" name="日付プレースホルダー 6">
-            <a:extLst>
-              <a:ext uri="{FF2B5EF4-FFF2-40B4-BE49-F238E27FC236}">
-                <a16:creationId xmlns:a16="http://schemas.microsoft.com/office/drawing/2014/main" id="{4E8FB2FC-364B-7218-96CD-D4AD84AF4DAF}"/>
-              </a:ext>
-            </a:extLst>
-          </p:cNvPr>
+            <a:endParaRPr lang="en-US" dirty="0"/>
+          </a:p>
+        </p:txBody>
+      </p:sp>
+      <p:sp>
+        <p:nvSpPr>
+          <p:cNvPr id="7" name="Date Placeholder 6"/>
           <p:cNvSpPr>
             <a:spLocks noGrp="1"/>
           </p:cNvSpPr>
@@ -2054,13 +1847,7 @@
       </p:sp>
       <p:sp>
         <p:nvSpPr>
-          <p:cNvPr id="8" name="フッター プレースホルダー 7">
-            <a:extLst>
-              <a:ext uri="{FF2B5EF4-FFF2-40B4-BE49-F238E27FC236}">
-                <a16:creationId xmlns:a16="http://schemas.microsoft.com/office/drawing/2014/main" id="{E57B1032-76BF-735A-DC93-C2D185BB62B9}"/>
-              </a:ext>
-            </a:extLst>
-          </p:cNvPr>
+          <p:cNvPr id="8" name="Footer Placeholder 7"/>
           <p:cNvSpPr>
             <a:spLocks noGrp="1"/>
           </p:cNvSpPr>
@@ -2079,13 +1866,7 @@
       </p:sp>
       <p:sp>
         <p:nvSpPr>
-          <p:cNvPr id="9" name="スライド番号プレースホルダー 8">
-            <a:extLst>
-              <a:ext uri="{FF2B5EF4-FFF2-40B4-BE49-F238E27FC236}">
-                <a16:creationId xmlns:a16="http://schemas.microsoft.com/office/drawing/2014/main" id="{1490F06C-25F3-7598-D04A-F73E951A2BCB}"/>
-              </a:ext>
-            </a:extLst>
-          </p:cNvPr>
+          <p:cNvPr id="9" name="Slide Number Placeholder 8"/>
           <p:cNvSpPr>
             <a:spLocks noGrp="1"/>
           </p:cNvSpPr>
@@ -2109,7 +1890,7 @@
     </p:spTree>
     <p:extLst>
       <p:ext uri="{BB962C8B-B14F-4D97-AF65-F5344CB8AC3E}">
-        <p14:creationId xmlns:p14="http://schemas.microsoft.com/office/powerpoint/2010/main" val="3785137707"/>
+        <p14:creationId xmlns:p14="http://schemas.microsoft.com/office/powerpoint/2010/main" val="572661935"/>
       </p:ext>
     </p:extLst>
   </p:cSld>
@@ -2138,13 +1919,7 @@
       </p:grpSpPr>
       <p:sp>
         <p:nvSpPr>
-          <p:cNvPr id="2" name="タイトル 1">
-            <a:extLst>
-              <a:ext uri="{FF2B5EF4-FFF2-40B4-BE49-F238E27FC236}">
-                <a16:creationId xmlns:a16="http://schemas.microsoft.com/office/drawing/2014/main" id="{FD3E60E4-3DCC-7019-526F-02B4BE761B9C}"/>
-              </a:ext>
-            </a:extLst>
-          </p:cNvPr>
+          <p:cNvPr id="2" name="Title 1"/>
           <p:cNvSpPr>
             <a:spLocks noGrp="1"/>
           </p:cNvSpPr>
@@ -2158,21 +1933,16 @@
           <a:lstStyle/>
           <a:p>
             <a:r>
-              <a:rPr kumimoji="1" lang="ja-JP" altLang="en-US"/>
+              <a:rPr lang="ja-JP" altLang="en-US"/>
               <a:t>マスター タイトルの書式設定</a:t>
             </a:r>
-          </a:p>
-        </p:txBody>
-      </p:sp>
-      <p:sp>
-        <p:nvSpPr>
-          <p:cNvPr id="3" name="日付プレースホルダー 2">
-            <a:extLst>
-              <a:ext uri="{FF2B5EF4-FFF2-40B4-BE49-F238E27FC236}">
-                <a16:creationId xmlns:a16="http://schemas.microsoft.com/office/drawing/2014/main" id="{D01A0195-022E-EAEB-595D-3157646283C2}"/>
-              </a:ext>
-            </a:extLst>
-          </p:cNvPr>
+            <a:endParaRPr lang="en-US" dirty="0"/>
+          </a:p>
+        </p:txBody>
+      </p:sp>
+      <p:sp>
+        <p:nvSpPr>
+          <p:cNvPr id="3" name="Date Placeholder 2"/>
           <p:cNvSpPr>
             <a:spLocks noGrp="1"/>
           </p:cNvSpPr>
@@ -2195,13 +1965,7 @@
       </p:sp>
       <p:sp>
         <p:nvSpPr>
-          <p:cNvPr id="4" name="フッター プレースホルダー 3">
-            <a:extLst>
-              <a:ext uri="{FF2B5EF4-FFF2-40B4-BE49-F238E27FC236}">
-                <a16:creationId xmlns:a16="http://schemas.microsoft.com/office/drawing/2014/main" id="{9DB8472D-4219-5615-AFD8-4152CA46B1B4}"/>
-              </a:ext>
-            </a:extLst>
-          </p:cNvPr>
+          <p:cNvPr id="4" name="Footer Placeholder 3"/>
           <p:cNvSpPr>
             <a:spLocks noGrp="1"/>
           </p:cNvSpPr>
@@ -2220,13 +1984,7 @@
       </p:sp>
       <p:sp>
         <p:nvSpPr>
-          <p:cNvPr id="5" name="スライド番号プレースホルダー 4">
-            <a:extLst>
-              <a:ext uri="{FF2B5EF4-FFF2-40B4-BE49-F238E27FC236}">
-                <a16:creationId xmlns:a16="http://schemas.microsoft.com/office/drawing/2014/main" id="{DD00DA09-0A75-7F6B-B58D-9E6A1C059701}"/>
-              </a:ext>
-            </a:extLst>
-          </p:cNvPr>
+          <p:cNvPr id="5" name="Slide Number Placeholder 4"/>
           <p:cNvSpPr>
             <a:spLocks noGrp="1"/>
           </p:cNvSpPr>
@@ -2250,7 +2008,7 @@
     </p:spTree>
     <p:extLst>
       <p:ext uri="{BB962C8B-B14F-4D97-AF65-F5344CB8AC3E}">
-        <p14:creationId xmlns:p14="http://schemas.microsoft.com/office/powerpoint/2010/main" val="3600185052"/>
+        <p14:creationId xmlns:p14="http://schemas.microsoft.com/office/powerpoint/2010/main" val="1146082834"/>
       </p:ext>
     </p:extLst>
   </p:cSld>
@@ -2279,13 +2037,7 @@
       </p:grpSpPr>
       <p:sp>
         <p:nvSpPr>
-          <p:cNvPr id="2" name="日付プレースホルダー 1">
-            <a:extLst>
-              <a:ext uri="{FF2B5EF4-FFF2-40B4-BE49-F238E27FC236}">
-                <a16:creationId xmlns:a16="http://schemas.microsoft.com/office/drawing/2014/main" id="{60FC39A5-4D3A-14DA-1114-78CF1417EB34}"/>
-              </a:ext>
-            </a:extLst>
-          </p:cNvPr>
+          <p:cNvPr id="2" name="Date Placeholder 1"/>
           <p:cNvSpPr>
             <a:spLocks noGrp="1"/>
           </p:cNvSpPr>
@@ -2308,13 +2060,7 @@
       </p:sp>
       <p:sp>
         <p:nvSpPr>
-          <p:cNvPr id="3" name="フッター プレースホルダー 2">
-            <a:extLst>
-              <a:ext uri="{FF2B5EF4-FFF2-40B4-BE49-F238E27FC236}">
-                <a16:creationId xmlns:a16="http://schemas.microsoft.com/office/drawing/2014/main" id="{E13AF6CE-EC74-8E25-8CE1-14E0885692E0}"/>
-              </a:ext>
-            </a:extLst>
-          </p:cNvPr>
+          <p:cNvPr id="3" name="Footer Placeholder 2"/>
           <p:cNvSpPr>
             <a:spLocks noGrp="1"/>
           </p:cNvSpPr>
@@ -2333,13 +2079,7 @@
       </p:sp>
       <p:sp>
         <p:nvSpPr>
-          <p:cNvPr id="4" name="スライド番号プレースホルダー 3">
-            <a:extLst>
-              <a:ext uri="{FF2B5EF4-FFF2-40B4-BE49-F238E27FC236}">
-                <a16:creationId xmlns:a16="http://schemas.microsoft.com/office/drawing/2014/main" id="{336A185C-B5DA-47B4-EFCA-28D80EBBEC55}"/>
-              </a:ext>
-            </a:extLst>
-          </p:cNvPr>
+          <p:cNvPr id="4" name="Slide Number Placeholder 3"/>
           <p:cNvSpPr>
             <a:spLocks noGrp="1"/>
           </p:cNvSpPr>
@@ -2363,7 +2103,7 @@
     </p:spTree>
     <p:extLst>
       <p:ext uri="{BB962C8B-B14F-4D97-AF65-F5344CB8AC3E}">
-        <p14:creationId xmlns:p14="http://schemas.microsoft.com/office/powerpoint/2010/main" val="3467778843"/>
+        <p14:creationId xmlns:p14="http://schemas.microsoft.com/office/powerpoint/2010/main" val="2031035299"/>
       </p:ext>
     </p:extLst>
   </p:cSld>
@@ -2392,13 +2132,7 @@
       </p:grpSpPr>
       <p:sp>
         <p:nvSpPr>
-          <p:cNvPr id="2" name="タイトル 1">
-            <a:extLst>
-              <a:ext uri="{FF2B5EF4-FFF2-40B4-BE49-F238E27FC236}">
-                <a16:creationId xmlns:a16="http://schemas.microsoft.com/office/drawing/2014/main" id="{3DF1D204-90B7-885B-84D4-2D47A56505C5}"/>
-              </a:ext>
-            </a:extLst>
-          </p:cNvPr>
+          <p:cNvPr id="2" name="Title 1"/>
           <p:cNvSpPr>
             <a:spLocks noGrp="1"/>
           </p:cNvSpPr>
@@ -2421,21 +2155,16 @@
           </a:lstStyle>
           <a:p>
             <a:r>
-              <a:rPr kumimoji="1" lang="ja-JP" altLang="en-US"/>
+              <a:rPr lang="ja-JP" altLang="en-US"/>
               <a:t>マスター タイトルの書式設定</a:t>
             </a:r>
-          </a:p>
-        </p:txBody>
-      </p:sp>
-      <p:sp>
-        <p:nvSpPr>
-          <p:cNvPr id="3" name="コンテンツ プレースホルダー 2">
-            <a:extLst>
-              <a:ext uri="{FF2B5EF4-FFF2-40B4-BE49-F238E27FC236}">
-                <a16:creationId xmlns:a16="http://schemas.microsoft.com/office/drawing/2014/main" id="{0C5A79AB-97EC-F912-F635-708E55EF67C1}"/>
-              </a:ext>
-            </a:extLst>
-          </p:cNvPr>
+            <a:endParaRPr lang="en-US" dirty="0"/>
+          </a:p>
+        </p:txBody>
+      </p:sp>
+      <p:sp>
+        <p:nvSpPr>
+          <p:cNvPr id="3" name="Content Placeholder 2"/>
           <p:cNvSpPr>
             <a:spLocks noGrp="1"/>
           </p:cNvSpPr>
@@ -2483,81 +2212,76 @@
           <a:p>
             <a:pPr lvl="0"/>
             <a:r>
-              <a:rPr kumimoji="1" lang="ja-JP" altLang="en-US"/>
+              <a:rPr lang="ja-JP" altLang="en-US"/>
               <a:t>マスター テキストの書式設定</a:t>
             </a:r>
           </a:p>
           <a:p>
             <a:pPr lvl="1"/>
             <a:r>
-              <a:rPr kumimoji="1" lang="ja-JP" altLang="en-US"/>
+              <a:rPr lang="ja-JP" altLang="en-US"/>
               <a:t>第 </a:t>
             </a:r>
             <a:r>
-              <a:rPr kumimoji="1" lang="en-US" altLang="ja-JP"/>
+              <a:rPr lang="en-US" altLang="ja-JP"/>
               <a:t>2 </a:t>
             </a:r>
             <a:r>
-              <a:rPr kumimoji="1" lang="ja-JP" altLang="en-US"/>
+              <a:rPr lang="ja-JP" altLang="en-US"/>
               <a:t>レベル</a:t>
             </a:r>
           </a:p>
           <a:p>
             <a:pPr lvl="2"/>
             <a:r>
-              <a:rPr kumimoji="1" lang="ja-JP" altLang="en-US"/>
+              <a:rPr lang="ja-JP" altLang="en-US"/>
               <a:t>第 </a:t>
             </a:r>
             <a:r>
-              <a:rPr kumimoji="1" lang="en-US" altLang="ja-JP"/>
+              <a:rPr lang="en-US" altLang="ja-JP"/>
               <a:t>3 </a:t>
             </a:r>
             <a:r>
-              <a:rPr kumimoji="1" lang="ja-JP" altLang="en-US"/>
+              <a:rPr lang="ja-JP" altLang="en-US"/>
               <a:t>レベル</a:t>
             </a:r>
           </a:p>
           <a:p>
             <a:pPr lvl="3"/>
             <a:r>
-              <a:rPr kumimoji="1" lang="ja-JP" altLang="en-US"/>
+              <a:rPr lang="ja-JP" altLang="en-US"/>
               <a:t>第 </a:t>
             </a:r>
             <a:r>
-              <a:rPr kumimoji="1" lang="en-US" altLang="ja-JP"/>
+              <a:rPr lang="en-US" altLang="ja-JP"/>
               <a:t>4 </a:t>
             </a:r>
             <a:r>
-              <a:rPr kumimoji="1" lang="ja-JP" altLang="en-US"/>
+              <a:rPr lang="ja-JP" altLang="en-US"/>
               <a:t>レベル</a:t>
             </a:r>
           </a:p>
           <a:p>
             <a:pPr lvl="4"/>
             <a:r>
-              <a:rPr kumimoji="1" lang="ja-JP" altLang="en-US"/>
+              <a:rPr lang="ja-JP" altLang="en-US"/>
               <a:t>第 </a:t>
             </a:r>
             <a:r>
-              <a:rPr kumimoji="1" lang="en-US" altLang="ja-JP"/>
+              <a:rPr lang="en-US" altLang="ja-JP"/>
               <a:t>5 </a:t>
             </a:r>
             <a:r>
-              <a:rPr kumimoji="1" lang="ja-JP" altLang="en-US"/>
+              <a:rPr lang="ja-JP" altLang="en-US"/>
               <a:t>レベル</a:t>
             </a:r>
-          </a:p>
-        </p:txBody>
-      </p:sp>
-      <p:sp>
-        <p:nvSpPr>
-          <p:cNvPr id="4" name="テキスト プレースホルダー 3">
-            <a:extLst>
-              <a:ext uri="{FF2B5EF4-FFF2-40B4-BE49-F238E27FC236}">
-                <a16:creationId xmlns:a16="http://schemas.microsoft.com/office/drawing/2014/main" id="{163FABC0-B377-73CE-7959-FC3C13CEF207}"/>
-              </a:ext>
-            </a:extLst>
-          </p:cNvPr>
+            <a:endParaRPr lang="en-US" dirty="0"/>
+          </a:p>
+        </p:txBody>
+      </p:sp>
+      <p:sp>
+        <p:nvSpPr>
+          <p:cNvPr id="4" name="Text Placeholder 3"/>
           <p:cNvSpPr>
             <a:spLocks noGrp="1"/>
           </p:cNvSpPr>
@@ -2614,7 +2338,7 @@
           <a:p>
             <a:pPr lvl="0"/>
             <a:r>
-              <a:rPr kumimoji="1" lang="ja-JP" altLang="en-US"/>
+              <a:rPr lang="ja-JP" altLang="en-US"/>
               <a:t>マスター テキストの書式設定</a:t>
             </a:r>
           </a:p>
@@ -2622,13 +2346,7 @@
       </p:sp>
       <p:sp>
         <p:nvSpPr>
-          <p:cNvPr id="5" name="日付プレースホルダー 4">
-            <a:extLst>
-              <a:ext uri="{FF2B5EF4-FFF2-40B4-BE49-F238E27FC236}">
-                <a16:creationId xmlns:a16="http://schemas.microsoft.com/office/drawing/2014/main" id="{A933E73D-BC14-346B-3B0C-B6C26AAB28A9}"/>
-              </a:ext>
-            </a:extLst>
-          </p:cNvPr>
+          <p:cNvPr id="5" name="Date Placeholder 4"/>
           <p:cNvSpPr>
             <a:spLocks noGrp="1"/>
           </p:cNvSpPr>
@@ -2651,13 +2369,7 @@
       </p:sp>
       <p:sp>
         <p:nvSpPr>
-          <p:cNvPr id="6" name="フッター プレースホルダー 5">
-            <a:extLst>
-              <a:ext uri="{FF2B5EF4-FFF2-40B4-BE49-F238E27FC236}">
-                <a16:creationId xmlns:a16="http://schemas.microsoft.com/office/drawing/2014/main" id="{1A1046E8-714C-C7F0-8F54-4B1FE863823D}"/>
-              </a:ext>
-            </a:extLst>
-          </p:cNvPr>
+          <p:cNvPr id="6" name="Footer Placeholder 5"/>
           <p:cNvSpPr>
             <a:spLocks noGrp="1"/>
           </p:cNvSpPr>
@@ -2676,13 +2388,7 @@
       </p:sp>
       <p:sp>
         <p:nvSpPr>
-          <p:cNvPr id="7" name="スライド番号プレースホルダー 6">
-            <a:extLst>
-              <a:ext uri="{FF2B5EF4-FFF2-40B4-BE49-F238E27FC236}">
-                <a16:creationId xmlns:a16="http://schemas.microsoft.com/office/drawing/2014/main" id="{A773FDBD-5227-A25E-7ACB-F57203392FDD}"/>
-              </a:ext>
-            </a:extLst>
-          </p:cNvPr>
+          <p:cNvPr id="7" name="Slide Number Placeholder 6"/>
           <p:cNvSpPr>
             <a:spLocks noGrp="1"/>
           </p:cNvSpPr>
@@ -2706,7 +2412,7 @@
     </p:spTree>
     <p:extLst>
       <p:ext uri="{BB962C8B-B14F-4D97-AF65-F5344CB8AC3E}">
-        <p14:creationId xmlns:p14="http://schemas.microsoft.com/office/powerpoint/2010/main" val="2559036696"/>
+        <p14:creationId xmlns:p14="http://schemas.microsoft.com/office/powerpoint/2010/main" val="1340886631"/>
       </p:ext>
     </p:extLst>
   </p:cSld>
@@ -2735,13 +2441,7 @@
       </p:grpSpPr>
       <p:sp>
         <p:nvSpPr>
-          <p:cNvPr id="2" name="タイトル 1">
-            <a:extLst>
-              <a:ext uri="{FF2B5EF4-FFF2-40B4-BE49-F238E27FC236}">
-                <a16:creationId xmlns:a16="http://schemas.microsoft.com/office/drawing/2014/main" id="{35DC9D6D-59A9-78EE-F5AA-9FFB8010F0B8}"/>
-              </a:ext>
-            </a:extLst>
-          </p:cNvPr>
+          <p:cNvPr id="2" name="Title 1"/>
           <p:cNvSpPr>
             <a:spLocks noGrp="1"/>
           </p:cNvSpPr>
@@ -2764,23 +2464,18 @@
           </a:lstStyle>
           <a:p>
             <a:r>
-              <a:rPr kumimoji="1" lang="ja-JP" altLang="en-US"/>
+              <a:rPr lang="ja-JP" altLang="en-US"/>
               <a:t>マスター タイトルの書式設定</a:t>
             </a:r>
-          </a:p>
-        </p:txBody>
-      </p:sp>
-      <p:sp>
-        <p:nvSpPr>
-          <p:cNvPr id="3" name="図プレースホルダー 2">
-            <a:extLst>
-              <a:ext uri="{FF2B5EF4-FFF2-40B4-BE49-F238E27FC236}">
-                <a16:creationId xmlns:a16="http://schemas.microsoft.com/office/drawing/2014/main" id="{60B04966-3451-57A9-476D-79551EF32AA4}"/>
-              </a:ext>
-            </a:extLst>
-          </p:cNvPr>
-          <p:cNvSpPr>
-            <a:spLocks noGrp="1"/>
+            <a:endParaRPr lang="en-US" dirty="0"/>
+          </a:p>
+        </p:txBody>
+      </p:sp>
+      <p:sp>
+        <p:nvSpPr>
+          <p:cNvPr id="3" name="Picture Placeholder 2"/>
+          <p:cNvSpPr>
+            <a:spLocks noGrp="1" noChangeAspect="1"/>
           </p:cNvSpPr>
           <p:nvPr>
             <p:ph type="pic" idx="1"/>
@@ -2793,7 +2488,7 @@
           </a:xfrm>
         </p:spPr>
         <p:txBody>
-          <a:bodyPr/>
+          <a:bodyPr anchor="t"/>
           <a:lstStyle>
             <a:lvl1pPr marL="0" indent="0">
               <a:buNone/>
@@ -2833,19 +2528,17 @@
             </a:lvl9pPr>
           </a:lstStyle>
           <a:p>
-            <a:endParaRPr kumimoji="1" lang="ja-JP" altLang="en-US"/>
-          </a:p>
-        </p:txBody>
-      </p:sp>
-      <p:sp>
-        <p:nvSpPr>
-          <p:cNvPr id="4" name="テキスト プレースホルダー 3">
-            <a:extLst>
-              <a:ext uri="{FF2B5EF4-FFF2-40B4-BE49-F238E27FC236}">
-                <a16:creationId xmlns:a16="http://schemas.microsoft.com/office/drawing/2014/main" id="{A056F0AD-BB82-1D02-1069-793082D604ED}"/>
-              </a:ext>
-            </a:extLst>
-          </p:cNvPr>
+            <a:r>
+              <a:rPr lang="ja-JP" altLang="en-US"/>
+              <a:t>アイコンをクリックして図を追加</a:t>
+            </a:r>
+            <a:endParaRPr lang="en-US" dirty="0"/>
+          </a:p>
+        </p:txBody>
+      </p:sp>
+      <p:sp>
+        <p:nvSpPr>
+          <p:cNvPr id="4" name="Text Placeholder 3"/>
           <p:cNvSpPr>
             <a:spLocks noGrp="1"/>
           </p:cNvSpPr>
@@ -2902,7 +2595,7 @@
           <a:p>
             <a:pPr lvl="0"/>
             <a:r>
-              <a:rPr kumimoji="1" lang="ja-JP" altLang="en-US"/>
+              <a:rPr lang="ja-JP" altLang="en-US"/>
               <a:t>マスター テキストの書式設定</a:t>
             </a:r>
           </a:p>
@@ -2910,13 +2603,7 @@
       </p:sp>
       <p:sp>
         <p:nvSpPr>
-          <p:cNvPr id="5" name="日付プレースホルダー 4">
-            <a:extLst>
-              <a:ext uri="{FF2B5EF4-FFF2-40B4-BE49-F238E27FC236}">
-                <a16:creationId xmlns:a16="http://schemas.microsoft.com/office/drawing/2014/main" id="{FF9E6E4F-65F8-C741-C434-BC725F9AAA25}"/>
-              </a:ext>
-            </a:extLst>
-          </p:cNvPr>
+          <p:cNvPr id="5" name="Date Placeholder 4"/>
           <p:cNvSpPr>
             <a:spLocks noGrp="1"/>
           </p:cNvSpPr>
@@ -2939,13 +2626,7 @@
       </p:sp>
       <p:sp>
         <p:nvSpPr>
-          <p:cNvPr id="6" name="フッター プレースホルダー 5">
-            <a:extLst>
-              <a:ext uri="{FF2B5EF4-FFF2-40B4-BE49-F238E27FC236}">
-                <a16:creationId xmlns:a16="http://schemas.microsoft.com/office/drawing/2014/main" id="{0C4FD455-9B38-BEC5-9862-8B09FCEC892A}"/>
-              </a:ext>
-            </a:extLst>
-          </p:cNvPr>
+          <p:cNvPr id="6" name="Footer Placeholder 5"/>
           <p:cNvSpPr>
             <a:spLocks noGrp="1"/>
           </p:cNvSpPr>
@@ -2964,13 +2645,7 @@
       </p:sp>
       <p:sp>
         <p:nvSpPr>
-          <p:cNvPr id="7" name="スライド番号プレースホルダー 6">
-            <a:extLst>
-              <a:ext uri="{FF2B5EF4-FFF2-40B4-BE49-F238E27FC236}">
-                <a16:creationId xmlns:a16="http://schemas.microsoft.com/office/drawing/2014/main" id="{872E82C0-2147-D57C-08E3-DBBCB141F35D}"/>
-              </a:ext>
-            </a:extLst>
-          </p:cNvPr>
+          <p:cNvPr id="7" name="Slide Number Placeholder 6"/>
           <p:cNvSpPr>
             <a:spLocks noGrp="1"/>
           </p:cNvSpPr>
@@ -2994,7 +2669,7 @@
     </p:spTree>
     <p:extLst>
       <p:ext uri="{BB962C8B-B14F-4D97-AF65-F5344CB8AC3E}">
-        <p14:creationId xmlns:p14="http://schemas.microsoft.com/office/powerpoint/2010/main" val="2366469491"/>
+        <p14:creationId xmlns:p14="http://schemas.microsoft.com/office/powerpoint/2010/main" val="1195918994"/>
       </p:ext>
     </p:extLst>
   </p:cSld>
@@ -3028,13 +2703,7 @@
       </p:grpSpPr>
       <p:sp>
         <p:nvSpPr>
-          <p:cNvPr id="2" name="タイトル プレースホルダー 1">
-            <a:extLst>
-              <a:ext uri="{FF2B5EF4-FFF2-40B4-BE49-F238E27FC236}">
-                <a16:creationId xmlns:a16="http://schemas.microsoft.com/office/drawing/2014/main" id="{64B66DD0-3DA8-8E9D-32BB-B69414431229}"/>
-              </a:ext>
-            </a:extLst>
-          </p:cNvPr>
+          <p:cNvPr id="2" name="Title Placeholder 1"/>
           <p:cNvSpPr>
             <a:spLocks noGrp="1"/>
           </p:cNvSpPr>
@@ -3058,21 +2727,16 @@
           <a:lstStyle/>
           <a:p>
             <a:r>
-              <a:rPr kumimoji="1" lang="ja-JP" altLang="en-US"/>
+              <a:rPr lang="ja-JP" altLang="en-US"/>
               <a:t>マスター タイトルの書式設定</a:t>
             </a:r>
-          </a:p>
-        </p:txBody>
-      </p:sp>
-      <p:sp>
-        <p:nvSpPr>
-          <p:cNvPr id="3" name="テキスト プレースホルダー 2">
-            <a:extLst>
-              <a:ext uri="{FF2B5EF4-FFF2-40B4-BE49-F238E27FC236}">
-                <a16:creationId xmlns:a16="http://schemas.microsoft.com/office/drawing/2014/main" id="{CAD0681A-7A0F-238A-C073-9F592AA2A326}"/>
-              </a:ext>
-            </a:extLst>
-          </p:cNvPr>
+            <a:endParaRPr lang="en-US" dirty="0"/>
+          </a:p>
+        </p:txBody>
+      </p:sp>
+      <p:sp>
+        <p:nvSpPr>
+          <p:cNvPr id="3" name="Text Placeholder 2"/>
           <p:cNvSpPr>
             <a:spLocks noGrp="1"/>
           </p:cNvSpPr>
@@ -3097,81 +2761,76 @@
           <a:p>
             <a:pPr lvl="0"/>
             <a:r>
-              <a:rPr kumimoji="1" lang="ja-JP" altLang="en-US"/>
+              <a:rPr lang="ja-JP" altLang="en-US"/>
               <a:t>マスター テキストの書式設定</a:t>
             </a:r>
           </a:p>
           <a:p>
             <a:pPr lvl="1"/>
             <a:r>
-              <a:rPr kumimoji="1" lang="ja-JP" altLang="en-US"/>
+              <a:rPr lang="ja-JP" altLang="en-US"/>
               <a:t>第 </a:t>
             </a:r>
             <a:r>
-              <a:rPr kumimoji="1" lang="en-US" altLang="ja-JP"/>
+              <a:rPr lang="en-US" altLang="ja-JP"/>
               <a:t>2 </a:t>
             </a:r>
             <a:r>
-              <a:rPr kumimoji="1" lang="ja-JP" altLang="en-US"/>
+              <a:rPr lang="ja-JP" altLang="en-US"/>
               <a:t>レベル</a:t>
             </a:r>
           </a:p>
           <a:p>
             <a:pPr lvl="2"/>
             <a:r>
-              <a:rPr kumimoji="1" lang="ja-JP" altLang="en-US"/>
+              <a:rPr lang="ja-JP" altLang="en-US"/>
               <a:t>第 </a:t>
             </a:r>
             <a:r>
-              <a:rPr kumimoji="1" lang="en-US" altLang="ja-JP"/>
+              <a:rPr lang="en-US" altLang="ja-JP"/>
               <a:t>3 </a:t>
             </a:r>
             <a:r>
-              <a:rPr kumimoji="1" lang="ja-JP" altLang="en-US"/>
+              <a:rPr lang="ja-JP" altLang="en-US"/>
               <a:t>レベル</a:t>
             </a:r>
           </a:p>
           <a:p>
             <a:pPr lvl="3"/>
             <a:r>
-              <a:rPr kumimoji="1" lang="ja-JP" altLang="en-US"/>
+              <a:rPr lang="ja-JP" altLang="en-US"/>
               <a:t>第 </a:t>
             </a:r>
             <a:r>
-              <a:rPr kumimoji="1" lang="en-US" altLang="ja-JP"/>
+              <a:rPr lang="en-US" altLang="ja-JP"/>
               <a:t>4 </a:t>
             </a:r>
             <a:r>
-              <a:rPr kumimoji="1" lang="ja-JP" altLang="en-US"/>
+              <a:rPr lang="ja-JP" altLang="en-US"/>
               <a:t>レベル</a:t>
             </a:r>
           </a:p>
           <a:p>
             <a:pPr lvl="4"/>
             <a:r>
-              <a:rPr kumimoji="1" lang="ja-JP" altLang="en-US"/>
+              <a:rPr lang="ja-JP" altLang="en-US"/>
               <a:t>第 </a:t>
             </a:r>
             <a:r>
-              <a:rPr kumimoji="1" lang="en-US" altLang="ja-JP"/>
+              <a:rPr lang="en-US" altLang="ja-JP"/>
               <a:t>5 </a:t>
             </a:r>
             <a:r>
-              <a:rPr kumimoji="1" lang="ja-JP" altLang="en-US"/>
+              <a:rPr lang="ja-JP" altLang="en-US"/>
               <a:t>レベル</a:t>
             </a:r>
-          </a:p>
-        </p:txBody>
-      </p:sp>
-      <p:sp>
-        <p:nvSpPr>
-          <p:cNvPr id="4" name="日付プレースホルダー 3">
-            <a:extLst>
-              <a:ext uri="{FF2B5EF4-FFF2-40B4-BE49-F238E27FC236}">
-                <a16:creationId xmlns:a16="http://schemas.microsoft.com/office/drawing/2014/main" id="{00FDC592-83C2-98DC-3F61-6BD81E9D1FE8}"/>
-              </a:ext>
-            </a:extLst>
-          </p:cNvPr>
+            <a:endParaRPr lang="en-US" dirty="0"/>
+          </a:p>
+        </p:txBody>
+      </p:sp>
+      <p:sp>
+        <p:nvSpPr>
+          <p:cNvPr id="4" name="Date Placeholder 3"/>
           <p:cNvSpPr>
             <a:spLocks noGrp="1"/>
           </p:cNvSpPr>
@@ -3212,13 +2871,7 @@
       </p:sp>
       <p:sp>
         <p:nvSpPr>
-          <p:cNvPr id="5" name="フッター プレースホルダー 4">
-            <a:extLst>
-              <a:ext uri="{FF2B5EF4-FFF2-40B4-BE49-F238E27FC236}">
-                <a16:creationId xmlns:a16="http://schemas.microsoft.com/office/drawing/2014/main" id="{C2AD26AE-AB51-543F-B4E1-7E451B9E835D}"/>
-              </a:ext>
-            </a:extLst>
-          </p:cNvPr>
+          <p:cNvPr id="5" name="Footer Placeholder 4"/>
           <p:cNvSpPr>
             <a:spLocks noGrp="1"/>
           </p:cNvSpPr>
@@ -3255,13 +2908,7 @@
       </p:sp>
       <p:sp>
         <p:nvSpPr>
-          <p:cNvPr id="6" name="スライド番号プレースホルダー 5">
-            <a:extLst>
-              <a:ext uri="{FF2B5EF4-FFF2-40B4-BE49-F238E27FC236}">
-                <a16:creationId xmlns:a16="http://schemas.microsoft.com/office/drawing/2014/main" id="{58211BB9-9484-7682-C980-FB233A460D7F}"/>
-              </a:ext>
-            </a:extLst>
-          </p:cNvPr>
+          <p:cNvPr id="6" name="Slide Number Placeholder 5"/>
           <p:cNvSpPr>
             <a:spLocks noGrp="1"/>
           </p:cNvSpPr>
@@ -3303,23 +2950,23 @@
     </p:spTree>
     <p:extLst>
       <p:ext uri="{BB962C8B-B14F-4D97-AF65-F5344CB8AC3E}">
-        <p14:creationId xmlns:p14="http://schemas.microsoft.com/office/powerpoint/2010/main" val="3046238837"/>
+        <p14:creationId xmlns:p14="http://schemas.microsoft.com/office/powerpoint/2010/main" val="1948130482"/>
       </p:ext>
     </p:extLst>
   </p:cSld>
   <p:clrMap bg1="lt1" tx1="dk1" bg2="lt2" tx2="dk2" accent1="accent1" accent2="accent2" accent3="accent3" accent4="accent4" accent5="accent5" accent6="accent6" hlink="hlink" folHlink="folHlink"/>
   <p:sldLayoutIdLst>
-    <p:sldLayoutId id="2147483649" r:id="rId1"/>
-    <p:sldLayoutId id="2147483650" r:id="rId2"/>
-    <p:sldLayoutId id="2147483651" r:id="rId3"/>
-    <p:sldLayoutId id="2147483652" r:id="rId4"/>
-    <p:sldLayoutId id="2147483653" r:id="rId5"/>
-    <p:sldLayoutId id="2147483654" r:id="rId6"/>
-    <p:sldLayoutId id="2147483655" r:id="rId7"/>
-    <p:sldLayoutId id="2147483656" r:id="rId8"/>
-    <p:sldLayoutId id="2147483657" r:id="rId9"/>
-    <p:sldLayoutId id="2147483658" r:id="rId10"/>
-    <p:sldLayoutId id="2147483659" r:id="rId11"/>
+    <p:sldLayoutId id="2147483745" r:id="rId1"/>
+    <p:sldLayoutId id="2147483746" r:id="rId2"/>
+    <p:sldLayoutId id="2147483747" r:id="rId3"/>
+    <p:sldLayoutId id="2147483748" r:id="rId4"/>
+    <p:sldLayoutId id="2147483749" r:id="rId5"/>
+    <p:sldLayoutId id="2147483750" r:id="rId6"/>
+    <p:sldLayoutId id="2147483751" r:id="rId7"/>
+    <p:sldLayoutId id="2147483752" r:id="rId8"/>
+    <p:sldLayoutId id="2147483753" r:id="rId9"/>
+    <p:sldLayoutId id="2147483754" r:id="rId10"/>
+    <p:sldLayoutId id="2147483755" r:id="rId11"/>
   </p:sldLayoutIdLst>
   <p:txStyles>
     <p:titleStyle>
@@ -3507,7 +3154,7 @@
     </p:bodyStyle>
     <p:otherStyle>
       <a:defPPr>
-        <a:defRPr lang="ja-JP"/>
+        <a:defRPr lang="en-US"/>
       </a:defPPr>
       <a:lvl1pPr marL="0" algn="l" defTabSz="914400" rtl="0" eaLnBrk="1" latinLnBrk="0" hangingPunct="1">
         <a:defRPr kumimoji="1" sz="1800" kern="1200">
@@ -3629,66 +3276,6 @@
           <a:chExt cx="0" cy="0"/>
         </a:xfrm>
       </p:grpSpPr>
-      <p:sp useBgFill="1">
-        <p:nvSpPr>
-          <p:cNvPr id="10" name="Rectangle 9">
-            <a:extLst>
-              <a:ext uri="{FF2B5EF4-FFF2-40B4-BE49-F238E27FC236}">
-                <a16:creationId xmlns:a16="http://schemas.microsoft.com/office/drawing/2014/main" id="{91DC6ABD-215C-4EA8-A483-CEF5B99AB385}"/>
-              </a:ext>
-              <a:ext uri="{C183D7F6-B498-43B3-948B-1728B52AA6E4}">
-                <adec:decorative xmlns:adec="http://schemas.microsoft.com/office/drawing/2017/decorative" val="1"/>
-              </a:ext>
-            </a:extLst>
-          </p:cNvPr>
-          <p:cNvSpPr>
-            <a:spLocks noGrp="1" noRot="1" noChangeAspect="1" noMove="1" noResize="1" noEditPoints="1" noAdjustHandles="1" noChangeArrowheads="1" noChangeShapeType="1" noTextEdit="1"/>
-          </p:cNvSpPr>
-          <p:nvPr>
-            <p:extLst>
-              <p:ext uri="{386F3935-93C4-4BCD-93E2-E3B085C9AB24}">
-                <p16:designElem xmlns:p16="http://schemas.microsoft.com/office/powerpoint/2015/main" val="1"/>
-              </p:ext>
-            </p:extLst>
-          </p:nvPr>
-        </p:nvSpPr>
-        <p:spPr>
-          <a:xfrm>
-            <a:off x="0" y="0"/>
-            <a:ext cx="12191999" cy="6857365"/>
-          </a:xfrm>
-          <a:prstGeom prst="rect">
-            <a:avLst/>
-          </a:prstGeom>
-          <a:ln>
-            <a:noFill/>
-          </a:ln>
-        </p:spPr>
-        <p:style>
-          <a:lnRef idx="2">
-            <a:schemeClr val="accent1">
-              <a:shade val="50000"/>
-            </a:schemeClr>
-          </a:lnRef>
-          <a:fillRef idx="1">
-            <a:schemeClr val="accent1"/>
-          </a:fillRef>
-          <a:effectRef idx="0">
-            <a:schemeClr val="accent1"/>
-          </a:effectRef>
-          <a:fontRef idx="minor">
-            <a:schemeClr val="lt1"/>
-          </a:fontRef>
-        </p:style>
-        <p:txBody>
-          <a:bodyPr rtlCol="0" anchor="ctr"/>
-          <a:lstStyle/>
-          <a:p>
-            <a:pPr algn="ctr"/>
-            <a:endParaRPr lang="en-US"/>
-          </a:p>
-        </p:txBody>
-      </p:sp>
       <p:sp>
         <p:nvSpPr>
           <p:cNvPr id="2" name="タイトル 1">
@@ -3719,21 +3306,32 @@
           <a:p>
             <a:pPr algn="l"/>
             <a:r>
-              <a:rPr kumimoji="1" lang="ja-JP" altLang="en-US" dirty="0"/>
+              <a:rPr kumimoji="1" lang="ja-JP" altLang="en-US" dirty="0">
+                <a:latin typeface="Meiryo UI" panose="020B0604030504040204" pitchFamily="50" charset="-128"/>
+                <a:ea typeface="Meiryo UI" panose="020B0604030504040204" pitchFamily="50" charset="-128"/>
+              </a:rPr>
               <a:t>ウルトラブレス向け</a:t>
             </a:r>
             <a:br>
-              <a:rPr kumimoji="1" lang="en-US" altLang="ja-JP" dirty="0"/>
+              <a:rPr kumimoji="1" lang="en-US" altLang="ja-JP" dirty="0">
+                <a:latin typeface="Meiryo UI" panose="020B0604030504040204" pitchFamily="50" charset="-128"/>
+                <a:ea typeface="Meiryo UI" panose="020B0604030504040204" pitchFamily="50" charset="-128"/>
+              </a:rPr>
             </a:br>
             <a:r>
-              <a:rPr kumimoji="1" lang="en-US" altLang="ja-JP" dirty="0"/>
+              <a:rPr kumimoji="1" lang="en-US" altLang="ja-JP" dirty="0">
+                <a:latin typeface="Meiryo UI" panose="020B0604030504040204" pitchFamily="50" charset="-128"/>
+                <a:ea typeface="Meiryo UI" panose="020B0604030504040204" pitchFamily="50" charset="-128"/>
+              </a:rPr>
               <a:t>WEB</a:t>
             </a:r>
             <a:r>
-              <a:rPr kumimoji="1" lang="ja-JP" altLang="en-US" dirty="0"/>
+              <a:rPr kumimoji="1" lang="ja-JP" altLang="en-US" dirty="0">
+                <a:latin typeface="Meiryo UI" panose="020B0604030504040204" pitchFamily="50" charset="-128"/>
+                <a:ea typeface="Meiryo UI" panose="020B0604030504040204" pitchFamily="50" charset="-128"/>
+              </a:rPr>
               <a:t>アプリ</a:t>
             </a:r>
-            <a:endParaRPr kumimoji="1" lang="ja-JP" altLang="en-US"/>
           </a:p>
         </p:txBody>
       </p:sp>
@@ -3766,222 +3364,10 @@
           <a:lstStyle/>
           <a:p>
             <a:pPr algn="l"/>
-            <a:endParaRPr kumimoji="1" lang="ja-JP" altLang="en-US"/>
-          </a:p>
-        </p:txBody>
-      </p:sp>
-      <p:grpSp>
-        <p:nvGrpSpPr>
-          <p:cNvPr id="12" name="Group 11">
-            <a:extLst>
-              <a:ext uri="{FF2B5EF4-FFF2-40B4-BE49-F238E27FC236}">
-                <a16:creationId xmlns:a16="http://schemas.microsoft.com/office/drawing/2014/main" id="{3AF6A671-C637-4547-85F4-51B6D1881399}"/>
-              </a:ext>
-              <a:ext uri="{C183D7F6-B498-43B3-948B-1728B52AA6E4}">
-                <adec:decorative xmlns:adec="http://schemas.microsoft.com/office/drawing/2017/decorative" val="1"/>
-              </a:ext>
-            </a:extLst>
-          </p:cNvPr>
-          <p:cNvGrpSpPr>
-            <a:grpSpLocks noGrp="1" noUngrp="1" noRot="1" noChangeAspect="1" noMove="1" noResize="1"/>
-          </p:cNvGrpSpPr>
-          <p:nvPr>
-            <p:extLst>
-              <p:ext uri="{386F3935-93C4-4BCD-93E2-E3B085C9AB24}">
-                <p16:designElem xmlns:p16="http://schemas.microsoft.com/office/powerpoint/2015/main" val="1"/>
-              </p:ext>
-            </p:extLst>
-          </p:nvPr>
-        </p:nvGrpSpPr>
-        <p:grpSpPr>
-          <a:xfrm>
-            <a:off x="9416432" y="1"/>
-            <a:ext cx="2446384" cy="5777808"/>
-            <a:chOff x="329184" y="1"/>
-            <a:chExt cx="524256" cy="5777808"/>
-          </a:xfrm>
-        </p:grpSpPr>
-        <p:cxnSp>
-          <p:nvCxnSpPr>
-            <p:cNvPr id="13" name="Straight Connector 12">
-              <a:extLst>
-                <a:ext uri="{FF2B5EF4-FFF2-40B4-BE49-F238E27FC236}">
-                  <a16:creationId xmlns:a16="http://schemas.microsoft.com/office/drawing/2014/main" id="{C575CF26-3D3C-4C5A-A2B7-00432016EF62}"/>
-                </a:ext>
-                <a:ext uri="{C183D7F6-B498-43B3-948B-1728B52AA6E4}">
-                  <adec:decorative xmlns:adec="http://schemas.microsoft.com/office/drawing/2017/decorative" val="1"/>
-                </a:ext>
-              </a:extLst>
-            </p:cNvPr>
-            <p:cNvCxnSpPr>
-              <a:cxnSpLocks/>
-            </p:cNvCxnSpPr>
-            <p:nvPr>
-              <p:extLst>
-                <p:ext uri="{386F3935-93C4-4BCD-93E2-E3B085C9AB24}">
-                  <p16:designElem xmlns:p16="http://schemas.microsoft.com/office/powerpoint/2015/main" val="1"/>
-                </p:ext>
-              </p:extLst>
-            </p:nvPr>
-          </p:nvCxnSpPr>
-          <p:spPr>
-            <a:xfrm flipH="1">
-              <a:off x="329184" y="5777809"/>
-              <a:ext cx="521208" cy="0"/>
-            </a:xfrm>
-            <a:prstGeom prst="line">
-              <a:avLst/>
-            </a:prstGeom>
-            <a:ln w="152400">
-              <a:solidFill>
-                <a:schemeClr val="accent4"/>
-              </a:solidFill>
-            </a:ln>
-          </p:spPr>
-          <p:style>
-            <a:lnRef idx="1">
-              <a:schemeClr val="accent1"/>
-            </a:lnRef>
-            <a:fillRef idx="0">
-              <a:schemeClr val="accent1"/>
-            </a:fillRef>
-            <a:effectRef idx="0">
-              <a:schemeClr val="accent1"/>
-            </a:effectRef>
-            <a:fontRef idx="minor">
-              <a:schemeClr val="tx1"/>
-            </a:fontRef>
-          </p:style>
-        </p:cxnSp>
-        <p:sp>
-          <p:nvSpPr>
-            <p:cNvPr id="14" name="Rectangle 13">
-              <a:extLst>
-                <a:ext uri="{FF2B5EF4-FFF2-40B4-BE49-F238E27FC236}">
-                  <a16:creationId xmlns:a16="http://schemas.microsoft.com/office/drawing/2014/main" id="{99413ED5-9ED4-4772-BCE4-2BCAE6B12E35}"/>
-                </a:ext>
-                <a:ext uri="{C183D7F6-B498-43B3-948B-1728B52AA6E4}">
-                  <adec:decorative xmlns:adec="http://schemas.microsoft.com/office/drawing/2017/decorative" val="1"/>
-                </a:ext>
-              </a:extLst>
-            </p:cNvPr>
-            <p:cNvSpPr/>
-            <p:nvPr>
-              <p:extLst>
-                <p:ext uri="{386F3935-93C4-4BCD-93E2-E3B085C9AB24}">
-                  <p16:designElem xmlns:p16="http://schemas.microsoft.com/office/powerpoint/2015/main" val="1"/>
-                </p:ext>
-              </p:extLst>
-            </p:nvPr>
-          </p:nvSpPr>
-          <p:spPr>
-            <a:xfrm>
-              <a:off x="329184" y="1"/>
-              <a:ext cx="524256" cy="5532119"/>
-            </a:xfrm>
-            <a:prstGeom prst="rect">
-              <a:avLst/>
-            </a:prstGeom>
-            <a:solidFill>
-              <a:schemeClr val="accent4"/>
-            </a:solidFill>
-            <a:ln>
-              <a:noFill/>
-            </a:ln>
-          </p:spPr>
-          <p:style>
-            <a:lnRef idx="2">
-              <a:schemeClr val="accent1">
-                <a:shade val="50000"/>
-              </a:schemeClr>
-            </a:lnRef>
-            <a:fillRef idx="1">
-              <a:schemeClr val="accent1"/>
-            </a:fillRef>
-            <a:effectRef idx="0">
-              <a:schemeClr val="accent1"/>
-            </a:effectRef>
-            <a:fontRef idx="minor">
-              <a:schemeClr val="lt1"/>
-            </a:fontRef>
-          </p:style>
-          <p:txBody>
-            <a:bodyPr rtlCol="0" anchor="ctr"/>
-            <a:lstStyle/>
-            <a:p>
-              <a:pPr algn="ctr"/>
-              <a:endParaRPr lang="en-US"/>
-            </a:p>
-          </p:txBody>
-        </p:sp>
-      </p:grpSp>
-      <p:sp>
-        <p:nvSpPr>
-          <p:cNvPr id="16" name="Rectangle 15">
-            <a:extLst>
-              <a:ext uri="{FF2B5EF4-FFF2-40B4-BE49-F238E27FC236}">
-                <a16:creationId xmlns:a16="http://schemas.microsoft.com/office/drawing/2014/main" id="{04357C93-F0CB-4A1C-8F77-4E9063789819}"/>
-              </a:ext>
-              <a:ext uri="{C183D7F6-B498-43B3-948B-1728B52AA6E4}">
-                <adec:decorative xmlns:adec="http://schemas.microsoft.com/office/drawing/2017/decorative" val="1"/>
-              </a:ext>
-            </a:extLst>
-          </p:cNvPr>
-          <p:cNvSpPr>
-            <a:spLocks noGrp="1" noRot="1" noChangeAspect="1" noMove="1" noResize="1" noEditPoints="1" noAdjustHandles="1" noChangeArrowheads="1" noChangeShapeType="1" noTextEdit="1"/>
-          </p:cNvSpPr>
-          <p:nvPr>
-            <p:extLst>
-              <p:ext uri="{386F3935-93C4-4BCD-93E2-E3B085C9AB24}">
-                <p16:designElem xmlns:p16="http://schemas.microsoft.com/office/powerpoint/2015/main" val="1"/>
-              </p:ext>
-            </p:extLst>
-          </p:nvPr>
-        </p:nvSpPr>
-        <p:spPr>
-          <a:xfrm>
-            <a:off x="5386598" y="269324"/>
-            <a:ext cx="6116779" cy="6208776"/>
-          </a:xfrm>
-          <a:prstGeom prst="rect">
-            <a:avLst/>
-          </a:prstGeom>
-          <a:solidFill>
-            <a:schemeClr val="bg1"/>
-          </a:solidFill>
-          <a:ln>
-            <a:noFill/>
-          </a:ln>
-          <a:effectLst>
-            <a:outerShdw blurRad="139700" dist="127000" dir="5400000" algn="t" rotWithShape="0">
-              <a:prstClr val="black">
-                <a:alpha val="15000"/>
-              </a:prstClr>
-            </a:outerShdw>
-          </a:effectLst>
-        </p:spPr>
-        <p:style>
-          <a:lnRef idx="2">
-            <a:schemeClr val="accent1">
-              <a:shade val="50000"/>
-            </a:schemeClr>
-          </a:lnRef>
-          <a:fillRef idx="1">
-            <a:schemeClr val="accent1"/>
-          </a:fillRef>
-          <a:effectRef idx="0">
-            <a:schemeClr val="accent1"/>
-          </a:effectRef>
-          <a:fontRef idx="minor">
-            <a:schemeClr val="lt1"/>
-          </a:fontRef>
-        </p:style>
-        <p:txBody>
-          <a:bodyPr rtlCol="0" anchor="ctr"/>
-          <a:lstStyle/>
-          <a:p>
-            <a:pPr algn="ctr"/>
-            <a:endParaRPr lang="en-US"/>
+            <a:endParaRPr kumimoji="1" lang="ja-JP" altLang="en-US">
+              <a:latin typeface="Meiryo UI" panose="020B0604030504040204" pitchFamily="50" charset="-128"/>
+              <a:ea typeface="Meiryo UI" panose="020B0604030504040204" pitchFamily="50" charset="-128"/>
+            </a:endParaRPr>
           </a:p>
         </p:txBody>
       </p:sp>
@@ -4060,7 +3446,7 @@
         <p:spPr>
           <a:xfrm>
             <a:off x="457200" y="274320"/>
-            <a:ext cx="10972800" cy="914400"/>
+            <a:ext cx="7491153" cy="1015663"/>
           </a:xfrm>
           <a:prstGeom prst="rect">
             <a:avLst/>
@@ -4081,21 +3467,66 @@
               </a:defRPr>
             </a:pPr>
             <a:r>
-              <a:t>なぜ Web アプリなのか？</a:t>
-            </a:r>
-          </a:p>
-        </p:txBody>
-      </p:sp>
-      <p:sp>
-        <p:nvSpPr>
-          <p:cNvPr id="3" name="TextBox 2"/>
+              <a:rPr dirty="0" err="1">
+                <a:latin typeface="Meiryo UI" panose="020B0604030504040204" pitchFamily="50" charset="-128"/>
+                <a:ea typeface="Meiryo UI" panose="020B0604030504040204" pitchFamily="50" charset="-128"/>
+              </a:rPr>
+              <a:t>なぜ</a:t>
+            </a:r>
+            <a:r>
+              <a:rPr dirty="0">
+                <a:latin typeface="Meiryo UI" panose="020B0604030504040204" pitchFamily="50" charset="-128"/>
+                <a:ea typeface="Meiryo UI" panose="020B0604030504040204" pitchFamily="50" charset="-128"/>
+              </a:rPr>
+              <a:t> Web </a:t>
+            </a:r>
+            <a:r>
+              <a:rPr dirty="0" err="1">
+                <a:latin typeface="Meiryo UI" panose="020B0604030504040204" pitchFamily="50" charset="-128"/>
+                <a:ea typeface="Meiryo UI" panose="020B0604030504040204" pitchFamily="50" charset="-128"/>
+              </a:rPr>
+              <a:t>アプリなのか</a:t>
+            </a:r>
+            <a:r>
+              <a:rPr dirty="0">
+                <a:latin typeface="Meiryo UI" panose="020B0604030504040204" pitchFamily="50" charset="-128"/>
+                <a:ea typeface="Meiryo UI" panose="020B0604030504040204" pitchFamily="50" charset="-128"/>
+              </a:rPr>
+              <a:t>？</a:t>
+            </a:r>
+            <a:endParaRPr lang="en-US" dirty="0">
+              <a:latin typeface="Meiryo UI" panose="020B0604030504040204" pitchFamily="50" charset="-128"/>
+              <a:ea typeface="Meiryo UI" panose="020B0604030504040204" pitchFamily="50" charset="-128"/>
+            </a:endParaRPr>
+          </a:p>
+          <a:p>
+            <a:pPr>
+              <a:defRPr sz="3600" b="1">
+                <a:solidFill>
+                  <a:srgbClr val="2D88FF"/>
+                </a:solidFill>
+              </a:defRPr>
+            </a:pPr>
+            <a:r>
+              <a:rPr lang="ja-JP" altLang="en-US" sz="2400" dirty="0">
+                <a:latin typeface="Meiryo UI" panose="020B0604030504040204" pitchFamily="50" charset="-128"/>
+                <a:ea typeface="Meiryo UI" panose="020B0604030504040204" pitchFamily="50" charset="-128"/>
+              </a:rPr>
+              <a:t>どんなに優れた健康グッズも、“続かなければ意味がない”。</a:t>
+            </a:r>
+          </a:p>
+        </p:txBody>
+      </p:sp>
+      <p:sp>
+        <p:nvSpPr>
+          <p:cNvPr id="4" name="TextBox 3"/>
           <p:cNvSpPr txBox="1"/>
           <p:nvPr/>
         </p:nvSpPr>
         <p:spPr>
           <a:xfrm>
-            <a:off x="731520" y="1188720"/>
-            <a:ext cx="10058400" cy="914400"/>
+            <a:off x="731520" y="1920240"/>
+            <a:ext cx="5857694" cy="3539430"/>
           </a:xfrm>
           <a:prstGeom prst="rect">
             <a:avLst/>
@@ -4108,49 +3539,28 @@
           </a:bodyPr>
           <a:lstStyle/>
           <a:p>
-            <a:pPr>
-              <a:defRPr sz="2000" b="1">
-                <a:solidFill>
-                  <a:srgbClr val="000000"/>
-                </a:solidFill>
-              </a:defRPr>
-            </a:pPr>
-            <a:r>
-              <a:t>どんなに優れた健康グッズも、“続かなければ意味がない”。</a:t>
-            </a:r>
-          </a:p>
-        </p:txBody>
-      </p:sp>
-      <p:sp>
-        <p:nvSpPr>
-          <p:cNvPr id="4" name="TextBox 3"/>
-          <p:cNvSpPr txBox="1"/>
-          <p:nvPr/>
-        </p:nvSpPr>
-        <p:spPr>
-          <a:xfrm>
-            <a:off x="731520" y="1920240"/>
-            <a:ext cx="10058400" cy="2286000"/>
-          </a:xfrm>
-          <a:prstGeom prst="rect">
-            <a:avLst/>
-          </a:prstGeom>
-          <a:noFill/>
-        </p:spPr>
-        <p:txBody>
-          <a:bodyPr wrap="none">
-            <a:spAutoFit/>
-          </a:bodyPr>
-          <a:lstStyle/>
-          <a:p>
-            <a:endParaRPr/>
+            <a:endParaRPr dirty="0">
+              <a:latin typeface="Meiryo UI" panose="020B0604030504040204" pitchFamily="50" charset="-128"/>
+              <a:ea typeface="Meiryo UI" panose="020B0604030504040204" pitchFamily="50" charset="-128"/>
+            </a:endParaRPr>
           </a:p>
           <a:p>
             <a:pPr>
               <a:defRPr sz="1800"/>
             </a:pPr>
             <a:r>
-              <a:t>継続が何よりも大切。けれど、それが一番難しい。</a:t>
+              <a:rPr dirty="0" err="1">
+                <a:latin typeface="Meiryo UI" panose="020B0604030504040204" pitchFamily="50" charset="-128"/>
+                <a:ea typeface="Meiryo UI" panose="020B0604030504040204" pitchFamily="50" charset="-128"/>
+              </a:rPr>
+              <a:t>継続が何よりも大切。けれど、それが一番難しい</a:t>
+            </a:r>
+            <a:r>
+              <a:rPr dirty="0">
+                <a:latin typeface="Meiryo UI" panose="020B0604030504040204" pitchFamily="50" charset="-128"/>
+                <a:ea typeface="Meiryo UI" panose="020B0604030504040204" pitchFamily="50" charset="-128"/>
+              </a:rPr>
+              <a:t>。</a:t>
             </a:r>
           </a:p>
           <a:p>
@@ -4158,7 +3568,25 @@
               <a:defRPr sz="1800"/>
             </a:pPr>
             <a:r>
-              <a:t>「やろう」と思っていても、日々の忙しさで忘れてしまう。</a:t>
+              <a:rPr dirty="0">
+                <a:latin typeface="Meiryo UI" panose="020B0604030504040204" pitchFamily="50" charset="-128"/>
+                <a:ea typeface="Meiryo UI" panose="020B0604030504040204" pitchFamily="50" charset="-128"/>
+              </a:rPr>
+              <a:t>「</a:t>
+            </a:r>
+            <a:r>
+              <a:rPr dirty="0" err="1">
+                <a:latin typeface="Meiryo UI" panose="020B0604030504040204" pitchFamily="50" charset="-128"/>
+                <a:ea typeface="Meiryo UI" panose="020B0604030504040204" pitchFamily="50" charset="-128"/>
+              </a:rPr>
+              <a:t>やろう」と思っていても、日々の忙しさで忘れてしまう</a:t>
+            </a:r>
+            <a:r>
+              <a:rPr dirty="0">
+                <a:latin typeface="Meiryo UI" panose="020B0604030504040204" pitchFamily="50" charset="-128"/>
+                <a:ea typeface="Meiryo UI" panose="020B0604030504040204" pitchFamily="50" charset="-128"/>
+              </a:rPr>
+              <a:t>。</a:t>
             </a:r>
           </a:p>
           <a:p>
@@ -4166,7 +3594,18 @@
               <a:defRPr sz="1800"/>
             </a:pPr>
             <a:r>
-              <a:t>毎日やったかどうか、自分でも曖昧になる。</a:t>
+              <a:rPr dirty="0" err="1">
+                <a:latin typeface="Meiryo UI" panose="020B0604030504040204" pitchFamily="50" charset="-128"/>
+                <a:ea typeface="Meiryo UI" panose="020B0604030504040204" pitchFamily="50" charset="-128"/>
+              </a:rPr>
+              <a:t>毎日やったかどうか、自分でも曖昧になる</a:t>
+            </a:r>
+            <a:r>
+              <a:rPr dirty="0">
+                <a:latin typeface="Meiryo UI" panose="020B0604030504040204" pitchFamily="50" charset="-128"/>
+                <a:ea typeface="Meiryo UI" panose="020B0604030504040204" pitchFamily="50" charset="-128"/>
+              </a:rPr>
+              <a:t>。</a:t>
             </a:r>
           </a:p>
           <a:p>
@@ -4174,7 +3613,18 @@
               <a:defRPr sz="1800"/>
             </a:pPr>
             <a:r>
-              <a:t>アプリのインストールや複雑な操作は、かえって習慣の妨げに。</a:t>
+              <a:rPr dirty="0" err="1">
+                <a:latin typeface="Meiryo UI" panose="020B0604030504040204" pitchFamily="50" charset="-128"/>
+                <a:ea typeface="Meiryo UI" panose="020B0604030504040204" pitchFamily="50" charset="-128"/>
+              </a:rPr>
+              <a:t>アプリのインストールや複雑な操作は、かえって習慣の妨げに</a:t>
+            </a:r>
+            <a:r>
+              <a:rPr dirty="0">
+                <a:latin typeface="Meiryo UI" panose="020B0604030504040204" pitchFamily="50" charset="-128"/>
+                <a:ea typeface="Meiryo UI" panose="020B0604030504040204" pitchFamily="50" charset="-128"/>
+              </a:rPr>
+              <a:t>。</a:t>
             </a:r>
           </a:p>
           <a:p>
@@ -4182,38 +3632,69 @@
               <a:defRPr sz="1800"/>
             </a:pPr>
             <a:r>
-              <a:t>だからこそ、“すぐに使えて、続けやすい”Webアプリが最適です。</a:t>
-            </a:r>
-          </a:p>
-        </p:txBody>
-      </p:sp>
-      <p:sp>
-        <p:nvSpPr>
-          <p:cNvPr id="5" name="TextBox 4"/>
-          <p:cNvSpPr txBox="1"/>
-          <p:nvPr/>
-        </p:nvSpPr>
-        <p:spPr>
-          <a:xfrm>
-            <a:off x="731520" y="4480560"/>
-            <a:ext cx="10058400" cy="1828800"/>
-          </a:xfrm>
-          <a:prstGeom prst="rect">
-            <a:avLst/>
-          </a:prstGeom>
-          <a:noFill/>
-        </p:spPr>
-        <p:txBody>
-          <a:bodyPr wrap="none">
-            <a:spAutoFit/>
-          </a:bodyPr>
-          <a:lstStyle/>
+              <a:rPr dirty="0" err="1">
+                <a:latin typeface="Meiryo UI" panose="020B0604030504040204" pitchFamily="50" charset="-128"/>
+                <a:ea typeface="Meiryo UI" panose="020B0604030504040204" pitchFamily="50" charset="-128"/>
+              </a:rPr>
+              <a:t>だからこそ</a:t>
+            </a:r>
+            <a:r>
+              <a:rPr dirty="0">
+                <a:latin typeface="Meiryo UI" panose="020B0604030504040204" pitchFamily="50" charset="-128"/>
+                <a:ea typeface="Meiryo UI" panose="020B0604030504040204" pitchFamily="50" charset="-128"/>
+              </a:rPr>
+              <a:t>、“</a:t>
+            </a:r>
+            <a:r>
+              <a:rPr dirty="0" err="1">
+                <a:latin typeface="Meiryo UI" panose="020B0604030504040204" pitchFamily="50" charset="-128"/>
+                <a:ea typeface="Meiryo UI" panose="020B0604030504040204" pitchFamily="50" charset="-128"/>
+              </a:rPr>
+              <a:t>すぐに使えて、続けやすい”Webアプリが最適です</a:t>
+            </a:r>
+            <a:r>
+              <a:rPr dirty="0">
+                <a:latin typeface="Meiryo UI" panose="020B0604030504040204" pitchFamily="50" charset="-128"/>
+                <a:ea typeface="Meiryo UI" panose="020B0604030504040204" pitchFamily="50" charset="-128"/>
+              </a:rPr>
+              <a:t>。</a:t>
+            </a:r>
+            <a:endParaRPr lang="en-US" dirty="0">
+              <a:latin typeface="Meiryo UI" panose="020B0604030504040204" pitchFamily="50" charset="-128"/>
+              <a:ea typeface="Meiryo UI" panose="020B0604030504040204" pitchFamily="50" charset="-128"/>
+            </a:endParaRPr>
+          </a:p>
           <a:p>
             <a:pPr>
               <a:defRPr sz="1800"/>
             </a:pPr>
             <a:r>
-              <a:t>Webアプリで解決できる5つの課題：</a:t>
+              <a:rPr lang="en-US" altLang="ja-JP" dirty="0">
+                <a:latin typeface="Meiryo UI" panose="020B0604030504040204" pitchFamily="50" charset="-128"/>
+                <a:ea typeface="Meiryo UI" panose="020B0604030504040204" pitchFamily="50" charset="-128"/>
+              </a:rPr>
+              <a:t>Web</a:t>
+            </a:r>
+            <a:r>
+              <a:rPr lang="ja-JP" altLang="en-US" dirty="0">
+                <a:latin typeface="Meiryo UI" panose="020B0604030504040204" pitchFamily="50" charset="-128"/>
+                <a:ea typeface="Meiryo UI" panose="020B0604030504040204" pitchFamily="50" charset="-128"/>
+              </a:rPr>
+              <a:t>アプリで解決できる</a:t>
+            </a:r>
+            <a:r>
+              <a:rPr lang="en-US" altLang="ja-JP" dirty="0">
+                <a:latin typeface="Meiryo UI" panose="020B0604030504040204" pitchFamily="50" charset="-128"/>
+                <a:ea typeface="Meiryo UI" panose="020B0604030504040204" pitchFamily="50" charset="-128"/>
+              </a:rPr>
+              <a:t>5</a:t>
+            </a:r>
+            <a:r>
+              <a:rPr lang="ja-JP" altLang="en-US" dirty="0">
+                <a:latin typeface="Meiryo UI" panose="020B0604030504040204" pitchFamily="50" charset="-128"/>
+                <a:ea typeface="Meiryo UI" panose="020B0604030504040204" pitchFamily="50" charset="-128"/>
+              </a:rPr>
+              <a:t>つの課題：</a:t>
             </a:r>
           </a:p>
           <a:p>
@@ -4221,7 +3702,39 @@
               <a:defRPr sz="1600"/>
             </a:pPr>
             <a:r>
-              <a:t>✅ ワンタップで起動（NFC・QR対応）</a:t>
+              <a:rPr lang="ja-JP" altLang="en-US" dirty="0">
+                <a:latin typeface="Meiryo UI" panose="020B0604030504040204" pitchFamily="50" charset="-128"/>
+                <a:ea typeface="Meiryo UI" panose="020B0604030504040204" pitchFamily="50" charset="-128"/>
+              </a:rPr>
+              <a:t>✅ ワンタップで起動（</a:t>
+            </a:r>
+            <a:r>
+              <a:rPr lang="en-US" altLang="ja-JP" dirty="0">
+                <a:latin typeface="Meiryo UI" panose="020B0604030504040204" pitchFamily="50" charset="-128"/>
+                <a:ea typeface="Meiryo UI" panose="020B0604030504040204" pitchFamily="50" charset="-128"/>
+              </a:rPr>
+              <a:t>NFC</a:t>
+            </a:r>
+            <a:r>
+              <a:rPr lang="ja-JP" altLang="en-US" dirty="0">
+                <a:latin typeface="Meiryo UI" panose="020B0604030504040204" pitchFamily="50" charset="-128"/>
+                <a:ea typeface="Meiryo UI" panose="020B0604030504040204" pitchFamily="50" charset="-128"/>
+              </a:rPr>
+              <a:t>・</a:t>
+            </a:r>
+            <a:r>
+              <a:rPr lang="en-US" altLang="ja-JP" dirty="0">
+                <a:latin typeface="Meiryo UI" panose="020B0604030504040204" pitchFamily="50" charset="-128"/>
+                <a:ea typeface="Meiryo UI" panose="020B0604030504040204" pitchFamily="50" charset="-128"/>
+              </a:rPr>
+              <a:t>QR</a:t>
+            </a:r>
+            <a:r>
+              <a:rPr lang="ja-JP" altLang="en-US" dirty="0">
+                <a:latin typeface="Meiryo UI" panose="020B0604030504040204" pitchFamily="50" charset="-128"/>
+                <a:ea typeface="Meiryo UI" panose="020B0604030504040204" pitchFamily="50" charset="-128"/>
+              </a:rPr>
+              <a:t>対応）</a:t>
             </a:r>
           </a:p>
           <a:p>
@@ -4229,6 +3742,10 @@
               <a:defRPr sz="1600"/>
             </a:pPr>
             <a:r>
+              <a:rPr lang="ja-JP" altLang="en-US" dirty="0">
+                <a:latin typeface="Meiryo UI" panose="020B0604030504040204" pitchFamily="50" charset="-128"/>
+                <a:ea typeface="Meiryo UI" panose="020B0604030504040204" pitchFamily="50" charset="-128"/>
+              </a:rPr>
               <a:t>✅ 自動で記録・可視化される</a:t>
             </a:r>
           </a:p>
@@ -4237,7 +3754,25 @@
               <a:defRPr sz="1600"/>
             </a:pPr>
             <a:r>
-              <a:t>✅ 簡単なUIで迷わず使える</a:t>
+              <a:rPr lang="ja-JP" altLang="en-US" dirty="0">
+                <a:latin typeface="Meiryo UI" panose="020B0604030504040204" pitchFamily="50" charset="-128"/>
+                <a:ea typeface="Meiryo UI" panose="020B0604030504040204" pitchFamily="50" charset="-128"/>
+              </a:rPr>
+              <a:t>✅ 簡単な</a:t>
+            </a:r>
+            <a:r>
+              <a:rPr lang="en-US" altLang="ja-JP" dirty="0">
+                <a:latin typeface="Meiryo UI" panose="020B0604030504040204" pitchFamily="50" charset="-128"/>
+                <a:ea typeface="Meiryo UI" panose="020B0604030504040204" pitchFamily="50" charset="-128"/>
+              </a:rPr>
+              <a:t>UI</a:t>
+            </a:r>
+            <a:r>
+              <a:rPr lang="ja-JP" altLang="en-US" dirty="0">
+                <a:latin typeface="Meiryo UI" panose="020B0604030504040204" pitchFamily="50" charset="-128"/>
+                <a:ea typeface="Meiryo UI" panose="020B0604030504040204" pitchFamily="50" charset="-128"/>
+              </a:rPr>
+              <a:t>で迷わず使える</a:t>
             </a:r>
           </a:p>
           <a:p>
@@ -4245,6 +3780,10 @@
               <a:defRPr sz="1600"/>
             </a:pPr>
             <a:r>
+              <a:rPr lang="ja-JP" altLang="en-US" dirty="0">
+                <a:latin typeface="Meiryo UI" panose="020B0604030504040204" pitchFamily="50" charset="-128"/>
+                <a:ea typeface="Meiryo UI" panose="020B0604030504040204" pitchFamily="50" charset="-128"/>
+              </a:rPr>
               <a:t>✅ 高齢者や子どもでも直感的に使える</a:t>
             </a:r>
           </a:p>
@@ -4253,8 +3792,21 @@
               <a:defRPr sz="1600"/>
             </a:pPr>
             <a:r>
+              <a:rPr lang="ja-JP" altLang="en-US" dirty="0">
+                <a:latin typeface="Meiryo UI" panose="020B0604030504040204" pitchFamily="50" charset="-128"/>
+                <a:ea typeface="Meiryo UI" panose="020B0604030504040204" pitchFamily="50" charset="-128"/>
+              </a:rPr>
               <a:t>✅ 機種変更やインストール不要で安心</a:t>
             </a:r>
+          </a:p>
+          <a:p>
+            <a:pPr>
+              <a:defRPr sz="1800"/>
+            </a:pPr>
+            <a:endParaRPr dirty="0">
+              <a:latin typeface="Meiryo UI" panose="020B0604030504040204" pitchFamily="50" charset="-128"/>
+              <a:ea typeface="Meiryo UI" panose="020B0604030504040204" pitchFamily="50" charset="-128"/>
+            </a:endParaRPr>
           </a:p>
         </p:txBody>
       </p:sp>
@@ -4302,7 +3854,7 @@
 </file>
 
 <file path=ppt/slides/slide3.xml><?xml version="1.0" encoding="utf-8"?>
-<p:sld xmlns:a="http://schemas.openxmlformats.org/drawingml/2006/main" xmlns:p="http://schemas.openxmlformats.org/presentationml/2006/main" xmlns:r="http://schemas.openxmlformats.org/officeDocument/2006/relationships">
+<p:sld xmlns:a="http://schemas.openxmlformats.org/drawingml/2006/main" xmlns:r="http://schemas.openxmlformats.org/officeDocument/2006/relationships" xmlns:p="http://schemas.openxmlformats.org/presentationml/2006/main">
   <p:cSld>
     <p:spTree>
       <p:nvGrpSpPr>
@@ -4310,7 +3862,14 @@
         <p:cNvGrpSpPr/>
         <p:nvPr/>
       </p:nvGrpSpPr>
-      <p:grpSpPr/>
+      <p:grpSpPr>
+        <a:xfrm>
+          <a:off x="0" y="0"/>
+          <a:ext cx="0" cy="0"/>
+          <a:chOff x="0" y="0"/>
+          <a:chExt cx="0" cy="0"/>
+        </a:xfrm>
+      </p:grpSpPr>
       <p:sp>
         <p:nvSpPr>
           <p:cNvPr id="2" name="TextBox 1"/>
@@ -4320,7 +3879,7 @@
         <p:spPr>
           <a:xfrm>
             <a:off x="457200" y="274320"/>
-            <a:ext cx="10972800" cy="914400"/>
+            <a:ext cx="7754046" cy="1569660"/>
           </a:xfrm>
           <a:prstGeom prst="rect">
             <a:avLst/>
@@ -4341,21 +3900,65 @@
               </a:defRPr>
             </a:pPr>
             <a:r>
-              <a:t>ウルトラブレスが提供する“続けられる仕組み”</a:t>
-            </a:r>
-          </a:p>
-        </p:txBody>
-      </p:sp>
-      <p:sp>
-        <p:nvSpPr>
-          <p:cNvPr id="3" name="TextBox 2"/>
+              <a:rPr dirty="0" err="1">
+                <a:latin typeface="Meiryo UI" panose="020B0604030504040204" pitchFamily="50" charset="-128"/>
+                <a:ea typeface="Meiryo UI" panose="020B0604030504040204" pitchFamily="50" charset="-128"/>
+              </a:rPr>
+              <a:t>ウルトラブレスが提供する“続けられる仕組み</a:t>
+            </a:r>
+            <a:r>
+              <a:rPr dirty="0">
+                <a:latin typeface="Meiryo UI" panose="020B0604030504040204" pitchFamily="50" charset="-128"/>
+                <a:ea typeface="Meiryo UI" panose="020B0604030504040204" pitchFamily="50" charset="-128"/>
+              </a:rPr>
+              <a:t>”</a:t>
+            </a:r>
+            <a:endParaRPr lang="en-US" dirty="0">
+              <a:latin typeface="Meiryo UI" panose="020B0604030504040204" pitchFamily="50" charset="-128"/>
+              <a:ea typeface="Meiryo UI" panose="020B0604030504040204" pitchFamily="50" charset="-128"/>
+            </a:endParaRPr>
+          </a:p>
+          <a:p>
+            <a:pPr>
+              <a:defRPr sz="3200" b="1">
+                <a:solidFill>
+                  <a:srgbClr val="2D88FF"/>
+                </a:solidFill>
+              </a:defRPr>
+            </a:pPr>
+            <a:r>
+              <a:rPr lang="ja-JP" altLang="en-US" dirty="0">
+                <a:latin typeface="Meiryo UI" panose="020B0604030504040204" pitchFamily="50" charset="-128"/>
+                <a:ea typeface="Meiryo UI" panose="020B0604030504040204" pitchFamily="50" charset="-128"/>
+              </a:rPr>
+              <a:t>記録が見える。キャラが励ます。だから続く。</a:t>
+            </a:r>
+          </a:p>
+          <a:p>
+            <a:pPr>
+              <a:defRPr sz="3200" b="1">
+                <a:solidFill>
+                  <a:srgbClr val="2D88FF"/>
+                </a:solidFill>
+              </a:defRPr>
+            </a:pPr>
+            <a:endParaRPr dirty="0">
+              <a:latin typeface="Meiryo UI" panose="020B0604030504040204" pitchFamily="50" charset="-128"/>
+              <a:ea typeface="Meiryo UI" panose="020B0604030504040204" pitchFamily="50" charset="-128"/>
+            </a:endParaRPr>
+          </a:p>
+        </p:txBody>
+      </p:sp>
+      <p:sp>
+        <p:nvSpPr>
+          <p:cNvPr id="4" name="TextBox 3"/>
           <p:cNvSpPr txBox="1"/>
           <p:nvPr/>
         </p:nvSpPr>
         <p:spPr>
           <a:xfrm>
-            <a:off x="548640" y="1188720"/>
-            <a:ext cx="10058400" cy="914400"/>
+            <a:off x="548640" y="1828800"/>
+            <a:ext cx="4767652" cy="2585323"/>
           </a:xfrm>
           <a:prstGeom prst="rect">
             <a:avLst/>
@@ -4368,46 +3971,33 @@
           </a:bodyPr>
           <a:lstStyle/>
           <a:p>
-            <a:pPr>
-              <a:defRPr sz="2000" b="1"/>
-            </a:pPr>
-            <a:r>
-              <a:t>記録が見える。キャラが励ます。だから続く。</a:t>
-            </a:r>
-          </a:p>
-        </p:txBody>
-      </p:sp>
-      <p:sp>
-        <p:nvSpPr>
-          <p:cNvPr id="4" name="TextBox 3"/>
-          <p:cNvSpPr txBox="1"/>
-          <p:nvPr/>
-        </p:nvSpPr>
-        <p:spPr>
-          <a:xfrm>
-            <a:off x="548640" y="1828800"/>
-            <a:ext cx="10058400" cy="4114800"/>
-          </a:xfrm>
-          <a:prstGeom prst="rect">
-            <a:avLst/>
-          </a:prstGeom>
-          <a:noFill/>
-        </p:spPr>
-        <p:txBody>
-          <a:bodyPr wrap="none">
-            <a:spAutoFit/>
-          </a:bodyPr>
-          <a:lstStyle/>
-          <a:p/>
+            <a:endParaRPr>
+              <a:latin typeface="Meiryo UI" panose="020B0604030504040204" pitchFamily="50" charset="-128"/>
+              <a:ea typeface="Meiryo UI" panose="020B0604030504040204" pitchFamily="50" charset="-128"/>
+            </a:endParaRPr>
+          </a:p>
           <a:p>
             <a:pPr>
               <a:defRPr sz="1800"/>
             </a:pPr>
             <a:r>
+              <a:rPr>
+                <a:latin typeface="Meiryo UI" panose="020B0604030504040204" pitchFamily="50" charset="-128"/>
+                <a:ea typeface="Meiryo UI" panose="020B0604030504040204" pitchFamily="50" charset="-128"/>
+              </a:rPr>
               <a:t>🎯 キャラクターによるガイド：</a:t>
             </a:r>
-            <a:br/>
-            <a:r>
+            <a:br>
+              <a:rPr>
+                <a:latin typeface="Meiryo UI" panose="020B0604030504040204" pitchFamily="50" charset="-128"/>
+                <a:ea typeface="Meiryo UI" panose="020B0604030504040204" pitchFamily="50" charset="-128"/>
+              </a:rPr>
+            </a:br>
+            <a:r>
+              <a:rPr>
+                <a:latin typeface="Meiryo UI" panose="020B0604030504040204" pitchFamily="50" charset="-128"/>
+                <a:ea typeface="Meiryo UI" panose="020B0604030504040204" pitchFamily="50" charset="-128"/>
+              </a:rPr>
               <a:t>　「声かけ」や「表情変化」でやさしく支える</a:t>
             </a:r>
           </a:p>
@@ -4416,10 +4006,23 @@
               <a:defRPr sz="1800"/>
             </a:pPr>
             <a:r>
+              <a:rPr>
+                <a:latin typeface="Meiryo UI" panose="020B0604030504040204" pitchFamily="50" charset="-128"/>
+                <a:ea typeface="Meiryo UI" panose="020B0604030504040204" pitchFamily="50" charset="-128"/>
+              </a:rPr>
               <a:t>📈 ログの自動記録と可視化：</a:t>
             </a:r>
-            <a:br/>
-            <a:r>
+            <a:br>
+              <a:rPr>
+                <a:latin typeface="Meiryo UI" panose="020B0604030504040204" pitchFamily="50" charset="-128"/>
+                <a:ea typeface="Meiryo UI" panose="020B0604030504040204" pitchFamily="50" charset="-128"/>
+              </a:rPr>
+            </a:br>
+            <a:r>
+              <a:rPr>
+                <a:latin typeface="Meiryo UI" panose="020B0604030504040204" pitchFamily="50" charset="-128"/>
+                <a:ea typeface="Meiryo UI" panose="020B0604030504040204" pitchFamily="50" charset="-128"/>
+              </a:rPr>
               <a:t>　呼吸回数・継続日数を毎日保存、振り返り可能</a:t>
             </a:r>
           </a:p>
@@ -4428,10 +4031,23 @@
               <a:defRPr sz="1800"/>
             </a:pPr>
             <a:r>
+              <a:rPr>
+                <a:latin typeface="Meiryo UI" panose="020B0604030504040204" pitchFamily="50" charset="-128"/>
+                <a:ea typeface="Meiryo UI" panose="020B0604030504040204" pitchFamily="50" charset="-128"/>
+              </a:rPr>
               <a:t>⚙️ 目標設定＆柔軟なカスタマイズ：</a:t>
             </a:r>
-            <a:br/>
-            <a:r>
+            <a:br>
+              <a:rPr>
+                <a:latin typeface="Meiryo UI" panose="020B0604030504040204" pitchFamily="50" charset="-128"/>
+                <a:ea typeface="Meiryo UI" panose="020B0604030504040204" pitchFamily="50" charset="-128"/>
+              </a:rPr>
+            </a:br>
+            <a:r>
+              <a:rPr>
+                <a:latin typeface="Meiryo UI" panose="020B0604030504040204" pitchFamily="50" charset="-128"/>
+                <a:ea typeface="Meiryo UI" panose="020B0604030504040204" pitchFamily="50" charset="-128"/>
+              </a:rPr>
               <a:t>　ニックネーム・セット数・背景画像も自由に設定</a:t>
             </a:r>
           </a:p>
@@ -4440,10 +4056,23 @@
               <a:defRPr sz="1800"/>
             </a:pPr>
             <a:r>
+              <a:rPr>
+                <a:latin typeface="Meiryo UI" panose="020B0604030504040204" pitchFamily="50" charset="-128"/>
+                <a:ea typeface="Meiryo UI" panose="020B0604030504040204" pitchFamily="50" charset="-128"/>
+              </a:rPr>
               <a:t>📱 ブラウザ完結・マルチデバイス対応：</a:t>
             </a:r>
-            <a:br/>
-            <a:r>
+            <a:br>
+              <a:rPr>
+                <a:latin typeface="Meiryo UI" panose="020B0604030504040204" pitchFamily="50" charset="-128"/>
+                <a:ea typeface="Meiryo UI" panose="020B0604030504040204" pitchFamily="50" charset="-128"/>
+              </a:rPr>
+            </a:br>
+            <a:r>
+              <a:rPr>
+                <a:latin typeface="Meiryo UI" panose="020B0604030504040204" pitchFamily="50" charset="-128"/>
+                <a:ea typeface="Meiryo UI" panose="020B0604030504040204" pitchFamily="50" charset="-128"/>
+              </a:rPr>
               <a:t>　スマホ・PCどこでも即アクセス</a:t>
             </a:r>
           </a:p>
@@ -4458,7 +4087,7 @@
 </file>
 
 <file path=ppt/slides/slide4.xml><?xml version="1.0" encoding="utf-8"?>
-<p:sld xmlns:a="http://schemas.openxmlformats.org/drawingml/2006/main" xmlns:p="http://schemas.openxmlformats.org/presentationml/2006/main" xmlns:r="http://schemas.openxmlformats.org/officeDocument/2006/relationships">
+<p:sld xmlns:a="http://schemas.openxmlformats.org/drawingml/2006/main" xmlns:r="http://schemas.openxmlformats.org/officeDocument/2006/relationships" xmlns:p="http://schemas.openxmlformats.org/presentationml/2006/main">
   <p:cSld>
     <p:spTree>
       <p:nvGrpSpPr>
@@ -4466,7 +4095,14 @@
         <p:cNvGrpSpPr/>
         <p:nvPr/>
       </p:nvGrpSpPr>
-      <p:grpSpPr/>
+      <p:grpSpPr>
+        <a:xfrm>
+          <a:off x="0" y="0"/>
+          <a:ext cx="0" cy="0"/>
+          <a:chOff x="0" y="0"/>
+          <a:chExt cx="0" cy="0"/>
+        </a:xfrm>
+      </p:grpSpPr>
       <p:sp>
         <p:nvSpPr>
           <p:cNvPr id="2" name="TextBox 1"/>
@@ -4476,7 +4112,7 @@
         <p:spPr>
           <a:xfrm>
             <a:off x="457200" y="274320"/>
-            <a:ext cx="10972800" cy="914400"/>
+            <a:ext cx="7943200" cy="1569660"/>
           </a:xfrm>
           <a:prstGeom prst="rect">
             <a:avLst/>
@@ -4497,21 +4133,72 @@
               </a:defRPr>
             </a:pPr>
             <a:r>
+              <a:rPr dirty="0" err="1">
+                <a:latin typeface="Meiryo UI" panose="020B0604030504040204" pitchFamily="50" charset="-128"/>
+                <a:ea typeface="Meiryo UI" panose="020B0604030504040204" pitchFamily="50" charset="-128"/>
+              </a:rPr>
               <a:t>ウルトラブレスの使用イメージ</a:t>
             </a:r>
-          </a:p>
-        </p:txBody>
-      </p:sp>
-      <p:sp>
-        <p:nvSpPr>
-          <p:cNvPr id="3" name="TextBox 2"/>
+            <a:endParaRPr lang="en-US" dirty="0">
+              <a:latin typeface="Meiryo UI" panose="020B0604030504040204" pitchFamily="50" charset="-128"/>
+              <a:ea typeface="Meiryo UI" panose="020B0604030504040204" pitchFamily="50" charset="-128"/>
+            </a:endParaRPr>
+          </a:p>
+          <a:p>
+            <a:pPr>
+              <a:defRPr sz="3200" b="1">
+                <a:solidFill>
+                  <a:srgbClr val="2D88FF"/>
+                </a:solidFill>
+              </a:defRPr>
+            </a:pPr>
+            <a:r>
+              <a:rPr lang="ja-JP" altLang="en-US" dirty="0">
+                <a:latin typeface="Meiryo UI" panose="020B0604030504040204" pitchFamily="50" charset="-128"/>
+                <a:ea typeface="Meiryo UI" panose="020B0604030504040204" pitchFamily="50" charset="-128"/>
+              </a:rPr>
+              <a:t>たった</a:t>
+            </a:r>
+            <a:r>
+              <a:rPr lang="en-US" altLang="ja-JP" dirty="0">
+                <a:latin typeface="Meiryo UI" panose="020B0604030504040204" pitchFamily="50" charset="-128"/>
+                <a:ea typeface="Meiryo UI" panose="020B0604030504040204" pitchFamily="50" charset="-128"/>
+              </a:rPr>
+              <a:t>10</a:t>
+            </a:r>
+            <a:r>
+              <a:rPr lang="ja-JP" altLang="en-US" dirty="0">
+                <a:latin typeface="Meiryo UI" panose="020B0604030504040204" pitchFamily="50" charset="-128"/>
+                <a:ea typeface="Meiryo UI" panose="020B0604030504040204" pitchFamily="50" charset="-128"/>
+              </a:rPr>
+              <a:t>回。キャラと一緒に、深呼吸するだけ。</a:t>
+            </a:r>
+          </a:p>
+          <a:p>
+            <a:pPr>
+              <a:defRPr sz="3200" b="1">
+                <a:solidFill>
+                  <a:srgbClr val="2D88FF"/>
+                </a:solidFill>
+              </a:defRPr>
+            </a:pPr>
+            <a:endParaRPr dirty="0">
+              <a:latin typeface="Meiryo UI" panose="020B0604030504040204" pitchFamily="50" charset="-128"/>
+              <a:ea typeface="Meiryo UI" panose="020B0604030504040204" pitchFamily="50" charset="-128"/>
+            </a:endParaRPr>
+          </a:p>
+        </p:txBody>
+      </p:sp>
+      <p:sp>
+        <p:nvSpPr>
+          <p:cNvPr id="4" name="TextBox 3"/>
           <p:cNvSpPr txBox="1"/>
           <p:nvPr/>
         </p:nvSpPr>
         <p:spPr>
           <a:xfrm>
-            <a:off x="548640" y="1097280"/>
-            <a:ext cx="10058400" cy="914400"/>
+            <a:off x="548640" y="1828800"/>
+            <a:ext cx="4515980" cy="1477328"/>
           </a:xfrm>
           <a:prstGeom prst="rect">
             <a:avLst/>
@@ -4524,42 +4211,20 @@
           </a:bodyPr>
           <a:lstStyle/>
           <a:p>
-            <a:pPr>
-              <a:defRPr sz="2000" b="1"/>
-            </a:pPr>
-            <a:r>
-              <a:t>たった10回。キャラと一緒に、深呼吸するだけ。</a:t>
-            </a:r>
-          </a:p>
-        </p:txBody>
-      </p:sp>
-      <p:sp>
-        <p:nvSpPr>
-          <p:cNvPr id="4" name="TextBox 3"/>
-          <p:cNvSpPr txBox="1"/>
-          <p:nvPr/>
-        </p:nvSpPr>
-        <p:spPr>
-          <a:xfrm>
-            <a:off x="548640" y="1828800"/>
-            <a:ext cx="5029200" cy="3200400"/>
-          </a:xfrm>
-          <a:prstGeom prst="rect">
-            <a:avLst/>
-          </a:prstGeom>
-          <a:noFill/>
-        </p:spPr>
-        <p:txBody>
-          <a:bodyPr wrap="none">
-            <a:spAutoFit/>
-          </a:bodyPr>
-          <a:lstStyle/>
-          <a:p/>
+            <a:endParaRPr>
+              <a:latin typeface="Meiryo UI" panose="020B0604030504040204" pitchFamily="50" charset="-128"/>
+              <a:ea typeface="Meiryo UI" panose="020B0604030504040204" pitchFamily="50" charset="-128"/>
+            </a:endParaRPr>
+          </a:p>
           <a:p>
             <a:pPr>
               <a:defRPr sz="1800"/>
             </a:pPr>
             <a:r>
+              <a:rPr>
+                <a:latin typeface="Meiryo UI" panose="020B0604030504040204" pitchFamily="50" charset="-128"/>
+                <a:ea typeface="Meiryo UI" panose="020B0604030504040204" pitchFamily="50" charset="-128"/>
+              </a:rPr>
               <a:t>🗣️ キャラが「吸って〜吐いて〜」と声かけ。</a:t>
             </a:r>
           </a:p>
@@ -4568,6 +4233,10 @@
               <a:defRPr sz="1800"/>
             </a:pPr>
             <a:r>
+              <a:rPr>
+                <a:latin typeface="Meiryo UI" panose="020B0604030504040204" pitchFamily="50" charset="-128"/>
+                <a:ea typeface="Meiryo UI" panose="020B0604030504040204" pitchFamily="50" charset="-128"/>
+              </a:rPr>
               <a:t>😊 呼吸の進行にあわせて表情が変わる。</a:t>
             </a:r>
           </a:p>
@@ -4576,6 +4245,10 @@
               <a:defRPr sz="1800"/>
             </a:pPr>
             <a:r>
+              <a:rPr>
+                <a:latin typeface="Meiryo UI" panose="020B0604030504040204" pitchFamily="50" charset="-128"/>
+                <a:ea typeface="Meiryo UI" panose="020B0604030504040204" pitchFamily="50" charset="-128"/>
+              </a:rPr>
               <a:t>📊 トレーニング後は記録が自動で保存される。</a:t>
             </a:r>
           </a:p>
@@ -4584,6 +4257,10 @@
               <a:defRPr sz="1800"/>
             </a:pPr>
             <a:r>
+              <a:rPr>
+                <a:latin typeface="Meiryo UI" panose="020B0604030504040204" pitchFamily="50" charset="-128"/>
+                <a:ea typeface="Meiryo UI" panose="020B0604030504040204" pitchFamily="50" charset="-128"/>
+              </a:rPr>
               <a:t>📅 カレンダーで振り返るのも一目でわかる。</a:t>
             </a:r>
           </a:p>
@@ -4598,7 +4275,7 @@
 </file>
 
 <file path=ppt/slides/slide5.xml><?xml version="1.0" encoding="utf-8"?>
-<p:sld xmlns:a="http://schemas.openxmlformats.org/drawingml/2006/main" xmlns:p="http://schemas.openxmlformats.org/presentationml/2006/main" xmlns:r="http://schemas.openxmlformats.org/officeDocument/2006/relationships">
+<p:sld xmlns:a="http://schemas.openxmlformats.org/drawingml/2006/main" xmlns:r="http://schemas.openxmlformats.org/officeDocument/2006/relationships" xmlns:p="http://schemas.openxmlformats.org/presentationml/2006/main">
   <p:cSld>
     <p:spTree>
       <p:nvGrpSpPr>
@@ -4606,7 +4283,14 @@
         <p:cNvGrpSpPr/>
         <p:nvPr/>
       </p:nvGrpSpPr>
-      <p:grpSpPr/>
+      <p:grpSpPr>
+        <a:xfrm>
+          <a:off x="0" y="0"/>
+          <a:ext cx="0" cy="0"/>
+          <a:chOff x="0" y="0"/>
+          <a:chExt cx="0" cy="0"/>
+        </a:xfrm>
+      </p:grpSpPr>
       <p:sp>
         <p:nvSpPr>
           <p:cNvPr id="2" name="TextBox 1"/>
@@ -4616,7 +4300,7 @@
         <p:spPr>
           <a:xfrm>
             <a:off x="457200" y="274320"/>
-            <a:ext cx="10972800" cy="914400"/>
+            <a:ext cx="9634369" cy="1569660"/>
           </a:xfrm>
           <a:prstGeom prst="rect">
             <a:avLst/>
@@ -4637,21 +4321,93 @@
               </a:defRPr>
             </a:pPr>
             <a:r>
-              <a:t>誰でも、どこでも、すぐに使える。</a:t>
-            </a:r>
-          </a:p>
-        </p:txBody>
-      </p:sp>
-      <p:sp>
-        <p:nvSpPr>
-          <p:cNvPr id="3" name="TextBox 2"/>
+              <a:rPr dirty="0" err="1">
+                <a:latin typeface="Meiryo UI" panose="020B0604030504040204" pitchFamily="50" charset="-128"/>
+                <a:ea typeface="Meiryo UI" panose="020B0604030504040204" pitchFamily="50" charset="-128"/>
+              </a:rPr>
+              <a:t>誰でも、どこでも、すぐに使える</a:t>
+            </a:r>
+            <a:r>
+              <a:rPr dirty="0">
+                <a:latin typeface="Meiryo UI" panose="020B0604030504040204" pitchFamily="50" charset="-128"/>
+                <a:ea typeface="Meiryo UI" panose="020B0604030504040204" pitchFamily="50" charset="-128"/>
+              </a:rPr>
+              <a:t>。</a:t>
+            </a:r>
+            <a:endParaRPr lang="en-US" dirty="0">
+              <a:latin typeface="Meiryo UI" panose="020B0604030504040204" pitchFamily="50" charset="-128"/>
+              <a:ea typeface="Meiryo UI" panose="020B0604030504040204" pitchFamily="50" charset="-128"/>
+            </a:endParaRPr>
+          </a:p>
+          <a:p>
+            <a:pPr>
+              <a:defRPr sz="3200" b="1">
+                <a:solidFill>
+                  <a:srgbClr val="2D88FF"/>
+                </a:solidFill>
+              </a:defRPr>
+            </a:pPr>
+            <a:r>
+              <a:rPr lang="ja-JP" altLang="en-US" dirty="0">
+                <a:latin typeface="Meiryo UI" panose="020B0604030504040204" pitchFamily="50" charset="-128"/>
+                <a:ea typeface="Meiryo UI" panose="020B0604030504040204" pitchFamily="50" charset="-128"/>
+              </a:rPr>
+              <a:t>アプリ不要。</a:t>
+            </a:r>
+            <a:r>
+              <a:rPr lang="en-US" altLang="ja-JP" dirty="0">
+                <a:latin typeface="Meiryo UI" panose="020B0604030504040204" pitchFamily="50" charset="-128"/>
+                <a:ea typeface="Meiryo UI" panose="020B0604030504040204" pitchFamily="50" charset="-128"/>
+              </a:rPr>
+              <a:t>NFC</a:t>
+            </a:r>
+            <a:r>
+              <a:rPr lang="ja-JP" altLang="en-US" dirty="0">
+                <a:latin typeface="Meiryo UI" panose="020B0604030504040204" pitchFamily="50" charset="-128"/>
+                <a:ea typeface="Meiryo UI" panose="020B0604030504040204" pitchFamily="50" charset="-128"/>
+              </a:rPr>
+              <a:t>タグ </a:t>
+            </a:r>
+            <a:r>
+              <a:rPr lang="en-US" altLang="ja-JP" dirty="0">
+                <a:latin typeface="Meiryo UI" panose="020B0604030504040204" pitchFamily="50" charset="-128"/>
+                <a:ea typeface="Meiryo UI" panose="020B0604030504040204" pitchFamily="50" charset="-128"/>
+              </a:rPr>
+              <a:t>or QR</a:t>
+            </a:r>
+            <a:r>
+              <a:rPr lang="ja-JP" altLang="en-US" dirty="0">
+                <a:latin typeface="Meiryo UI" panose="020B0604030504040204" pitchFamily="50" charset="-128"/>
+                <a:ea typeface="Meiryo UI" panose="020B0604030504040204" pitchFamily="50" charset="-128"/>
+              </a:rPr>
+              <a:t>コードだけで体験スタート。</a:t>
+            </a:r>
+          </a:p>
+          <a:p>
+            <a:pPr>
+              <a:defRPr sz="3200" b="1">
+                <a:solidFill>
+                  <a:srgbClr val="2D88FF"/>
+                </a:solidFill>
+              </a:defRPr>
+            </a:pPr>
+            <a:endParaRPr dirty="0">
+              <a:latin typeface="Meiryo UI" panose="020B0604030504040204" pitchFamily="50" charset="-128"/>
+              <a:ea typeface="Meiryo UI" panose="020B0604030504040204" pitchFamily="50" charset="-128"/>
+            </a:endParaRPr>
+          </a:p>
+        </p:txBody>
+      </p:sp>
+      <p:sp>
+        <p:nvSpPr>
+          <p:cNvPr id="4" name="TextBox 3"/>
           <p:cNvSpPr txBox="1"/>
           <p:nvPr/>
         </p:nvSpPr>
         <p:spPr>
           <a:xfrm>
-            <a:off x="548640" y="1097280"/>
-            <a:ext cx="10058400" cy="914400"/>
+            <a:off x="548640" y="1828800"/>
+            <a:ext cx="4934364" cy="2308324"/>
           </a:xfrm>
           <a:prstGeom prst="rect">
             <a:avLst/>
@@ -4664,80 +4420,197 @@
           </a:bodyPr>
           <a:lstStyle/>
           <a:p>
-            <a:pPr>
-              <a:defRPr sz="2000" b="1"/>
-            </a:pPr>
-            <a:r>
-              <a:t>アプリ不要。NFCタグ or QRコードだけで体験スタート。</a:t>
-            </a:r>
-          </a:p>
-        </p:txBody>
-      </p:sp>
-      <p:sp>
-        <p:nvSpPr>
-          <p:cNvPr id="4" name="TextBox 3"/>
-          <p:cNvSpPr txBox="1"/>
-          <p:nvPr/>
-        </p:nvSpPr>
-        <p:spPr>
-          <a:xfrm>
-            <a:off x="548640" y="1828800"/>
-            <a:ext cx="10058400" cy="4114800"/>
-          </a:xfrm>
-          <a:prstGeom prst="rect">
-            <a:avLst/>
-          </a:prstGeom>
-          <a:noFill/>
-        </p:spPr>
-        <p:txBody>
-          <a:bodyPr wrap="none">
-            <a:spAutoFit/>
-          </a:bodyPr>
-          <a:lstStyle/>
-          <a:p/>
+            <a:endParaRPr dirty="0">
+              <a:latin typeface="Meiryo UI" panose="020B0604030504040204" pitchFamily="50" charset="-128"/>
+              <a:ea typeface="Meiryo UI" panose="020B0604030504040204" pitchFamily="50" charset="-128"/>
+            </a:endParaRPr>
+          </a:p>
           <a:p>
             <a:pPr>
               <a:defRPr sz="1800"/>
             </a:pPr>
             <a:r>
-              <a:t>📲 アプリインストール不要：</a:t>
-            </a:r>
-            <a:br/>
-            <a:r>
-              <a:t>　iPhone／Android どちらでもブラウザで起動可能</a:t>
-            </a:r>
+              <a:rPr dirty="0">
+                <a:latin typeface="Meiryo UI" panose="020B0604030504040204" pitchFamily="50" charset="-128"/>
+                <a:ea typeface="Meiryo UI" panose="020B0604030504040204" pitchFamily="50" charset="-128"/>
+              </a:rPr>
+              <a:t>📲 </a:t>
+            </a:r>
+            <a:r>
+              <a:rPr dirty="0" err="1">
+                <a:latin typeface="Meiryo UI" panose="020B0604030504040204" pitchFamily="50" charset="-128"/>
+                <a:ea typeface="Meiryo UI" panose="020B0604030504040204" pitchFamily="50" charset="-128"/>
+              </a:rPr>
+              <a:t>アプリインストール不要</a:t>
+            </a:r>
+            <a:r>
+              <a:rPr dirty="0">
+                <a:latin typeface="Meiryo UI" panose="020B0604030504040204" pitchFamily="50" charset="-128"/>
+                <a:ea typeface="Meiryo UI" panose="020B0604030504040204" pitchFamily="50" charset="-128"/>
+              </a:rPr>
+              <a:t>：</a:t>
+            </a:r>
+            <a:br>
+              <a:rPr dirty="0">
+                <a:latin typeface="Meiryo UI" panose="020B0604030504040204" pitchFamily="50" charset="-128"/>
+                <a:ea typeface="Meiryo UI" panose="020B0604030504040204" pitchFamily="50" charset="-128"/>
+              </a:rPr>
+            </a:br>
+            <a:r>
+              <a:rPr dirty="0">
+                <a:latin typeface="Meiryo UI" panose="020B0604030504040204" pitchFamily="50" charset="-128"/>
+                <a:ea typeface="Meiryo UI" panose="020B0604030504040204" pitchFamily="50" charset="-128"/>
+              </a:rPr>
+              <a:t>　</a:t>
+            </a:r>
+            <a:r>
+              <a:rPr dirty="0" err="1">
+                <a:latin typeface="Meiryo UI" panose="020B0604030504040204" pitchFamily="50" charset="-128"/>
+                <a:ea typeface="Meiryo UI" panose="020B0604030504040204" pitchFamily="50" charset="-128"/>
+              </a:rPr>
+              <a:t>iPhone／Android</a:t>
+            </a:r>
+            <a:r>
+              <a:rPr dirty="0">
+                <a:latin typeface="Meiryo UI" panose="020B0604030504040204" pitchFamily="50" charset="-128"/>
+                <a:ea typeface="Meiryo UI" panose="020B0604030504040204" pitchFamily="50" charset="-128"/>
+              </a:rPr>
+              <a:t> </a:t>
+            </a:r>
+            <a:r>
+              <a:rPr dirty="0" err="1">
+                <a:latin typeface="Meiryo UI" panose="020B0604030504040204" pitchFamily="50" charset="-128"/>
+                <a:ea typeface="Meiryo UI" panose="020B0604030504040204" pitchFamily="50" charset="-128"/>
+              </a:rPr>
+              <a:t>どちらでもブラウザで起動可能</a:t>
+            </a:r>
+            <a:endParaRPr dirty="0">
+              <a:latin typeface="Meiryo UI" panose="020B0604030504040204" pitchFamily="50" charset="-128"/>
+              <a:ea typeface="Meiryo UI" panose="020B0604030504040204" pitchFamily="50" charset="-128"/>
+            </a:endParaRPr>
           </a:p>
           <a:p>
             <a:pPr>
               <a:defRPr sz="1800"/>
             </a:pPr>
             <a:r>
-              <a:t>📡 NFCタグやQRコードで即アクセス：</a:t>
-            </a:r>
-            <a:br/>
-            <a:r>
-              <a:t>　グッズや紙面に貼るだけで簡単導入</a:t>
-            </a:r>
+              <a:rPr dirty="0">
+                <a:latin typeface="Meiryo UI" panose="020B0604030504040204" pitchFamily="50" charset="-128"/>
+                <a:ea typeface="Meiryo UI" panose="020B0604030504040204" pitchFamily="50" charset="-128"/>
+              </a:rPr>
+              <a:t>📡 </a:t>
+            </a:r>
+            <a:r>
+              <a:rPr dirty="0" err="1">
+                <a:latin typeface="Meiryo UI" panose="020B0604030504040204" pitchFamily="50" charset="-128"/>
+                <a:ea typeface="Meiryo UI" panose="020B0604030504040204" pitchFamily="50" charset="-128"/>
+              </a:rPr>
+              <a:t>NFCタグやQRコードで即アクセス</a:t>
+            </a:r>
+            <a:r>
+              <a:rPr dirty="0">
+                <a:latin typeface="Meiryo UI" panose="020B0604030504040204" pitchFamily="50" charset="-128"/>
+                <a:ea typeface="Meiryo UI" panose="020B0604030504040204" pitchFamily="50" charset="-128"/>
+              </a:rPr>
+              <a:t>：</a:t>
+            </a:r>
+            <a:br>
+              <a:rPr dirty="0">
+                <a:latin typeface="Meiryo UI" panose="020B0604030504040204" pitchFamily="50" charset="-128"/>
+                <a:ea typeface="Meiryo UI" panose="020B0604030504040204" pitchFamily="50" charset="-128"/>
+              </a:rPr>
+            </a:br>
+            <a:r>
+              <a:rPr dirty="0">
+                <a:latin typeface="Meiryo UI" panose="020B0604030504040204" pitchFamily="50" charset="-128"/>
+                <a:ea typeface="Meiryo UI" panose="020B0604030504040204" pitchFamily="50" charset="-128"/>
+              </a:rPr>
+              <a:t>　</a:t>
+            </a:r>
+            <a:r>
+              <a:rPr dirty="0" err="1">
+                <a:latin typeface="Meiryo UI" panose="020B0604030504040204" pitchFamily="50" charset="-128"/>
+                <a:ea typeface="Meiryo UI" panose="020B0604030504040204" pitchFamily="50" charset="-128"/>
+              </a:rPr>
+              <a:t>グッズや紙面に貼るだけで簡単導入</a:t>
+            </a:r>
+            <a:endParaRPr dirty="0">
+              <a:latin typeface="Meiryo UI" panose="020B0604030504040204" pitchFamily="50" charset="-128"/>
+              <a:ea typeface="Meiryo UI" panose="020B0604030504040204" pitchFamily="50" charset="-128"/>
+            </a:endParaRPr>
           </a:p>
           <a:p>
             <a:pPr>
               <a:defRPr sz="1800"/>
             </a:pPr>
             <a:r>
-              <a:t>🧓 高齢者にもやさしい大きなUIと視覚誘導</a:t>
-            </a:r>
+              <a:rPr dirty="0">
+                <a:latin typeface="Meiryo UI" panose="020B0604030504040204" pitchFamily="50" charset="-128"/>
+                <a:ea typeface="Meiryo UI" panose="020B0604030504040204" pitchFamily="50" charset="-128"/>
+              </a:rPr>
+              <a:t>🧓 </a:t>
+            </a:r>
+            <a:r>
+              <a:rPr dirty="0" err="1">
+                <a:latin typeface="Meiryo UI" panose="020B0604030504040204" pitchFamily="50" charset="-128"/>
+                <a:ea typeface="Meiryo UI" panose="020B0604030504040204" pitchFamily="50" charset="-128"/>
+              </a:rPr>
+              <a:t>高齢者にもやさしい大きなUIと視覚誘導</a:t>
+            </a:r>
+            <a:endParaRPr dirty="0">
+              <a:latin typeface="Meiryo UI" panose="020B0604030504040204" pitchFamily="50" charset="-128"/>
+              <a:ea typeface="Meiryo UI" panose="020B0604030504040204" pitchFamily="50" charset="-128"/>
+            </a:endParaRPr>
           </a:p>
           <a:p>
             <a:pPr>
               <a:defRPr sz="1800"/>
             </a:pPr>
             <a:r>
-              <a:t>🛠️ ローカル保存でサーバー不要：</a:t>
-            </a:r>
-            <a:br/>
-            <a:r>
-              <a:t>　医療・介護現場でも安心して使用可能</a:t>
-            </a:r>
+              <a:rPr dirty="0">
+                <a:latin typeface="Meiryo UI" panose="020B0604030504040204" pitchFamily="50" charset="-128"/>
+                <a:ea typeface="Meiryo UI" panose="020B0604030504040204" pitchFamily="50" charset="-128"/>
+              </a:rPr>
+              <a:t>🛠️ </a:t>
+            </a:r>
+            <a:r>
+              <a:rPr dirty="0" err="1">
+                <a:latin typeface="Meiryo UI" panose="020B0604030504040204" pitchFamily="50" charset="-128"/>
+                <a:ea typeface="Meiryo UI" panose="020B0604030504040204" pitchFamily="50" charset="-128"/>
+              </a:rPr>
+              <a:t>ローカル保存でサーバー不要</a:t>
+            </a:r>
+            <a:r>
+              <a:rPr dirty="0">
+                <a:latin typeface="Meiryo UI" panose="020B0604030504040204" pitchFamily="50" charset="-128"/>
+                <a:ea typeface="Meiryo UI" panose="020B0604030504040204" pitchFamily="50" charset="-128"/>
+              </a:rPr>
+              <a:t>：</a:t>
+            </a:r>
+            <a:br>
+              <a:rPr dirty="0">
+                <a:latin typeface="Meiryo UI" panose="020B0604030504040204" pitchFamily="50" charset="-128"/>
+                <a:ea typeface="Meiryo UI" panose="020B0604030504040204" pitchFamily="50" charset="-128"/>
+              </a:rPr>
+            </a:br>
+            <a:r>
+              <a:rPr dirty="0">
+                <a:latin typeface="Meiryo UI" panose="020B0604030504040204" pitchFamily="50" charset="-128"/>
+                <a:ea typeface="Meiryo UI" panose="020B0604030504040204" pitchFamily="50" charset="-128"/>
+              </a:rPr>
+              <a:t>　</a:t>
+            </a:r>
+            <a:r>
+              <a:rPr dirty="0" err="1">
+                <a:latin typeface="Meiryo UI" panose="020B0604030504040204" pitchFamily="50" charset="-128"/>
+                <a:ea typeface="Meiryo UI" panose="020B0604030504040204" pitchFamily="50" charset="-128"/>
+              </a:rPr>
+              <a:t>医療・介護現場でも安心して使用可能</a:t>
+            </a:r>
+            <a:endParaRPr dirty="0">
+              <a:latin typeface="Meiryo UI" panose="020B0604030504040204" pitchFamily="50" charset="-128"/>
+              <a:ea typeface="Meiryo UI" panose="020B0604030504040204" pitchFamily="50" charset="-128"/>
+            </a:endParaRPr>
           </a:p>
         </p:txBody>
       </p:sp>
@@ -4750,7 +4623,7 @@
 </file>
 
 <file path=ppt/slides/slide6.xml><?xml version="1.0" encoding="utf-8"?>
-<p:sld xmlns:a="http://schemas.openxmlformats.org/drawingml/2006/main" xmlns:p="http://schemas.openxmlformats.org/presentationml/2006/main" xmlns:r="http://schemas.openxmlformats.org/officeDocument/2006/relationships">
+<p:sld xmlns:a="http://schemas.openxmlformats.org/drawingml/2006/main" xmlns:r="http://schemas.openxmlformats.org/officeDocument/2006/relationships" xmlns:p="http://schemas.openxmlformats.org/presentationml/2006/main">
   <p:cSld>
     <p:spTree>
       <p:nvGrpSpPr>
@@ -4758,7 +4631,14 @@
         <p:cNvGrpSpPr/>
         <p:nvPr/>
       </p:nvGrpSpPr>
-      <p:grpSpPr/>
+      <p:grpSpPr>
+        <a:xfrm>
+          <a:off x="0" y="0"/>
+          <a:ext cx="0" cy="0"/>
+          <a:chOff x="0" y="0"/>
+          <a:chExt cx="0" cy="0"/>
+        </a:xfrm>
+      </p:grpSpPr>
       <p:sp>
         <p:nvSpPr>
           <p:cNvPr id="2" name="TextBox 1"/>
@@ -4768,7 +4648,7 @@
         <p:spPr>
           <a:xfrm>
             <a:off x="457200" y="274320"/>
-            <a:ext cx="10972800" cy="914400"/>
+            <a:ext cx="11404084" cy="1569660"/>
           </a:xfrm>
           <a:prstGeom prst="rect">
             <a:avLst/>
@@ -4789,21 +4669,65 @@
               </a:defRPr>
             </a:pPr>
             <a:r>
-              <a:t>あらゆるユーザーにフィットする“カスタム設計”</a:t>
-            </a:r>
-          </a:p>
-        </p:txBody>
-      </p:sp>
-      <p:sp>
-        <p:nvSpPr>
-          <p:cNvPr id="3" name="TextBox 2"/>
+              <a:rPr dirty="0" err="1">
+                <a:latin typeface="Meiryo UI" panose="020B0604030504040204" pitchFamily="50" charset="-128"/>
+                <a:ea typeface="Meiryo UI" panose="020B0604030504040204" pitchFamily="50" charset="-128"/>
+              </a:rPr>
+              <a:t>あらゆるユーザーにフィットする“カスタム設計</a:t>
+            </a:r>
+            <a:r>
+              <a:rPr dirty="0">
+                <a:latin typeface="Meiryo UI" panose="020B0604030504040204" pitchFamily="50" charset="-128"/>
+                <a:ea typeface="Meiryo UI" panose="020B0604030504040204" pitchFamily="50" charset="-128"/>
+              </a:rPr>
+              <a:t>”</a:t>
+            </a:r>
+            <a:endParaRPr lang="en-US" dirty="0">
+              <a:latin typeface="Meiryo UI" panose="020B0604030504040204" pitchFamily="50" charset="-128"/>
+              <a:ea typeface="Meiryo UI" panose="020B0604030504040204" pitchFamily="50" charset="-128"/>
+            </a:endParaRPr>
+          </a:p>
+          <a:p>
+            <a:pPr>
+              <a:defRPr sz="3200" b="1">
+                <a:solidFill>
+                  <a:srgbClr val="2D88FF"/>
+                </a:solidFill>
+              </a:defRPr>
+            </a:pPr>
+            <a:r>
+              <a:rPr lang="ja-JP" altLang="en-US" dirty="0">
+                <a:latin typeface="Meiryo UI" panose="020B0604030504040204" pitchFamily="50" charset="-128"/>
+                <a:ea typeface="Meiryo UI" panose="020B0604030504040204" pitchFamily="50" charset="-128"/>
+              </a:rPr>
+              <a:t>目的も年齢も違っていい。ウルトラブレスはそれぞれに最適化できる。</a:t>
+            </a:r>
+          </a:p>
+          <a:p>
+            <a:pPr>
+              <a:defRPr sz="3200" b="1">
+                <a:solidFill>
+                  <a:srgbClr val="2D88FF"/>
+                </a:solidFill>
+              </a:defRPr>
+            </a:pPr>
+            <a:endParaRPr dirty="0">
+              <a:latin typeface="Meiryo UI" panose="020B0604030504040204" pitchFamily="50" charset="-128"/>
+              <a:ea typeface="Meiryo UI" panose="020B0604030504040204" pitchFamily="50" charset="-128"/>
+            </a:endParaRPr>
+          </a:p>
+        </p:txBody>
+      </p:sp>
+      <p:sp>
+        <p:nvSpPr>
+          <p:cNvPr id="4" name="TextBox 3"/>
           <p:cNvSpPr txBox="1"/>
           <p:nvPr/>
         </p:nvSpPr>
         <p:spPr>
           <a:xfrm>
-            <a:off x="548640" y="1097280"/>
-            <a:ext cx="10058400" cy="914400"/>
+            <a:off x="548640" y="1828800"/>
+            <a:ext cx="5311069" cy="2031325"/>
           </a:xfrm>
           <a:prstGeom prst="rect">
             <a:avLst/>
@@ -4816,46 +4740,33 @@
           </a:bodyPr>
           <a:lstStyle/>
           <a:p>
-            <a:pPr>
-              <a:defRPr sz="2000" b="1"/>
-            </a:pPr>
-            <a:r>
-              <a:t>目的も年齢も違っていい。ウルトラブレスはそれぞれに最適化できる。</a:t>
-            </a:r>
-          </a:p>
-        </p:txBody>
-      </p:sp>
-      <p:sp>
-        <p:nvSpPr>
-          <p:cNvPr id="4" name="TextBox 3"/>
-          <p:cNvSpPr txBox="1"/>
-          <p:nvPr/>
-        </p:nvSpPr>
-        <p:spPr>
-          <a:xfrm>
-            <a:off x="548640" y="1828800"/>
-            <a:ext cx="10058400" cy="4572000"/>
-          </a:xfrm>
-          <a:prstGeom prst="rect">
-            <a:avLst/>
-          </a:prstGeom>
-          <a:noFill/>
-        </p:spPr>
-        <p:txBody>
-          <a:bodyPr wrap="none">
-            <a:spAutoFit/>
-          </a:bodyPr>
-          <a:lstStyle/>
-          <a:p/>
+            <a:endParaRPr>
+              <a:latin typeface="Meiryo UI" panose="020B0604030504040204" pitchFamily="50" charset="-128"/>
+              <a:ea typeface="Meiryo UI" panose="020B0604030504040204" pitchFamily="50" charset="-128"/>
+            </a:endParaRPr>
+          </a:p>
           <a:p>
             <a:pPr>
               <a:defRPr sz="1800"/>
             </a:pPr>
             <a:r>
+              <a:rPr>
+                <a:latin typeface="Meiryo UI" panose="020B0604030504040204" pitchFamily="50" charset="-128"/>
+                <a:ea typeface="Meiryo UI" panose="020B0604030504040204" pitchFamily="50" charset="-128"/>
+              </a:rPr>
               <a:t>🧑‍🎓 若者向けモード：</a:t>
             </a:r>
-            <a:br/>
-            <a:r>
+            <a:br>
+              <a:rPr>
+                <a:latin typeface="Meiryo UI" panose="020B0604030504040204" pitchFamily="50" charset="-128"/>
+                <a:ea typeface="Meiryo UI" panose="020B0604030504040204" pitchFamily="50" charset="-128"/>
+              </a:rPr>
+            </a:br>
+            <a:r>
+              <a:rPr>
+                <a:latin typeface="Meiryo UI" panose="020B0604030504040204" pitchFamily="50" charset="-128"/>
+                <a:ea typeface="Meiryo UI" panose="020B0604030504040204" pitchFamily="50" charset="-128"/>
+              </a:rPr>
               <a:t>　キャラ演出多め、スマホネイティブUI、ポップなデザイン</a:t>
             </a:r>
           </a:p>
@@ -4864,10 +4775,23 @@
               <a:defRPr sz="1800"/>
             </a:pPr>
             <a:r>
+              <a:rPr>
+                <a:latin typeface="Meiryo UI" panose="020B0604030504040204" pitchFamily="50" charset="-128"/>
+                <a:ea typeface="Meiryo UI" panose="020B0604030504040204" pitchFamily="50" charset="-128"/>
+              </a:rPr>
               <a:t>👵 高齢者向けモード：</a:t>
             </a:r>
-            <a:br/>
-            <a:r>
+            <a:br>
+              <a:rPr>
+                <a:latin typeface="Meiryo UI" panose="020B0604030504040204" pitchFamily="50" charset="-128"/>
+                <a:ea typeface="Meiryo UI" panose="020B0604030504040204" pitchFamily="50" charset="-128"/>
+              </a:rPr>
+            </a:br>
+            <a:r>
+              <a:rPr>
+                <a:latin typeface="Meiryo UI" panose="020B0604030504040204" pitchFamily="50" charset="-128"/>
+                <a:ea typeface="Meiryo UI" panose="020B0604030504040204" pitchFamily="50" charset="-128"/>
+              </a:rPr>
               <a:t>　大きな文字、シンプルUI、音声ナビと落ち着いた色合い</a:t>
             </a:r>
           </a:p>
@@ -4876,10 +4800,23 @@
               <a:defRPr sz="1800"/>
             </a:pPr>
             <a:r>
+              <a:rPr>
+                <a:latin typeface="Meiryo UI" panose="020B0604030504040204" pitchFamily="50" charset="-128"/>
+                <a:ea typeface="Meiryo UI" panose="020B0604030504040204" pitchFamily="50" charset="-128"/>
+              </a:rPr>
               <a:t>🏃 アスリート向けモード：</a:t>
             </a:r>
-            <a:br/>
-            <a:r>
+            <a:br>
+              <a:rPr>
+                <a:latin typeface="Meiryo UI" panose="020B0604030504040204" pitchFamily="50" charset="-128"/>
+                <a:ea typeface="Meiryo UI" panose="020B0604030504040204" pitchFamily="50" charset="-128"/>
+              </a:rPr>
+            </a:br>
+            <a:r>
+              <a:rPr>
+                <a:latin typeface="Meiryo UI" panose="020B0604030504040204" pitchFamily="50" charset="-128"/>
+                <a:ea typeface="Meiryo UI" panose="020B0604030504040204" pitchFamily="50" charset="-128"/>
+              </a:rPr>
               <a:t>　テンポ早め、記録重視、集中を促すカラートーン</a:t>
             </a:r>
           </a:p>
@@ -4894,7 +4831,7 @@
 </file>
 
 <file path=ppt/slides/slide7.xml><?xml version="1.0" encoding="utf-8"?>
-<p:sld xmlns:a="http://schemas.openxmlformats.org/drawingml/2006/main" xmlns:p="http://schemas.openxmlformats.org/presentationml/2006/main" xmlns:r="http://schemas.openxmlformats.org/officeDocument/2006/relationships">
+<p:sld xmlns:a="http://schemas.openxmlformats.org/drawingml/2006/main" xmlns:r="http://schemas.openxmlformats.org/officeDocument/2006/relationships" xmlns:p="http://schemas.openxmlformats.org/presentationml/2006/main">
   <p:cSld>
     <p:spTree>
       <p:nvGrpSpPr>
@@ -4902,7 +4839,14 @@
         <p:cNvGrpSpPr/>
         <p:nvPr/>
       </p:nvGrpSpPr>
-      <p:grpSpPr/>
+      <p:grpSpPr>
+        <a:xfrm>
+          <a:off x="0" y="0"/>
+          <a:ext cx="0" cy="0"/>
+          <a:chOff x="0" y="0"/>
+          <a:chExt cx="0" cy="0"/>
+        </a:xfrm>
+      </p:grpSpPr>
       <p:sp>
         <p:nvSpPr>
           <p:cNvPr id="2" name="TextBox 1"/>
@@ -4912,7 +4856,7 @@
         <p:spPr>
           <a:xfrm>
             <a:off x="457200" y="274320"/>
-            <a:ext cx="10972800" cy="914400"/>
+            <a:ext cx="8459367" cy="1015663"/>
           </a:xfrm>
           <a:prstGeom prst="rect">
             <a:avLst/>
@@ -4933,21 +4877,45 @@
               </a:defRPr>
             </a:pPr>
             <a:r>
+              <a:rPr dirty="0" err="1">
+                <a:latin typeface="Meiryo UI" panose="020B0604030504040204" pitchFamily="50" charset="-128"/>
+                <a:ea typeface="Meiryo UI" panose="020B0604030504040204" pitchFamily="50" charset="-128"/>
+              </a:rPr>
               <a:t>Webアプリの併用で広がる、ウルトラブレスの可能性</a:t>
             </a:r>
-          </a:p>
-        </p:txBody>
-      </p:sp>
-      <p:sp>
-        <p:nvSpPr>
-          <p:cNvPr id="3" name="TextBox 2"/>
+            <a:endParaRPr lang="en-US" dirty="0">
+              <a:latin typeface="Meiryo UI" panose="020B0604030504040204" pitchFamily="50" charset="-128"/>
+              <a:ea typeface="Meiryo UI" panose="020B0604030504040204" pitchFamily="50" charset="-128"/>
+            </a:endParaRPr>
+          </a:p>
+          <a:p>
+            <a:pPr>
+              <a:defRPr sz="3000" b="1">
+                <a:solidFill>
+                  <a:srgbClr val="2D88FF"/>
+                </a:solidFill>
+              </a:defRPr>
+            </a:pPr>
+            <a:r>
+              <a:rPr lang="ja-JP" altLang="en-US" dirty="0">
+                <a:latin typeface="Meiryo UI" panose="020B0604030504040204" pitchFamily="50" charset="-128"/>
+                <a:ea typeface="Meiryo UI" panose="020B0604030504040204" pitchFamily="50" charset="-128"/>
+              </a:rPr>
+              <a:t>“測る”だけで終わらない、“続けさせる”価値を加える</a:t>
+            </a:r>
+          </a:p>
+        </p:txBody>
+      </p:sp>
+      <p:sp>
+        <p:nvSpPr>
+          <p:cNvPr id="4" name="TextBox 3"/>
           <p:cNvSpPr txBox="1"/>
           <p:nvPr/>
         </p:nvSpPr>
         <p:spPr>
           <a:xfrm>
-            <a:off x="548640" y="1097280"/>
-            <a:ext cx="10058400" cy="914400"/>
+            <a:off x="548640" y="1828800"/>
+            <a:ext cx="7287572" cy="2585323"/>
           </a:xfrm>
           <a:prstGeom prst="rect">
             <a:avLst/>
@@ -4960,72 +4928,127 @@
           </a:bodyPr>
           <a:lstStyle/>
           <a:p>
-            <a:pPr>
-              <a:defRPr sz="2000" b="1"/>
-            </a:pPr>
-            <a:r>
-              <a:t>“測る”だけで終わらない、“続けさせる”価値を加える</a:t>
-            </a:r>
-          </a:p>
-        </p:txBody>
-      </p:sp>
-      <p:sp>
-        <p:nvSpPr>
-          <p:cNvPr id="4" name="TextBox 3"/>
-          <p:cNvSpPr txBox="1"/>
-          <p:nvPr/>
-        </p:nvSpPr>
-        <p:spPr>
-          <a:xfrm>
-            <a:off x="548640" y="1828800"/>
-            <a:ext cx="10058400" cy="4389120"/>
-          </a:xfrm>
-          <a:prstGeom prst="rect">
-            <a:avLst/>
-          </a:prstGeom>
-          <a:noFill/>
-        </p:spPr>
-        <p:txBody>
-          <a:bodyPr wrap="none">
-            <a:spAutoFit/>
-          </a:bodyPr>
-          <a:lstStyle/>
-          <a:p/>
+            <a:endParaRPr dirty="0">
+              <a:latin typeface="Meiryo UI" panose="020B0604030504040204" pitchFamily="50" charset="-128"/>
+              <a:ea typeface="Meiryo UI" panose="020B0604030504040204" pitchFamily="50" charset="-128"/>
+            </a:endParaRPr>
+          </a:p>
           <a:p>
             <a:pPr>
               <a:defRPr sz="1800"/>
             </a:pPr>
             <a:r>
-              <a:t>✅ 継続率の向上：キャラクターの声かけと記録機能により、日常化をサポート</a:t>
-            </a:r>
+              <a:rPr dirty="0">
+                <a:latin typeface="Meiryo UI" panose="020B0604030504040204" pitchFamily="50" charset="-128"/>
+                <a:ea typeface="Meiryo UI" panose="020B0604030504040204" pitchFamily="50" charset="-128"/>
+              </a:rPr>
+              <a:t>✅ </a:t>
+            </a:r>
+            <a:r>
+              <a:rPr dirty="0" err="1">
+                <a:latin typeface="Meiryo UI" panose="020B0604030504040204" pitchFamily="50" charset="-128"/>
+                <a:ea typeface="Meiryo UI" panose="020B0604030504040204" pitchFamily="50" charset="-128"/>
+              </a:rPr>
+              <a:t>継続率の向上：キャラクターの声かけと記録機能により、日常化をサポート</a:t>
+            </a:r>
+            <a:endParaRPr dirty="0">
+              <a:latin typeface="Meiryo UI" panose="020B0604030504040204" pitchFamily="50" charset="-128"/>
+              <a:ea typeface="Meiryo UI" panose="020B0604030504040204" pitchFamily="50" charset="-128"/>
+            </a:endParaRPr>
           </a:p>
           <a:p>
             <a:pPr>
               <a:defRPr sz="1800"/>
             </a:pPr>
             <a:r>
-              <a:t>✅ 満足度アップ：グラフやカレンダーで“見える化”されることで実感が伴う</a:t>
-            </a:r>
+              <a:rPr dirty="0">
+                <a:latin typeface="Meiryo UI" panose="020B0604030504040204" pitchFamily="50" charset="-128"/>
+                <a:ea typeface="Meiryo UI" panose="020B0604030504040204" pitchFamily="50" charset="-128"/>
+              </a:rPr>
+              <a:t>✅ </a:t>
+            </a:r>
+            <a:r>
+              <a:rPr dirty="0" err="1">
+                <a:latin typeface="Meiryo UI" panose="020B0604030504040204" pitchFamily="50" charset="-128"/>
+                <a:ea typeface="Meiryo UI" panose="020B0604030504040204" pitchFamily="50" charset="-128"/>
+              </a:rPr>
+              <a:t>満足度アップ：グラフやカレンダーで“見える化”されることで実感が伴う</a:t>
+            </a:r>
+            <a:endParaRPr dirty="0">
+              <a:latin typeface="Meiryo UI" panose="020B0604030504040204" pitchFamily="50" charset="-128"/>
+              <a:ea typeface="Meiryo UI" panose="020B0604030504040204" pitchFamily="50" charset="-128"/>
+            </a:endParaRPr>
           </a:p>
           <a:p>
             <a:pPr>
               <a:defRPr sz="1800"/>
             </a:pPr>
             <a:r>
-              <a:t>✅ 差別化：機器単体ではなく、“継続支援付き”製品として販売可能に</a:t>
-            </a:r>
+              <a:rPr dirty="0">
+                <a:latin typeface="Meiryo UI" panose="020B0604030504040204" pitchFamily="50" charset="-128"/>
+                <a:ea typeface="Meiryo UI" panose="020B0604030504040204" pitchFamily="50" charset="-128"/>
+              </a:rPr>
+              <a:t>✅ </a:t>
+            </a:r>
+            <a:r>
+              <a:rPr dirty="0" err="1">
+                <a:latin typeface="Meiryo UI" panose="020B0604030504040204" pitchFamily="50" charset="-128"/>
+                <a:ea typeface="Meiryo UI" panose="020B0604030504040204" pitchFamily="50" charset="-128"/>
+              </a:rPr>
+              <a:t>差別化：機器単体ではなく</a:t>
+            </a:r>
+            <a:r>
+              <a:rPr dirty="0">
+                <a:latin typeface="Meiryo UI" panose="020B0604030504040204" pitchFamily="50" charset="-128"/>
+                <a:ea typeface="Meiryo UI" panose="020B0604030504040204" pitchFamily="50" charset="-128"/>
+              </a:rPr>
+              <a:t>、“</a:t>
+            </a:r>
+            <a:r>
+              <a:rPr dirty="0" err="1">
+                <a:latin typeface="Meiryo UI" panose="020B0604030504040204" pitchFamily="50" charset="-128"/>
+                <a:ea typeface="Meiryo UI" panose="020B0604030504040204" pitchFamily="50" charset="-128"/>
+              </a:rPr>
+              <a:t>継続支援付き”製品として販売可能に</a:t>
+            </a:r>
+            <a:endParaRPr dirty="0">
+              <a:latin typeface="Meiryo UI" panose="020B0604030504040204" pitchFamily="50" charset="-128"/>
+              <a:ea typeface="Meiryo UI" panose="020B0604030504040204" pitchFamily="50" charset="-128"/>
+            </a:endParaRPr>
           </a:p>
           <a:p>
             <a:pPr>
               <a:defRPr sz="1800"/>
             </a:pPr>
+            <a:endParaRPr dirty="0">
+              <a:latin typeface="Meiryo UI" panose="020B0604030504040204" pitchFamily="50" charset="-128"/>
+              <a:ea typeface="Meiryo UI" panose="020B0604030504040204" pitchFamily="50" charset="-128"/>
+            </a:endParaRPr>
           </a:p>
           <a:p>
             <a:pPr>
               <a:defRPr sz="1800"/>
             </a:pPr>
             <a:r>
-              <a:t>📦 提供形式：</a:t>
+              <a:rPr dirty="0">
+                <a:latin typeface="Meiryo UI" panose="020B0604030504040204" pitchFamily="50" charset="-128"/>
+                <a:ea typeface="Meiryo UI" panose="020B0604030504040204" pitchFamily="50" charset="-128"/>
+              </a:rPr>
+              <a:t>📦 </a:t>
+            </a:r>
+            <a:r>
+              <a:rPr dirty="0" err="1">
+                <a:latin typeface="Meiryo UI" panose="020B0604030504040204" pitchFamily="50" charset="-128"/>
+                <a:ea typeface="Meiryo UI" panose="020B0604030504040204" pitchFamily="50" charset="-128"/>
+              </a:rPr>
+              <a:t>提供形式</a:t>
+            </a:r>
+            <a:r>
+              <a:rPr dirty="0">
+                <a:latin typeface="Meiryo UI" panose="020B0604030504040204" pitchFamily="50" charset="-128"/>
+                <a:ea typeface="Meiryo UI" panose="020B0604030504040204" pitchFamily="50" charset="-128"/>
+              </a:rPr>
+              <a:t>：</a:t>
             </a:r>
           </a:p>
           <a:p>
@@ -5033,23 +5056,113 @@
               <a:defRPr sz="1800"/>
             </a:pPr>
             <a:r>
-              <a:t>・NFCタグ or QRコードをウルトラブレスに添付して配布</a:t>
-            </a:r>
+              <a:rPr dirty="0">
+                <a:latin typeface="Meiryo UI" panose="020B0604030504040204" pitchFamily="50" charset="-128"/>
+                <a:ea typeface="Meiryo UI" panose="020B0604030504040204" pitchFamily="50" charset="-128"/>
+              </a:rPr>
+              <a:t>・</a:t>
+            </a:r>
+            <a:r>
+              <a:rPr dirty="0" err="1">
+                <a:latin typeface="Meiryo UI" panose="020B0604030504040204" pitchFamily="50" charset="-128"/>
+                <a:ea typeface="Meiryo UI" panose="020B0604030504040204" pitchFamily="50" charset="-128"/>
+              </a:rPr>
+              <a:t>NFCタグ</a:t>
+            </a:r>
+            <a:r>
+              <a:rPr dirty="0">
+                <a:latin typeface="Meiryo UI" panose="020B0604030504040204" pitchFamily="50" charset="-128"/>
+                <a:ea typeface="Meiryo UI" panose="020B0604030504040204" pitchFamily="50" charset="-128"/>
+              </a:rPr>
+              <a:t> or </a:t>
+            </a:r>
+            <a:r>
+              <a:rPr dirty="0" err="1">
+                <a:latin typeface="Meiryo UI" panose="020B0604030504040204" pitchFamily="50" charset="-128"/>
+                <a:ea typeface="Meiryo UI" panose="020B0604030504040204" pitchFamily="50" charset="-128"/>
+              </a:rPr>
+              <a:t>QRコードをウルトラブレスに添付して配布</a:t>
+            </a:r>
+            <a:endParaRPr dirty="0">
+              <a:latin typeface="Meiryo UI" panose="020B0604030504040204" pitchFamily="50" charset="-128"/>
+              <a:ea typeface="Meiryo UI" panose="020B0604030504040204" pitchFamily="50" charset="-128"/>
+            </a:endParaRPr>
           </a:p>
           <a:p>
             <a:pPr>
               <a:defRPr sz="1800"/>
             </a:pPr>
             <a:r>
-              <a:t>・スマホでタップ or 読み取り → 自動でWebアプリが起動</a:t>
-            </a:r>
+              <a:rPr dirty="0">
+                <a:latin typeface="Meiryo UI" panose="020B0604030504040204" pitchFamily="50" charset="-128"/>
+                <a:ea typeface="Meiryo UI" panose="020B0604030504040204" pitchFamily="50" charset="-128"/>
+              </a:rPr>
+              <a:t>・</a:t>
+            </a:r>
+            <a:r>
+              <a:rPr dirty="0" err="1">
+                <a:latin typeface="Meiryo UI" panose="020B0604030504040204" pitchFamily="50" charset="-128"/>
+                <a:ea typeface="Meiryo UI" panose="020B0604030504040204" pitchFamily="50" charset="-128"/>
+              </a:rPr>
+              <a:t>スマホでタップ</a:t>
+            </a:r>
+            <a:r>
+              <a:rPr dirty="0">
+                <a:latin typeface="Meiryo UI" panose="020B0604030504040204" pitchFamily="50" charset="-128"/>
+                <a:ea typeface="Meiryo UI" panose="020B0604030504040204" pitchFamily="50" charset="-128"/>
+              </a:rPr>
+              <a:t> or </a:t>
+            </a:r>
+            <a:r>
+              <a:rPr dirty="0" err="1">
+                <a:latin typeface="Meiryo UI" panose="020B0604030504040204" pitchFamily="50" charset="-128"/>
+                <a:ea typeface="Meiryo UI" panose="020B0604030504040204" pitchFamily="50" charset="-128"/>
+              </a:rPr>
+              <a:t>読み取り</a:t>
+            </a:r>
+            <a:r>
+              <a:rPr dirty="0">
+                <a:latin typeface="Meiryo UI" panose="020B0604030504040204" pitchFamily="50" charset="-128"/>
+                <a:ea typeface="Meiryo UI" panose="020B0604030504040204" pitchFamily="50" charset="-128"/>
+              </a:rPr>
+              <a:t> → </a:t>
+            </a:r>
+            <a:r>
+              <a:rPr dirty="0" err="1">
+                <a:latin typeface="Meiryo UI" panose="020B0604030504040204" pitchFamily="50" charset="-128"/>
+                <a:ea typeface="Meiryo UI" panose="020B0604030504040204" pitchFamily="50" charset="-128"/>
+              </a:rPr>
+              <a:t>自動でWebアプリが起動</a:t>
+            </a:r>
+            <a:endParaRPr dirty="0">
+              <a:latin typeface="Meiryo UI" panose="020B0604030504040204" pitchFamily="50" charset="-128"/>
+              <a:ea typeface="Meiryo UI" panose="020B0604030504040204" pitchFamily="50" charset="-128"/>
+            </a:endParaRPr>
           </a:p>
           <a:p>
             <a:pPr>
               <a:defRPr sz="1800"/>
             </a:pPr>
             <a:r>
-              <a:t>・ブランドロゴ・キャラクターはカスタム対応（OEM展開可）</a:t>
+              <a:rPr dirty="0">
+                <a:latin typeface="Meiryo UI" panose="020B0604030504040204" pitchFamily="50" charset="-128"/>
+                <a:ea typeface="Meiryo UI" panose="020B0604030504040204" pitchFamily="50" charset="-128"/>
+              </a:rPr>
+              <a:t>・</a:t>
+            </a:r>
+            <a:r>
+              <a:rPr dirty="0" err="1">
+                <a:latin typeface="Meiryo UI" panose="020B0604030504040204" pitchFamily="50" charset="-128"/>
+                <a:ea typeface="Meiryo UI" panose="020B0604030504040204" pitchFamily="50" charset="-128"/>
+              </a:rPr>
+              <a:t>ブランドロゴ・キャラクターはカスタム対応（OEM展開可</a:t>
+            </a:r>
+            <a:r>
+              <a:rPr dirty="0">
+                <a:latin typeface="Meiryo UI" panose="020B0604030504040204" pitchFamily="50" charset="-128"/>
+                <a:ea typeface="Meiryo UI" panose="020B0604030504040204" pitchFamily="50" charset="-128"/>
+              </a:rPr>
+              <a:t>）</a:t>
             </a:r>
           </a:p>
         </p:txBody>
@@ -5063,7 +5176,7 @@
 </file>
 
 <file path=ppt/slides/slide8.xml><?xml version="1.0" encoding="utf-8"?>
-<p:sld xmlns:a="http://schemas.openxmlformats.org/drawingml/2006/main" xmlns:p="http://schemas.openxmlformats.org/presentationml/2006/main" xmlns:r="http://schemas.openxmlformats.org/officeDocument/2006/relationships">
+<p:sld xmlns:a="http://schemas.openxmlformats.org/drawingml/2006/main" xmlns:r="http://schemas.openxmlformats.org/officeDocument/2006/relationships" xmlns:p="http://schemas.openxmlformats.org/presentationml/2006/main">
   <p:cSld>
     <p:spTree>
       <p:nvGrpSpPr>
@@ -5071,7 +5184,14 @@
         <p:cNvGrpSpPr/>
         <p:nvPr/>
       </p:nvGrpSpPr>
-      <p:grpSpPr/>
+      <p:grpSpPr>
+        <a:xfrm>
+          <a:off x="0" y="0"/>
+          <a:ext cx="0" cy="0"/>
+          <a:chOff x="0" y="0"/>
+          <a:chExt cx="0" cy="0"/>
+        </a:xfrm>
+      </p:grpSpPr>
       <p:sp>
         <p:nvSpPr>
           <p:cNvPr id="2" name="TextBox 1"/>
@@ -5081,7 +5201,7 @@
         <p:spPr>
           <a:xfrm>
             <a:off x="548640" y="274320"/>
-            <a:ext cx="10972800" cy="914400"/>
+            <a:ext cx="9571851" cy="1477328"/>
           </a:xfrm>
           <a:prstGeom prst="rect">
             <a:avLst/>
@@ -5102,21 +5222,72 @@
               </a:defRPr>
             </a:pPr>
             <a:r>
+              <a:rPr dirty="0" err="1">
+                <a:latin typeface="Meiryo UI" panose="020B0604030504040204" pitchFamily="50" charset="-128"/>
+                <a:ea typeface="Meiryo UI" panose="020B0604030504040204" pitchFamily="50" charset="-128"/>
+              </a:rPr>
               <a:t>まとめ：Webアプリでウルトラブレスの価値を高める</a:t>
             </a:r>
-          </a:p>
-        </p:txBody>
-      </p:sp>
-      <p:sp>
-        <p:nvSpPr>
-          <p:cNvPr id="3" name="TextBox 2"/>
+            <a:endParaRPr lang="en-US" dirty="0">
+              <a:latin typeface="Meiryo UI" panose="020B0604030504040204" pitchFamily="50" charset="-128"/>
+              <a:ea typeface="Meiryo UI" panose="020B0604030504040204" pitchFamily="50" charset="-128"/>
+            </a:endParaRPr>
+          </a:p>
+          <a:p>
+            <a:pPr>
+              <a:defRPr sz="3000" b="1">
+                <a:solidFill>
+                  <a:srgbClr val="2D88FF"/>
+                </a:solidFill>
+              </a:defRPr>
+            </a:pPr>
+            <a:r>
+              <a:rPr lang="ja-JP" altLang="en-US" dirty="0">
+                <a:latin typeface="Meiryo UI" panose="020B0604030504040204" pitchFamily="50" charset="-128"/>
+                <a:ea typeface="Meiryo UI" panose="020B0604030504040204" pitchFamily="50" charset="-128"/>
+              </a:rPr>
+              <a:t>“測る”から“続ける”へ。</a:t>
+            </a:r>
+            <a:r>
+              <a:rPr lang="en-US" altLang="ja-JP" dirty="0">
+                <a:latin typeface="Meiryo UI" panose="020B0604030504040204" pitchFamily="50" charset="-128"/>
+                <a:ea typeface="Meiryo UI" panose="020B0604030504040204" pitchFamily="50" charset="-128"/>
+              </a:rPr>
+              <a:t>Web</a:t>
+            </a:r>
+            <a:r>
+              <a:rPr lang="ja-JP" altLang="en-US" dirty="0">
+                <a:latin typeface="Meiryo UI" panose="020B0604030504040204" pitchFamily="50" charset="-128"/>
+                <a:ea typeface="Meiryo UI" panose="020B0604030504040204" pitchFamily="50" charset="-128"/>
+              </a:rPr>
+              <a:t>アプリで体験をアップグレード。</a:t>
+            </a:r>
+          </a:p>
+          <a:p>
+            <a:pPr>
+              <a:defRPr sz="3000" b="1">
+                <a:solidFill>
+                  <a:srgbClr val="2D88FF"/>
+                </a:solidFill>
+              </a:defRPr>
+            </a:pPr>
+            <a:endParaRPr dirty="0">
+              <a:latin typeface="Meiryo UI" panose="020B0604030504040204" pitchFamily="50" charset="-128"/>
+              <a:ea typeface="Meiryo UI" panose="020B0604030504040204" pitchFamily="50" charset="-128"/>
+            </a:endParaRPr>
+          </a:p>
+        </p:txBody>
+      </p:sp>
+      <p:sp>
+        <p:nvSpPr>
+          <p:cNvPr id="4" name="TextBox 3"/>
           <p:cNvSpPr txBox="1"/>
           <p:nvPr/>
         </p:nvSpPr>
         <p:spPr>
           <a:xfrm>
-            <a:off x="548640" y="1005840"/>
-            <a:ext cx="10058400" cy="914400"/>
+            <a:off x="731520" y="1828800"/>
+            <a:ext cx="6724918" cy="2862322"/>
           </a:xfrm>
           <a:prstGeom prst="rect">
             <a:avLst/>
@@ -5129,42 +5300,20 @@
           </a:bodyPr>
           <a:lstStyle/>
           <a:p>
-            <a:pPr>
-              <a:defRPr sz="2000" b="1"/>
-            </a:pPr>
-            <a:r>
-              <a:t>“測る”から“続ける”へ。Webアプリで体験をアップグレード。</a:t>
-            </a:r>
-          </a:p>
-        </p:txBody>
-      </p:sp>
-      <p:sp>
-        <p:nvSpPr>
-          <p:cNvPr id="4" name="TextBox 3"/>
-          <p:cNvSpPr txBox="1"/>
-          <p:nvPr/>
-        </p:nvSpPr>
-        <p:spPr>
-          <a:xfrm>
-            <a:off x="731520" y="1828800"/>
-            <a:ext cx="10058400" cy="4114800"/>
-          </a:xfrm>
-          <a:prstGeom prst="rect">
-            <a:avLst/>
-          </a:prstGeom>
-          <a:noFill/>
-        </p:spPr>
-        <p:txBody>
-          <a:bodyPr wrap="none">
-            <a:spAutoFit/>
-          </a:bodyPr>
-          <a:lstStyle/>
-          <a:p/>
+            <a:endParaRPr>
+              <a:latin typeface="Meiryo UI" panose="020B0604030504040204" pitchFamily="50" charset="-128"/>
+              <a:ea typeface="Meiryo UI" panose="020B0604030504040204" pitchFamily="50" charset="-128"/>
+            </a:endParaRPr>
+          </a:p>
           <a:p>
             <a:pPr>
               <a:defRPr sz="1800"/>
             </a:pPr>
             <a:r>
+              <a:rPr>
+                <a:latin typeface="Meiryo UI" panose="020B0604030504040204" pitchFamily="50" charset="-128"/>
+                <a:ea typeface="Meiryo UI" panose="020B0604030504040204" pitchFamily="50" charset="-128"/>
+              </a:rPr>
               <a:t>✅ 呼吸記録・キャラ誘導で“続けやすさ”をサポート</a:t>
             </a:r>
           </a:p>
@@ -5173,6 +5322,10 @@
               <a:defRPr sz="1800"/>
             </a:pPr>
             <a:r>
+              <a:rPr>
+                <a:latin typeface="Meiryo UI" panose="020B0604030504040204" pitchFamily="50" charset="-128"/>
+                <a:ea typeface="Meiryo UI" panose="020B0604030504040204" pitchFamily="50" charset="-128"/>
+              </a:rPr>
               <a:t>✅ 高齢者や初心者にもやさしいUIと音声ナビ</a:t>
             </a:r>
           </a:p>
@@ -5181,6 +5334,10 @@
               <a:defRPr sz="1800"/>
             </a:pPr>
             <a:r>
+              <a:rPr>
+                <a:latin typeface="Meiryo UI" panose="020B0604030504040204" pitchFamily="50" charset="-128"/>
+                <a:ea typeface="Meiryo UI" panose="020B0604030504040204" pitchFamily="50" charset="-128"/>
+              </a:rPr>
               <a:t>✅ ログ可視化で、使うほど満足度アップ</a:t>
             </a:r>
           </a:p>
@@ -5189,6 +5346,10 @@
               <a:defRPr sz="1800"/>
             </a:pPr>
             <a:r>
+              <a:rPr>
+                <a:latin typeface="Meiryo UI" panose="020B0604030504040204" pitchFamily="50" charset="-128"/>
+                <a:ea typeface="Meiryo UI" panose="020B0604030504040204" pitchFamily="50" charset="-128"/>
+              </a:rPr>
               <a:t>✅ NFCタグやQRコードによる“簡単起動”が可能</a:t>
             </a:r>
           </a:p>
@@ -5196,12 +5357,20 @@
             <a:pPr>
               <a:defRPr sz="1800"/>
             </a:pPr>
+            <a:endParaRPr>
+              <a:latin typeface="Meiryo UI" panose="020B0604030504040204" pitchFamily="50" charset="-128"/>
+              <a:ea typeface="Meiryo UI" panose="020B0604030504040204" pitchFamily="50" charset="-128"/>
+            </a:endParaRPr>
           </a:p>
           <a:p>
             <a:pPr>
               <a:defRPr sz="1800"/>
             </a:pPr>
             <a:r>
+              <a:rPr>
+                <a:latin typeface="Meiryo UI" panose="020B0604030504040204" pitchFamily="50" charset="-128"/>
+                <a:ea typeface="Meiryo UI" panose="020B0604030504040204" pitchFamily="50" charset="-128"/>
+              </a:rPr>
               <a:t>📱 利用イメージ：</a:t>
             </a:r>
           </a:p>
@@ -5210,6 +5379,10 @@
               <a:defRPr sz="1800"/>
             </a:pPr>
             <a:r>
+              <a:rPr>
+                <a:latin typeface="Meiryo UI" panose="020B0604030504040204" pitchFamily="50" charset="-128"/>
+                <a:ea typeface="Meiryo UI" panose="020B0604030504040204" pitchFamily="50" charset="-128"/>
+              </a:rPr>
               <a:t>・スマホをウルトラブレス（または同梱NFCタグ）にかざすだけで自動起動</a:t>
             </a:r>
           </a:p>
@@ -5218,6 +5391,10 @@
               <a:defRPr sz="1800"/>
             </a:pPr>
             <a:r>
+              <a:rPr>
+                <a:latin typeface="Meiryo UI" panose="020B0604030504040204" pitchFamily="50" charset="-128"/>
+                <a:ea typeface="Meiryo UI" panose="020B0604030504040204" pitchFamily="50" charset="-128"/>
+              </a:rPr>
               <a:t>・アプリ不要。ブラウザでそのままトレーニング開始</a:t>
             </a:r>
           </a:p>
@@ -5226,6 +5403,10 @@
               <a:defRPr sz="1800"/>
             </a:pPr>
             <a:r>
+              <a:rPr>
+                <a:latin typeface="Meiryo UI" panose="020B0604030504040204" pitchFamily="50" charset="-128"/>
+                <a:ea typeface="Meiryo UI" panose="020B0604030504040204" pitchFamily="50" charset="-128"/>
+              </a:rPr>
               <a:t>・OEM展開も可能。ロゴ・キャラ・演出をブランドに合わせてカスタマイズ</a:t>
             </a:r>
           </a:p>
@@ -5240,9 +5421,9 @@
 </file>
 
 <file path=ppt/theme/theme1.xml><?xml version="1.0" encoding="utf-8"?>
-<a:theme xmlns:a="http://schemas.openxmlformats.org/drawingml/2006/main" name="Office テーマ">
+<a:theme xmlns:a="http://schemas.openxmlformats.org/drawingml/2006/main" name="Office Theme">
   <a:themeElements>
-    <a:clrScheme name="Office">
+    <a:clrScheme name="Office テーマ">
       <a:dk1>
         <a:sysClr val="windowText" lastClr="000000"/>
       </a:dk1>
@@ -5280,9 +5461,9 @@
         <a:srgbClr val="96607D"/>
       </a:folHlink>
     </a:clrScheme>
-    <a:fontScheme name="Office">
+    <a:fontScheme name="Office テーマ">
       <a:majorFont>
-        <a:latin typeface="游ゴシック Light" panose="02110004020202020204"/>
+        <a:latin typeface="Aptos Display" panose="02110004020202020204"/>
         <a:ea typeface=""/>
         <a:cs typeface=""/>
         <a:font script="Jpan" typeface="游ゴシック Light"/>
@@ -5334,7 +5515,7 @@
         <a:font script="Tfng" typeface="Ebrima"/>
       </a:majorFont>
       <a:minorFont>
-        <a:latin typeface="游ゴシック" panose="02110004020202020204"/>
+        <a:latin typeface="Aptos" panose="02110004020202020204"/>
         <a:ea typeface=""/>
         <a:cs typeface=""/>
         <a:font script="Jpan" typeface="游ゴシック"/>
@@ -5386,7 +5567,7 @@
         <a:font script="Tfng" typeface="Ebrima"/>
       </a:minorFont>
     </a:fontScheme>
-    <a:fmtScheme name="Office">
+    <a:fmtScheme name="Office テーマ">
       <a:fillStyleLst>
         <a:solidFill>
           <a:schemeClr val="phClr"/>
